--- a/docs/Embedded Devices Malware Detection, Prevention & Centralization.pptx
+++ b/docs/Embedded Devices Malware Detection, Prevention & Centralization.pptx
@@ -5,10 +5,10 @@
     <p:sldMasterId id="2147483648" r:id="rId4"/>
   </p:sldMasterIdLst>
   <p:notesMasterIdLst>
-    <p:notesMasterId r:id="rId14"/>
+    <p:notesMasterId r:id="rId18"/>
   </p:notesMasterIdLst>
   <p:handoutMasterIdLst>
-    <p:handoutMasterId r:id="rId15"/>
+    <p:handoutMasterId r:id="rId19"/>
   </p:handoutMasterIdLst>
   <p:sldIdLst>
     <p:sldId id="256" r:id="rId5"/>
@@ -17,9 +17,13 @@
     <p:sldId id="269" r:id="rId8"/>
     <p:sldId id="270" r:id="rId9"/>
     <p:sldId id="271" r:id="rId10"/>
-    <p:sldId id="272" r:id="rId11"/>
-    <p:sldId id="273" r:id="rId12"/>
-    <p:sldId id="268" r:id="rId13"/>
+    <p:sldId id="274" r:id="rId11"/>
+    <p:sldId id="272" r:id="rId12"/>
+    <p:sldId id="275" r:id="rId13"/>
+    <p:sldId id="276" r:id="rId14"/>
+    <p:sldId id="277" r:id="rId15"/>
+    <p:sldId id="273" r:id="rId16"/>
+    <p:sldId id="268" r:id="rId17"/>
   </p:sldIdLst>
   <p:sldSz cx="12192000" cy="6858000"/>
   <p:notesSz cx="6858000" cy="9144000"/>
@@ -222,7 +226,7 @@
           <a:p>
             <a:fld id="{23CEAAF3-9831-450B-8D59-2C09DB96C8FC}" type="datetimeFigureOut">
               <a:rPr lang="en-US"/>
-              <a:t>5/15/2021</a:t>
+              <a:t>7/1/2021</a:t>
             </a:fld>
             <a:endParaRPr/>
           </a:p>
@@ -387,7 +391,7 @@
           <a:p>
             <a:fld id="{2D50CD79-FC16-4410-AB61-17F26E6D3BC8}" type="datetimeFigureOut">
               <a:rPr lang="en-US"/>
-              <a:t>5/15/2021</a:t>
+              <a:t>7/1/2021</a:t>
             </a:fld>
             <a:endParaRPr/>
           </a:p>
@@ -1029,7 +1033,7 @@
             <a:fld id="{402B9795-92DC-40DC-A1CA-9A4B349D7824}" type="datetimeFigureOut">
               <a:rPr lang="en-US" smtClean="0"/>
               <a:pPr/>
-              <a:t>5/15/2021</a:t>
+              <a:t>7/1/2021</a:t>
             </a:fld>
             <a:endParaRPr lang="en-US" dirty="0"/>
           </a:p>
@@ -1323,7 +1327,7 @@
           <a:p>
             <a:fld id="{402B9795-92DC-40DC-A1CA-9A4B349D7824}" type="datetimeFigureOut">
               <a:rPr lang="en-US"/>
-              <a:t>5/15/2021</a:t>
+              <a:t>7/1/2021</a:t>
             </a:fld>
             <a:endParaRPr/>
           </a:p>
@@ -1505,7 +1509,7 @@
           <a:p>
             <a:fld id="{402B9795-92DC-40DC-A1CA-9A4B349D7824}" type="datetimeFigureOut">
               <a:rPr lang="en-US"/>
-              <a:t>5/15/2021</a:t>
+              <a:t>7/1/2021</a:t>
             </a:fld>
             <a:endParaRPr/>
           </a:p>
@@ -1697,7 +1701,7 @@
           <a:p>
             <a:fld id="{402B9795-92DC-40DC-A1CA-9A4B349D7824}" type="datetimeFigureOut">
               <a:rPr lang="en-US"/>
-              <a:t>5/15/2021</a:t>
+              <a:t>7/1/2021</a:t>
             </a:fld>
             <a:endParaRPr/>
           </a:p>
@@ -1966,7 +1970,7 @@
           <a:p>
             <a:fld id="{402B9795-92DC-40DC-A1CA-9A4B349D7824}" type="datetimeFigureOut">
               <a:rPr lang="en-US"/>
-              <a:t>5/15/2021</a:t>
+              <a:t>7/1/2021</a:t>
             </a:fld>
             <a:endParaRPr/>
           </a:p>
@@ -2995,7 +2999,7 @@
           <a:p>
             <a:fld id="{402B9795-92DC-40DC-A1CA-9A4B349D7824}" type="datetimeFigureOut">
               <a:rPr lang="en-US"/>
-              <a:t>5/15/2021</a:t>
+              <a:t>7/1/2021</a:t>
             </a:fld>
             <a:endParaRPr/>
           </a:p>
@@ -3268,7 +3272,7 @@
           <a:p>
             <a:fld id="{402B9795-92DC-40DC-A1CA-9A4B349D7824}" type="datetimeFigureOut">
               <a:rPr lang="en-US"/>
-              <a:t>5/15/2021</a:t>
+              <a:t>7/1/2021</a:t>
             </a:fld>
             <a:endParaRPr/>
           </a:p>
@@ -3648,7 +3652,7 @@
           <a:p>
             <a:fld id="{402B9795-92DC-40DC-A1CA-9A4B349D7824}" type="datetimeFigureOut">
               <a:rPr lang="en-US"/>
-              <a:t>5/15/2021</a:t>
+              <a:t>7/1/2021</a:t>
             </a:fld>
             <a:endParaRPr/>
           </a:p>
@@ -3778,7 +3782,7 @@
           <a:p>
             <a:fld id="{402B9795-92DC-40DC-A1CA-9A4B349D7824}" type="datetimeFigureOut">
               <a:rPr lang="en-US"/>
-              <a:t>5/15/2021</a:t>
+              <a:t>7/1/2021</a:t>
             </a:fld>
             <a:endParaRPr/>
           </a:p>
@@ -3885,7 +3889,7 @@
           <a:p>
             <a:fld id="{402B9795-92DC-40DC-A1CA-9A4B349D7824}" type="datetimeFigureOut">
               <a:rPr lang="en-US"/>
-              <a:t>5/15/2021</a:t>
+              <a:t>7/1/2021</a:t>
             </a:fld>
             <a:endParaRPr/>
           </a:p>
@@ -4176,7 +4180,7 @@
           <a:p>
             <a:fld id="{402B9795-92DC-40DC-A1CA-9A4B349D7824}" type="datetimeFigureOut">
               <a:rPr lang="en-US"/>
-              <a:t>5/15/2021</a:t>
+              <a:t>7/1/2021</a:t>
             </a:fld>
             <a:endParaRPr/>
           </a:p>
@@ -4402,7 +4406,7 @@
             <a:fld id="{402B9795-92DC-40DC-A1CA-9A4B349D7824}" type="datetimeFigureOut">
               <a:rPr lang="en-US" smtClean="0"/>
               <a:pPr/>
-              <a:t>5/15/2021</a:t>
+              <a:t>7/1/2021</a:t>
             </a:fld>
             <a:endParaRPr lang="en-US"/>
           </a:p>
@@ -4965,13 +4969,13 @@
               </a:spcAft>
             </a:pPr>
             <a:r>
-              <a:rPr lang="en-US" sz="2400" b="1" dirty="0">
+              <a:rPr lang="ro-RO" sz="2400" b="1" dirty="0">
                 <a:effectLst/>
                 <a:latin typeface="Calibri" panose="020F0502020204030204" pitchFamily="34" charset="0"/>
                 <a:ea typeface="Times New Roman" panose="02020603050405020304" pitchFamily="18" charset="0"/>
                 <a:cs typeface="Times New Roman" panose="02020603050405020304" pitchFamily="18" charset="0"/>
               </a:rPr>
-              <a:t>Embedded Devices Malware Detection, Prevention &amp; Centralization</a:t>
+              <a:t>Detecția, prevenirea și centralizarea alertelor de malware pentru dispozitive embedded</a:t>
             </a:r>
           </a:p>
         </p:txBody>
@@ -4988,7 +4992,7 @@
         </p:nvSpPr>
         <p:spPr>
           <a:xfrm>
-            <a:off x="3389376" y="3860710"/>
+            <a:off x="3429381" y="4159414"/>
             <a:ext cx="3444240" cy="407688"/>
           </a:xfrm>
         </p:spPr>
@@ -5061,6 +5065,632 @@
 </p:sld>
 </file>
 
+<file path=ppt/slides/slide10.xml><?xml version="1.0" encoding="utf-8"?>
+<p:sld xmlns:a="http://schemas.openxmlformats.org/drawingml/2006/main" xmlns:r="http://schemas.openxmlformats.org/officeDocument/2006/relationships" xmlns:p="http://schemas.openxmlformats.org/presentationml/2006/main">
+  <p:cSld>
+    <p:spTree>
+      <p:nvGrpSpPr>
+        <p:cNvPr id="1" name=""/>
+        <p:cNvGrpSpPr/>
+        <p:nvPr/>
+      </p:nvGrpSpPr>
+      <p:grpSpPr>
+        <a:xfrm>
+          <a:off x="0" y="0"/>
+          <a:ext cx="0" cy="0"/>
+          <a:chOff x="0" y="0"/>
+          <a:chExt cx="0" cy="0"/>
+        </a:xfrm>
+      </p:grpSpPr>
+      <p:sp>
+        <p:nvSpPr>
+          <p:cNvPr id="2" name="Title 1">
+            <a:extLst>
+              <a:ext uri="{FF2B5EF4-FFF2-40B4-BE49-F238E27FC236}">
+                <a16:creationId xmlns:a16="http://schemas.microsoft.com/office/drawing/2014/main" id="{F0089E1A-3B55-4F74-8F48-718BB84589F2}"/>
+              </a:ext>
+            </a:extLst>
+          </p:cNvPr>
+          <p:cNvSpPr>
+            <a:spLocks noGrp="1"/>
+          </p:cNvSpPr>
+          <p:nvPr>
+            <p:ph type="title"/>
+          </p:nvPr>
+        </p:nvSpPr>
+        <p:spPr/>
+        <p:txBody>
+          <a:bodyPr/>
+          <a:lstStyle/>
+          <a:p>
+            <a:r>
+              <a:rPr lang="en-US" dirty="0"/>
+              <a:t>5</a:t>
+            </a:r>
+            <a:r>
+              <a:rPr lang="ro-RO" dirty="0"/>
+              <a:t>. Soluția propusă: arhitectură, cazuri de utilizare, limitări</a:t>
+            </a:r>
+            <a:endParaRPr lang="en-US" dirty="0"/>
+          </a:p>
+        </p:txBody>
+      </p:sp>
+      <p:pic>
+        <p:nvPicPr>
+          <p:cNvPr id="5" name="Content Placeholder 4" descr="Diagram&#10;&#10;Description automatically generated">
+            <a:extLst>
+              <a:ext uri="{FF2B5EF4-FFF2-40B4-BE49-F238E27FC236}">
+                <a16:creationId xmlns:a16="http://schemas.microsoft.com/office/drawing/2014/main" id="{B9E59680-AB88-4CF0-9062-FF0452CAF8BA}"/>
+              </a:ext>
+            </a:extLst>
+          </p:cNvPr>
+          <p:cNvPicPr>
+            <a:picLocks noGrp="1" noChangeAspect="1"/>
+          </p:cNvPicPr>
+          <p:nvPr>
+            <p:ph idx="1"/>
+          </p:nvPr>
+        </p:nvPicPr>
+        <p:blipFill>
+          <a:blip r:embed="rId2" cstate="print">
+            <a:extLst>
+              <a:ext uri="{28A0092B-C50C-407E-A947-70E740481C1C}">
+                <a14:useLocalDpi xmlns:a14="http://schemas.microsoft.com/office/drawing/2010/main" val="0"/>
+              </a:ext>
+            </a:extLst>
+          </a:blip>
+          <a:stretch>
+            <a:fillRect/>
+          </a:stretch>
+        </p:blipFill>
+        <p:spPr>
+          <a:xfrm>
+            <a:off x="2226171" y="1588008"/>
+            <a:ext cx="7739657" cy="3961586"/>
+          </a:xfrm>
+          <a:effectLst>
+            <a:outerShdw blurRad="63500" sx="102000" sy="102000" algn="ctr" rotWithShape="0">
+              <a:prstClr val="black">
+                <a:alpha val="40000"/>
+              </a:prstClr>
+            </a:outerShdw>
+          </a:effectLst>
+        </p:spPr>
+      </p:pic>
+      <p:sp>
+        <p:nvSpPr>
+          <p:cNvPr id="6" name="TextBox 5">
+            <a:extLst>
+              <a:ext uri="{FF2B5EF4-FFF2-40B4-BE49-F238E27FC236}">
+                <a16:creationId xmlns:a16="http://schemas.microsoft.com/office/drawing/2014/main" id="{F77A74B8-93AD-4906-8D53-40D6E4518B0D}"/>
+              </a:ext>
+            </a:extLst>
+          </p:cNvPr>
+          <p:cNvSpPr txBox="1"/>
+          <p:nvPr/>
+        </p:nvSpPr>
+        <p:spPr>
+          <a:xfrm>
+            <a:off x="3137647" y="5858256"/>
+            <a:ext cx="5257979" cy="338554"/>
+          </a:xfrm>
+          <a:prstGeom prst="rect">
+            <a:avLst/>
+          </a:prstGeom>
+          <a:noFill/>
+        </p:spPr>
+        <p:txBody>
+          <a:bodyPr wrap="square" rtlCol="0">
+            <a:spAutoFit/>
+          </a:bodyPr>
+          <a:lstStyle/>
+          <a:p>
+            <a:pPr algn="ctr"/>
+            <a:r>
+              <a:rPr lang="ro-RO" sz="1600" i="1" dirty="0"/>
+              <a:t>Figura 2. Diagramă UML client</a:t>
+            </a:r>
+            <a:endParaRPr lang="en-US" sz="1600" i="1" dirty="0"/>
+          </a:p>
+        </p:txBody>
+      </p:sp>
+    </p:spTree>
+    <p:extLst>
+      <p:ext uri="{BB962C8B-B14F-4D97-AF65-F5344CB8AC3E}">
+        <p14:creationId xmlns:p14="http://schemas.microsoft.com/office/powerpoint/2010/main" val="80631359"/>
+      </p:ext>
+    </p:extLst>
+  </p:cSld>
+  <p:clrMapOvr>
+    <a:masterClrMapping/>
+  </p:clrMapOvr>
+  <mc:AlternateContent xmlns:mc="http://schemas.openxmlformats.org/markup-compatibility/2006" xmlns:p14="http://schemas.microsoft.com/office/powerpoint/2010/main">
+    <mc:Choice Requires="p14">
+      <p:transition spd="med" p14:dur="700">
+        <p:fade/>
+      </p:transition>
+    </mc:Choice>
+    <mc:Fallback xmlns="">
+      <p:transition spd="med">
+        <p:fade/>
+      </p:transition>
+    </mc:Fallback>
+  </mc:AlternateContent>
+</p:sld>
+</file>
+
+<file path=ppt/slides/slide11.xml><?xml version="1.0" encoding="utf-8"?>
+<p:sld xmlns:a="http://schemas.openxmlformats.org/drawingml/2006/main" xmlns:r="http://schemas.openxmlformats.org/officeDocument/2006/relationships" xmlns:p="http://schemas.openxmlformats.org/presentationml/2006/main">
+  <p:cSld>
+    <p:spTree>
+      <p:nvGrpSpPr>
+        <p:cNvPr id="1" name=""/>
+        <p:cNvGrpSpPr/>
+        <p:nvPr/>
+      </p:nvGrpSpPr>
+      <p:grpSpPr>
+        <a:xfrm>
+          <a:off x="0" y="0"/>
+          <a:ext cx="0" cy="0"/>
+          <a:chOff x="0" y="0"/>
+          <a:chExt cx="0" cy="0"/>
+        </a:xfrm>
+      </p:grpSpPr>
+      <p:sp>
+        <p:nvSpPr>
+          <p:cNvPr id="2" name="Title 1">
+            <a:extLst>
+              <a:ext uri="{FF2B5EF4-FFF2-40B4-BE49-F238E27FC236}">
+                <a16:creationId xmlns:a16="http://schemas.microsoft.com/office/drawing/2014/main" id="{1416F993-DEDC-4674-99A4-7135819952E3}"/>
+              </a:ext>
+            </a:extLst>
+          </p:cNvPr>
+          <p:cNvSpPr>
+            <a:spLocks noGrp="1"/>
+          </p:cNvSpPr>
+          <p:nvPr>
+            <p:ph type="title"/>
+          </p:nvPr>
+        </p:nvSpPr>
+        <p:spPr/>
+        <p:txBody>
+          <a:bodyPr/>
+          <a:lstStyle/>
+          <a:p>
+            <a:r>
+              <a:rPr lang="en-US" dirty="0"/>
+              <a:t>5</a:t>
+            </a:r>
+            <a:r>
+              <a:rPr lang="ro-RO" dirty="0"/>
+              <a:t>. Soluția propusă: arhitectură, cazuri de utilizare, limitări</a:t>
+            </a:r>
+            <a:endParaRPr lang="en-US" dirty="0"/>
+          </a:p>
+        </p:txBody>
+      </p:sp>
+      <p:pic>
+        <p:nvPicPr>
+          <p:cNvPr id="5" name="Content Placeholder 4">
+            <a:extLst>
+              <a:ext uri="{FF2B5EF4-FFF2-40B4-BE49-F238E27FC236}">
+                <a16:creationId xmlns:a16="http://schemas.microsoft.com/office/drawing/2014/main" id="{210832AF-21C5-48A5-9BB1-6AB0652C6F20}"/>
+              </a:ext>
+            </a:extLst>
+          </p:cNvPr>
+          <p:cNvPicPr>
+            <a:picLocks noGrp="1" noChangeAspect="1"/>
+          </p:cNvPicPr>
+          <p:nvPr>
+            <p:ph idx="1"/>
+          </p:nvPr>
+        </p:nvPicPr>
+        <p:blipFill>
+          <a:blip r:embed="rId2" cstate="print">
+            <a:extLst>
+              <a:ext uri="{28A0092B-C50C-407E-A947-70E740481C1C}">
+                <a14:useLocalDpi xmlns:a14="http://schemas.microsoft.com/office/drawing/2010/main" val="0"/>
+              </a:ext>
+            </a:extLst>
+          </a:blip>
+          <a:stretch>
+            <a:fillRect/>
+          </a:stretch>
+        </p:blipFill>
+        <p:spPr>
+          <a:xfrm>
+            <a:off x="2730891" y="1484714"/>
+            <a:ext cx="6730218" cy="3888571"/>
+          </a:xfrm>
+          <a:effectLst>
+            <a:outerShdw blurRad="63500" sx="102000" sy="102000" algn="ctr" rotWithShape="0">
+              <a:prstClr val="black">
+                <a:alpha val="40000"/>
+              </a:prstClr>
+            </a:outerShdw>
+          </a:effectLst>
+        </p:spPr>
+      </p:pic>
+      <p:sp>
+        <p:nvSpPr>
+          <p:cNvPr id="6" name="TextBox 5">
+            <a:extLst>
+              <a:ext uri="{FF2B5EF4-FFF2-40B4-BE49-F238E27FC236}">
+                <a16:creationId xmlns:a16="http://schemas.microsoft.com/office/drawing/2014/main" id="{96344B1D-E078-41CA-ADB8-D865DE9D6A75}"/>
+              </a:ext>
+            </a:extLst>
+          </p:cNvPr>
+          <p:cNvSpPr txBox="1"/>
+          <p:nvPr/>
+        </p:nvSpPr>
+        <p:spPr>
+          <a:xfrm>
+            <a:off x="2730891" y="5562241"/>
+            <a:ext cx="6730218" cy="338554"/>
+          </a:xfrm>
+          <a:prstGeom prst="rect">
+            <a:avLst/>
+          </a:prstGeom>
+          <a:noFill/>
+        </p:spPr>
+        <p:txBody>
+          <a:bodyPr wrap="square" rtlCol="0">
+            <a:spAutoFit/>
+          </a:bodyPr>
+          <a:lstStyle/>
+          <a:p>
+            <a:pPr algn="ctr"/>
+            <a:r>
+              <a:rPr lang="ro-RO" sz="1600" i="1" dirty="0"/>
+              <a:t>Figura 3. Diagramă UML server</a:t>
+            </a:r>
+            <a:endParaRPr lang="en-US" sz="1600" i="1" dirty="0"/>
+          </a:p>
+        </p:txBody>
+      </p:sp>
+    </p:spTree>
+    <p:extLst>
+      <p:ext uri="{BB962C8B-B14F-4D97-AF65-F5344CB8AC3E}">
+        <p14:creationId xmlns:p14="http://schemas.microsoft.com/office/powerpoint/2010/main" val="3130830212"/>
+      </p:ext>
+    </p:extLst>
+  </p:cSld>
+  <p:clrMapOvr>
+    <a:masterClrMapping/>
+  </p:clrMapOvr>
+  <mc:AlternateContent xmlns:mc="http://schemas.openxmlformats.org/markup-compatibility/2006" xmlns:p14="http://schemas.microsoft.com/office/powerpoint/2010/main">
+    <mc:Choice Requires="p14">
+      <p:transition spd="med" p14:dur="700">
+        <p:fade/>
+      </p:transition>
+    </mc:Choice>
+    <mc:Fallback xmlns="">
+      <p:transition spd="med">
+        <p:fade/>
+      </p:transition>
+    </mc:Fallback>
+  </mc:AlternateContent>
+</p:sld>
+</file>
+
+<file path=ppt/slides/slide12.xml><?xml version="1.0" encoding="utf-8"?>
+<p:sld xmlns:a="http://schemas.openxmlformats.org/drawingml/2006/main" xmlns:r="http://schemas.openxmlformats.org/officeDocument/2006/relationships" xmlns:p="http://schemas.openxmlformats.org/presentationml/2006/main">
+  <p:cSld>
+    <p:spTree>
+      <p:nvGrpSpPr>
+        <p:cNvPr id="1" name=""/>
+        <p:cNvGrpSpPr/>
+        <p:nvPr/>
+      </p:nvGrpSpPr>
+      <p:grpSpPr>
+        <a:xfrm>
+          <a:off x="0" y="0"/>
+          <a:ext cx="0" cy="0"/>
+          <a:chOff x="0" y="0"/>
+          <a:chExt cx="0" cy="0"/>
+        </a:xfrm>
+      </p:grpSpPr>
+      <p:sp>
+        <p:nvSpPr>
+          <p:cNvPr id="2" name="Title 1"/>
+          <p:cNvSpPr>
+            <a:spLocks noGrp="1"/>
+          </p:cNvSpPr>
+          <p:nvPr>
+            <p:ph type="title"/>
+          </p:nvPr>
+        </p:nvSpPr>
+        <p:spPr/>
+        <p:txBody>
+          <a:bodyPr/>
+          <a:lstStyle/>
+          <a:p>
+            <a:r>
+              <a:rPr lang="ro-RO" dirty="0"/>
+              <a:t>6. Evaluarea rezultatelor</a:t>
+            </a:r>
+          </a:p>
+        </p:txBody>
+      </p:sp>
+      <p:sp>
+        <p:nvSpPr>
+          <p:cNvPr id="5" name="TextBox 4">
+            <a:extLst>
+              <a:ext uri="{FF2B5EF4-FFF2-40B4-BE49-F238E27FC236}">
+                <a16:creationId xmlns:a16="http://schemas.microsoft.com/office/drawing/2014/main" id="{9B96D803-AD7D-4D98-85BC-C671FB142D4B}"/>
+              </a:ext>
+            </a:extLst>
+          </p:cNvPr>
+          <p:cNvSpPr txBox="1"/>
+          <p:nvPr/>
+        </p:nvSpPr>
+        <p:spPr>
+          <a:xfrm>
+            <a:off x="1104900" y="2060448"/>
+            <a:ext cx="9980682" cy="2920287"/>
+          </a:xfrm>
+          <a:prstGeom prst="rect">
+            <a:avLst/>
+          </a:prstGeom>
+          <a:noFill/>
+        </p:spPr>
+        <p:txBody>
+          <a:bodyPr wrap="square" rtlCol="0">
+            <a:spAutoFit/>
+          </a:bodyPr>
+          <a:lstStyle/>
+          <a:p>
+            <a:pPr marL="0" marR="0" algn="just">
+              <a:lnSpc>
+                <a:spcPct val="105000"/>
+              </a:lnSpc>
+              <a:spcBef>
+                <a:spcPts val="0"/>
+              </a:spcBef>
+              <a:spcAft>
+                <a:spcPts val="800"/>
+              </a:spcAft>
+            </a:pPr>
+            <a:r>
+              <a:rPr lang="ro-RO" dirty="0">
+                <a:latin typeface="Calibri" panose="020F0502020204030204" pitchFamily="34" charset="0"/>
+                <a:ea typeface="Times New Roman" panose="02020603050405020304" pitchFamily="18" charset="0"/>
+                <a:cs typeface="Times New Roman" panose="02020603050405020304" pitchFamily="18" charset="0"/>
+              </a:rPr>
+              <a:t>Pentru demo, am creat următorul mediu de test:</a:t>
+            </a:r>
+          </a:p>
+          <a:p>
+            <a:pPr marL="285750" marR="0" indent="-285750" algn="just">
+              <a:lnSpc>
+                <a:spcPct val="105000"/>
+              </a:lnSpc>
+              <a:spcBef>
+                <a:spcPts val="0"/>
+              </a:spcBef>
+              <a:spcAft>
+                <a:spcPts val="800"/>
+              </a:spcAft>
+              <a:buFontTx/>
+              <a:buChar char="-"/>
+            </a:pPr>
+            <a:r>
+              <a:rPr lang="ro-RO" dirty="0">
+                <a:latin typeface="Calibri" panose="020F0502020204030204" pitchFamily="34" charset="0"/>
+                <a:ea typeface="Times New Roman" panose="02020603050405020304" pitchFamily="18" charset="0"/>
+                <a:cs typeface="Times New Roman" panose="02020603050405020304" pitchFamily="18" charset="0"/>
+              </a:rPr>
+              <a:t>3 containere de LXD ce deservește ca si client</a:t>
+            </a:r>
+          </a:p>
+          <a:p>
+            <a:pPr marL="285750" marR="0" indent="-285750" algn="just">
+              <a:lnSpc>
+                <a:spcPct val="105000"/>
+              </a:lnSpc>
+              <a:spcBef>
+                <a:spcPts val="0"/>
+              </a:spcBef>
+              <a:spcAft>
+                <a:spcPts val="800"/>
+              </a:spcAft>
+              <a:buFontTx/>
+              <a:buChar char="-"/>
+            </a:pPr>
+            <a:r>
+              <a:rPr lang="ro-RO" dirty="0">
+                <a:latin typeface="Calibri" panose="020F0502020204030204" pitchFamily="34" charset="0"/>
+                <a:ea typeface="Times New Roman" panose="02020603050405020304" pitchFamily="18" charset="0"/>
+                <a:cs typeface="Times New Roman" panose="02020603050405020304" pitchFamily="18" charset="0"/>
+              </a:rPr>
+              <a:t>1 container de LXD ce deservește ca si server</a:t>
+            </a:r>
+          </a:p>
+          <a:p>
+            <a:pPr marL="285750" marR="0" indent="-285750" algn="just">
+              <a:lnSpc>
+                <a:spcPct val="105000"/>
+              </a:lnSpc>
+              <a:spcBef>
+                <a:spcPts val="0"/>
+              </a:spcBef>
+              <a:spcAft>
+                <a:spcPts val="800"/>
+              </a:spcAft>
+              <a:buFontTx/>
+              <a:buChar char="-"/>
+            </a:pPr>
+            <a:r>
+              <a:rPr lang="ro-RO" dirty="0">
+                <a:latin typeface="Calibri" panose="020F0502020204030204" pitchFamily="34" charset="0"/>
+                <a:ea typeface="Times New Roman" panose="02020603050405020304" pitchFamily="18" charset="0"/>
+                <a:cs typeface="Times New Roman" panose="02020603050405020304" pitchFamily="18" charset="0"/>
+              </a:rPr>
+              <a:t>copierea fișierelor pe client folosind SSH</a:t>
+            </a:r>
+            <a:endParaRPr lang="en-US" dirty="0">
+              <a:latin typeface="Calibri" panose="020F0502020204030204" pitchFamily="34" charset="0"/>
+              <a:ea typeface="Times New Roman" panose="02020603050405020304" pitchFamily="18" charset="0"/>
+              <a:cs typeface="Times New Roman" panose="02020603050405020304" pitchFamily="18" charset="0"/>
+            </a:endParaRPr>
+          </a:p>
+          <a:p>
+            <a:pPr marL="285750" marR="0" indent="-285750" algn="just">
+              <a:lnSpc>
+                <a:spcPct val="105000"/>
+              </a:lnSpc>
+              <a:spcBef>
+                <a:spcPts val="0"/>
+              </a:spcBef>
+              <a:spcAft>
+                <a:spcPts val="800"/>
+              </a:spcAft>
+              <a:buFontTx/>
+              <a:buChar char="-"/>
+            </a:pPr>
+            <a:endParaRPr lang="en-US" dirty="0">
+              <a:latin typeface="Calibri" panose="020F0502020204030204" pitchFamily="34" charset="0"/>
+              <a:ea typeface="Times New Roman" panose="02020603050405020304" pitchFamily="18" charset="0"/>
+              <a:cs typeface="Times New Roman" panose="02020603050405020304" pitchFamily="18" charset="0"/>
+            </a:endParaRPr>
+          </a:p>
+          <a:p>
+            <a:pPr marR="0" algn="just">
+              <a:lnSpc>
+                <a:spcPct val="105000"/>
+              </a:lnSpc>
+              <a:spcBef>
+                <a:spcPts val="0"/>
+              </a:spcBef>
+              <a:spcAft>
+                <a:spcPts val="800"/>
+              </a:spcAft>
+            </a:pPr>
+            <a:r>
+              <a:rPr lang="ro-RO" dirty="0">
+                <a:latin typeface="Calibri" panose="020F0502020204030204" pitchFamily="34" charset="0"/>
+                <a:ea typeface="Times New Roman" panose="02020603050405020304" pitchFamily="18" charset="0"/>
+                <a:cs typeface="Times New Roman" panose="02020603050405020304" pitchFamily="18" charset="0"/>
+              </a:rPr>
+              <a:t>Vom urmări daca fișierele malițioase sunt șterse de pe s</a:t>
+            </a:r>
+            <a:r>
+              <a:rPr lang="en-US" dirty="0" err="1">
+                <a:latin typeface="Calibri" panose="020F0502020204030204" pitchFamily="34" charset="0"/>
+                <a:ea typeface="Times New Roman" panose="02020603050405020304" pitchFamily="18" charset="0"/>
+                <a:cs typeface="Times New Roman" panose="02020603050405020304" pitchFamily="18" charset="0"/>
+              </a:rPr>
+              <a:t>i</a:t>
+            </a:r>
+            <a:r>
+              <a:rPr lang="ro-RO" dirty="0">
+                <a:latin typeface="Calibri" panose="020F0502020204030204" pitchFamily="34" charset="0"/>
+                <a:ea typeface="Times New Roman" panose="02020603050405020304" pitchFamily="18" charset="0"/>
+                <a:cs typeface="Times New Roman" panose="02020603050405020304" pitchFamily="18" charset="0"/>
+              </a:rPr>
+              <a:t>stem si daca loguri sunt trimise către server. De asemenea, vom interacționa si cu platforma HibridAnalysis pentru a vedea mai multe detalii despre fișierele malițioase.</a:t>
+            </a:r>
+          </a:p>
+        </p:txBody>
+      </p:sp>
+    </p:spTree>
+    <p:extLst>
+      <p:ext uri="{BB962C8B-B14F-4D97-AF65-F5344CB8AC3E}">
+        <p14:creationId xmlns:p14="http://schemas.microsoft.com/office/powerpoint/2010/main" val="944958096"/>
+      </p:ext>
+    </p:extLst>
+  </p:cSld>
+  <p:clrMapOvr>
+    <a:masterClrMapping/>
+  </p:clrMapOvr>
+  <mc:AlternateContent xmlns:mc="http://schemas.openxmlformats.org/markup-compatibility/2006" xmlns:p14="http://schemas.microsoft.com/office/powerpoint/2010/main">
+    <mc:Choice Requires="p14">
+      <p:transition spd="med" p14:dur="700">
+        <p:fade/>
+      </p:transition>
+    </mc:Choice>
+    <mc:Fallback xmlns="">
+      <p:transition spd="med">
+        <p:fade/>
+      </p:transition>
+    </mc:Fallback>
+  </mc:AlternateContent>
+</p:sld>
+</file>
+
+<file path=ppt/slides/slide13.xml><?xml version="1.0" encoding="utf-8"?>
+<p:sld xmlns:a="http://schemas.openxmlformats.org/drawingml/2006/main" xmlns:r="http://schemas.openxmlformats.org/officeDocument/2006/relationships" xmlns:p="http://schemas.openxmlformats.org/presentationml/2006/main">
+  <p:cSld>
+    <p:spTree>
+      <p:nvGrpSpPr>
+        <p:cNvPr id="1" name=""/>
+        <p:cNvGrpSpPr/>
+        <p:nvPr/>
+      </p:nvGrpSpPr>
+      <p:grpSpPr>
+        <a:xfrm>
+          <a:off x="0" y="0"/>
+          <a:ext cx="0" cy="0"/>
+          <a:chOff x="0" y="0"/>
+          <a:chExt cx="0" cy="0"/>
+        </a:xfrm>
+      </p:grpSpPr>
+      <p:sp>
+        <p:nvSpPr>
+          <p:cNvPr id="2" name="Title 1"/>
+          <p:cNvSpPr>
+            <a:spLocks noGrp="1"/>
+          </p:cNvSpPr>
+          <p:nvPr>
+            <p:ph type="ctrTitle"/>
+          </p:nvPr>
+        </p:nvSpPr>
+        <p:spPr>
+          <a:xfrm>
+            <a:off x="4397883" y="2996183"/>
+            <a:ext cx="3396234" cy="865634"/>
+          </a:xfrm>
+        </p:spPr>
+        <p:txBody>
+          <a:bodyPr/>
+          <a:lstStyle/>
+          <a:p>
+            <a:r>
+              <a:rPr lang="ro-RO" dirty="0"/>
+              <a:t>Întrebări</a:t>
+            </a:r>
+            <a:r>
+              <a:rPr lang="en-US" dirty="0"/>
+              <a:t>?</a:t>
+            </a:r>
+          </a:p>
+        </p:txBody>
+      </p:sp>
+    </p:spTree>
+    <p:extLst>
+      <p:ext uri="{BB962C8B-B14F-4D97-AF65-F5344CB8AC3E}">
+        <p14:creationId xmlns:p14="http://schemas.microsoft.com/office/powerpoint/2010/main" val="1315647518"/>
+      </p:ext>
+    </p:extLst>
+  </p:cSld>
+  <p:clrMapOvr>
+    <a:masterClrMapping/>
+  </p:clrMapOvr>
+  <mc:AlternateContent xmlns:mc="http://schemas.openxmlformats.org/markup-compatibility/2006" xmlns:p14="http://schemas.microsoft.com/office/powerpoint/2010/main">
+    <mc:Choice Requires="p14">
+      <p:transition spd="med" p14:dur="700">
+        <p:fade/>
+      </p:transition>
+    </mc:Choice>
+    <mc:Fallback xmlns="">
+      <p:transition spd="med">
+        <p:fade/>
+      </p:transition>
+    </mc:Fallback>
+  </mc:AlternateContent>
+</p:sld>
+</file>
+
 <file path=ppt/slides/slide2.xml><?xml version="1.0" encoding="utf-8"?>
 <p:sld xmlns:a="http://schemas.openxmlformats.org/drawingml/2006/main" xmlns:r="http://schemas.openxmlformats.org/officeDocument/2006/relationships" xmlns:p="http://schemas.openxmlformats.org/presentationml/2006/main">
   <p:cSld>
@@ -5112,12 +5742,14 @@
         </p:nvSpPr>
         <p:spPr>
           <a:xfrm>
-            <a:off x="1104900" y="1891602"/>
-            <a:ext cx="9982200" cy="2886456"/>
+            <a:off x="1104900" y="1678242"/>
+            <a:ext cx="9982200" cy="3094926"/>
           </a:xfrm>
         </p:spPr>
         <p:txBody>
-          <a:bodyPr/>
+          <a:bodyPr>
+            <a:normAutofit/>
+          </a:bodyPr>
           <a:lstStyle/>
           <a:p>
             <a:r>
@@ -5153,7 +5785,7 @@
           <a:p>
             <a:r>
               <a:rPr lang="ro-RO" dirty="0"/>
-              <a:t>Demo</a:t>
+              <a:t>Evaluarea rezultatelor</a:t>
             </a:r>
           </a:p>
           <a:p>
@@ -5239,7 +5871,7 @@
         </p:nvSpPr>
         <p:spPr>
           <a:xfrm>
-            <a:off x="1104900" y="2060448"/>
+            <a:off x="1104900" y="1610072"/>
             <a:ext cx="9980682" cy="3693319"/>
           </a:xfrm>
           <a:prstGeom prst="rect">
@@ -5254,109 +5886,120 @@
           <a:lstStyle/>
           <a:p>
             <a:r>
-              <a:rPr lang="ro-RO" sz="1800" dirty="0">
-                <a:effectLst/>
+              <a:rPr lang="ro-RO" dirty="0">
                 <a:latin typeface="Calibri" panose="020F0502020204030204" pitchFamily="34" charset="0"/>
-                <a:ea typeface="Times New Roman" panose="02020603050405020304" pitchFamily="18" charset="0"/>
-                <a:cs typeface="Times New Roman" panose="02020603050405020304" pitchFamily="18" charset="0"/>
+                <a:cs typeface="Calibri" panose="020F0502020204030204" pitchFamily="34" charset="0"/>
               </a:rPr>
-              <a:t>Scopul acestui proiect a fost de a implementa un mecanism rapid, portabil, ușor de instalat, si gratis de detecție a fișierelor malițioase ce pot apărea pe un sistem </a:t>
-            </a:r>
-            <a:r>
-              <a:rPr lang="ro-RO" sz="1800" b="1" dirty="0">
-                <a:effectLst/>
+              <a:t>Scopul acestui proiect este de a implementa un mecanism rapid, portabil, ușor de instalat, și gratis de detecție a fișierelor malițioase ce pot apărea pe un sistem </a:t>
+            </a:r>
+            <a:r>
+              <a:rPr lang="ro-RO" b="1" dirty="0">
                 <a:latin typeface="Calibri" panose="020F0502020204030204" pitchFamily="34" charset="0"/>
-                <a:ea typeface="Times New Roman" panose="02020603050405020304" pitchFamily="18" charset="0"/>
-                <a:cs typeface="Times New Roman" panose="02020603050405020304" pitchFamily="18" charset="0"/>
+                <a:cs typeface="Calibri" panose="020F0502020204030204" pitchFamily="34" charset="0"/>
+              </a:rPr>
+              <a:t>Unix </a:t>
+            </a:r>
+            <a:r>
+              <a:rPr lang="ro-RO" dirty="0">
+                <a:latin typeface="Calibri" panose="020F0502020204030204" pitchFamily="34" charset="0"/>
+                <a:cs typeface="Calibri" panose="020F0502020204030204" pitchFamily="34" charset="0"/>
+              </a:rPr>
+              <a:t>ca urmare a descărcării de pe Internet sau de pe un dispozitiv extern. Astfel, am urmărit crearea unei soluții de detectare in limbajul </a:t>
+            </a:r>
+            <a:r>
+              <a:rPr lang="ro-RO" b="1" dirty="0" err="1">
+                <a:latin typeface="Calibri" panose="020F0502020204030204" pitchFamily="34" charset="0"/>
+                <a:cs typeface="Calibri" panose="020F0502020204030204" pitchFamily="34" charset="0"/>
+              </a:rPr>
+              <a:t>Bash</a:t>
+            </a:r>
+            <a:r>
+              <a:rPr lang="ro-RO" dirty="0">
+                <a:latin typeface="Calibri" panose="020F0502020204030204" pitchFamily="34" charset="0"/>
+                <a:cs typeface="Calibri" panose="020F0502020204030204" pitchFamily="34" charset="0"/>
+              </a:rPr>
+              <a:t>, ce este nativ tuturor sistemelor cu sistem de operare </a:t>
+            </a:r>
+            <a:r>
+              <a:rPr lang="ro-RO" b="1" dirty="0">
+                <a:latin typeface="Calibri" panose="020F0502020204030204" pitchFamily="34" charset="0"/>
+                <a:cs typeface="Calibri" panose="020F0502020204030204" pitchFamily="34" charset="0"/>
               </a:rPr>
               <a:t>Unix</a:t>
             </a:r>
             <a:r>
-              <a:rPr lang="ro-RO" sz="1800" dirty="0">
-                <a:effectLst/>
+              <a:rPr lang="ro-RO" dirty="0">
                 <a:latin typeface="Calibri" panose="020F0502020204030204" pitchFamily="34" charset="0"/>
-                <a:ea typeface="Times New Roman" panose="02020603050405020304" pitchFamily="18" charset="0"/>
-                <a:cs typeface="Times New Roman" panose="02020603050405020304" pitchFamily="18" charset="0"/>
+                <a:cs typeface="Calibri" panose="020F0502020204030204" pitchFamily="34" charset="0"/>
               </a:rPr>
-              <a:t> ca urmare a descărcării de pe Internet sau de pe un dispozitiv extern. Astfel, am urmărit crearea unei soluții de detectare in limbajul </a:t>
-            </a:r>
-            <a:r>
-              <a:rPr lang="ro-RO" sz="1800" b="1" dirty="0">
-                <a:effectLst/>
+              <a:t>, care va servi in implementarea unei arhitecturi client-server (in cazul nostru, mai mulți clienți, un singur server)</a:t>
+            </a:r>
+            <a:r>
+              <a:rPr lang="en-US" dirty="0">
                 <a:latin typeface="Calibri" panose="020F0502020204030204" pitchFamily="34" charset="0"/>
-                <a:ea typeface="Times New Roman" panose="02020603050405020304" pitchFamily="18" charset="0"/>
-                <a:cs typeface="Times New Roman" panose="02020603050405020304" pitchFamily="18" charset="0"/>
+                <a:cs typeface="Calibri" panose="020F0502020204030204" pitchFamily="34" charset="0"/>
               </a:rPr>
-              <a:t>Bash</a:t>
-            </a:r>
-            <a:r>
-              <a:rPr lang="ro-RO" sz="1800" dirty="0">
-                <a:effectLst/>
+              <a:t>.</a:t>
+            </a:r>
+            <a:endParaRPr lang="ro-RO" dirty="0">
+              <a:latin typeface="Calibri" panose="020F0502020204030204" pitchFamily="34" charset="0"/>
+              <a:cs typeface="Calibri" panose="020F0502020204030204" pitchFamily="34" charset="0"/>
+            </a:endParaRPr>
+          </a:p>
+          <a:p>
+            <a:endParaRPr lang="en-US" dirty="0">
+              <a:latin typeface="Calibri" panose="020F0502020204030204" pitchFamily="34" charset="0"/>
+              <a:cs typeface="Calibri" panose="020F0502020204030204" pitchFamily="34" charset="0"/>
+            </a:endParaRPr>
+          </a:p>
+          <a:p>
+            <a:r>
+              <a:rPr lang="ro-RO" dirty="0">
                 <a:latin typeface="Calibri" panose="020F0502020204030204" pitchFamily="34" charset="0"/>
-                <a:ea typeface="Times New Roman" panose="02020603050405020304" pitchFamily="18" charset="0"/>
-                <a:cs typeface="Times New Roman" panose="02020603050405020304" pitchFamily="18" charset="0"/>
+                <a:cs typeface="Calibri" panose="020F0502020204030204" pitchFamily="34" charset="0"/>
               </a:rPr>
-              <a:t> ce este nativ tuturor sistemelor cu sistem de operare </a:t>
-            </a:r>
-            <a:r>
-              <a:rPr lang="ro-RO" sz="1800" b="1" dirty="0">
-                <a:effectLst/>
+              <a:t>În urma unei investigări pentru a găsi software echivalent, am observat că nu există soluții gratis ce oferă compatibilitate pentru orice platforma Unix, lucru ce a reprezentat o oportunitate în acest sens. Din acest motiv, proiectul se adresează dispozitivelor embedded din categoria „Internet of </a:t>
+            </a:r>
+            <a:r>
+              <a:rPr lang="ro-RO" dirty="0" err="1">
                 <a:latin typeface="Calibri" panose="020F0502020204030204" pitchFamily="34" charset="0"/>
-                <a:ea typeface="Times New Roman" panose="02020603050405020304" pitchFamily="18" charset="0"/>
-                <a:cs typeface="Times New Roman" panose="02020603050405020304" pitchFamily="18" charset="0"/>
+                <a:cs typeface="Calibri" panose="020F0502020204030204" pitchFamily="34" charset="0"/>
               </a:rPr>
-              <a:t>Unix</a:t>
-            </a:r>
-            <a:r>
-              <a:rPr lang="ro-RO" sz="1800" dirty="0">
-                <a:effectLst/>
+              <a:t>Things</a:t>
+            </a:r>
+            <a:r>
+              <a:rPr lang="ro-RO" dirty="0">
                 <a:latin typeface="Calibri" panose="020F0502020204030204" pitchFamily="34" charset="0"/>
-                <a:ea typeface="Times New Roman" panose="02020603050405020304" pitchFamily="18" charset="0"/>
-                <a:cs typeface="Times New Roman" panose="02020603050405020304" pitchFamily="18" charset="0"/>
+                <a:cs typeface="Calibri" panose="020F0502020204030204" pitchFamily="34" charset="0"/>
               </a:rPr>
-              <a:t>, care va servi in implementarea unei arhitecturi client-server (in cazul nostru, mai mulți clienți, un singur server).</a:t>
-            </a:r>
-            <a:endParaRPr lang="en-US" sz="1800" dirty="0">
+              <a:t>”, și urmărește monitorizarea unei rețele de acest tip de dispozitive (clienți </a:t>
+            </a:r>
+            <a:r>
+              <a:rPr lang="ro-RO" dirty="0" err="1">
+                <a:latin typeface="Calibri" panose="020F0502020204030204" pitchFamily="34" charset="0"/>
+                <a:cs typeface="Calibri" panose="020F0502020204030204" pitchFamily="34" charset="0"/>
+              </a:rPr>
+              <a:t>IoT</a:t>
+            </a:r>
+            <a:r>
+              <a:rPr lang="ro-RO" dirty="0">
+                <a:latin typeface="Calibri" panose="020F0502020204030204" pitchFamily="34" charset="0"/>
+                <a:cs typeface="Calibri" panose="020F0502020204030204" pitchFamily="34" charset="0"/>
+              </a:rPr>
+              <a:t>) prin intermediul unui software ce va detecta si carantina fișierele malițioase de pe sistem. Serverul va permite, printr-o aplicație web, colectarea si centralizarea alertelor la nivel de rețea. </a:t>
+            </a:r>
+            <a:endParaRPr lang="ro-RO" dirty="0">
               <a:effectLst/>
               <a:latin typeface="Calibri" panose="020F0502020204030204" pitchFamily="34" charset="0"/>
               <a:ea typeface="Times New Roman" panose="02020603050405020304" pitchFamily="18" charset="0"/>
-              <a:cs typeface="Times New Roman" panose="02020603050405020304" pitchFamily="18" charset="0"/>
+              <a:cs typeface="Calibri" panose="020F0502020204030204" pitchFamily="34" charset="0"/>
             </a:endParaRPr>
           </a:p>
           <a:p>
             <a:endParaRPr lang="en-US" dirty="0">
               <a:latin typeface="Calibri" panose="020F0502020204030204" pitchFamily="34" charset="0"/>
-              <a:ea typeface="Times New Roman" panose="02020603050405020304" pitchFamily="18" charset="0"/>
-              <a:cs typeface="Times New Roman" panose="02020603050405020304" pitchFamily="18" charset="0"/>
+              <a:cs typeface="Calibri" panose="020F0502020204030204" pitchFamily="34" charset="0"/>
             </a:endParaRPr>
-          </a:p>
-          <a:p>
-            <a:r>
-              <a:rPr lang="ro-RO" sz="1800" dirty="0">
-                <a:effectLst/>
-                <a:latin typeface="Calibri" panose="020F0502020204030204" pitchFamily="34" charset="0"/>
-                <a:ea typeface="Times New Roman" panose="02020603050405020304" pitchFamily="18" charset="0"/>
-                <a:cs typeface="Times New Roman" panose="02020603050405020304" pitchFamily="18" charset="0"/>
-              </a:rPr>
-              <a:t>In urma unei investigări pentru a găsi software echivalent (gratis si disponibil pentru orice sistem Unix), am observat absenta unei astfel de soluții. Din acest motiv, proiectul se adresează dispozitivelor embedded din categoria „Internet of Things”, si urmărește monitorizarea unei rețele de acest tip de dispozitive (clienți IoT) prin intermediul unui software ce va detecta si carantina fișierele malițioase de pe sistem. Serverul va permite, printr-o aplicație web, colectarea si centralizarea alertelor la nivel de rețea.</a:t>
-            </a:r>
-            <a:endParaRPr lang="en-US" sz="1800" dirty="0">
-              <a:effectLst/>
-              <a:latin typeface="Calibri" panose="020F0502020204030204" pitchFamily="34" charset="0"/>
-              <a:ea typeface="Times New Roman" panose="02020603050405020304" pitchFamily="18" charset="0"/>
-              <a:cs typeface="Times New Roman" panose="02020603050405020304" pitchFamily="18" charset="0"/>
-            </a:endParaRPr>
-          </a:p>
-          <a:p>
-            <a:endParaRPr lang="en-US" sz="1800" dirty="0">
-              <a:effectLst/>
-              <a:latin typeface="Calibri" panose="020F0502020204030204" pitchFamily="34" charset="0"/>
-              <a:ea typeface="Times New Roman" panose="02020603050405020304" pitchFamily="18" charset="0"/>
-              <a:cs typeface="Times New Roman" panose="02020603050405020304" pitchFamily="18" charset="0"/>
-            </a:endParaRPr>
-          </a:p>
-          <a:p>
-            <a:endParaRPr lang="en-US" dirty="0"/>
           </a:p>
         </p:txBody>
       </p:sp>
@@ -5438,7 +6081,7 @@
         </p:nvSpPr>
         <p:spPr>
           <a:xfrm>
-            <a:off x="1104900" y="2060448"/>
+            <a:off x="1104900" y="1514538"/>
             <a:ext cx="9980682" cy="4524315"/>
           </a:xfrm>
           <a:prstGeom prst="rect">
@@ -5658,7 +6301,7 @@
         </p:nvSpPr>
         <p:spPr>
           <a:xfrm>
-            <a:off x="1104900" y="2060448"/>
+            <a:off x="1104900" y="1579134"/>
             <a:ext cx="9980682" cy="3699731"/>
           </a:xfrm>
           <a:prstGeom prst="rect">
@@ -5877,7 +6520,7 @@
                 <a:ea typeface="Times New Roman" panose="02020603050405020304" pitchFamily="18" charset="0"/>
                 <a:cs typeface="Times New Roman" panose="02020603050405020304" pitchFamily="18" charset="0"/>
               </a:rPr>
-              <a:t>stem Unix cat si costuri de instalare/rulare zero (gratis).</a:t>
+              <a:t>stem Unix cât și costuri zero de instalare și rulare.</a:t>
             </a:r>
           </a:p>
         </p:txBody>
@@ -5940,12 +6583,8 @@
           <a:lstStyle/>
           <a:p>
             <a:r>
-              <a:rPr lang="en-US" dirty="0"/>
-              <a:t>5</a:t>
-            </a:r>
-            <a:r>
               <a:rPr lang="ro-RO" dirty="0"/>
-              <a:t>. Studiu de piata si abordări existente</a:t>
+              <a:t>4. Studiu de piață și abordări existente</a:t>
             </a:r>
           </a:p>
         </p:txBody>
@@ -5964,7 +6603,7 @@
         </p:nvSpPr>
         <p:spPr>
           <a:xfrm>
-            <a:off x="1104900" y="2060448"/>
+            <a:off x="1104900" y="1712430"/>
             <a:ext cx="9980682" cy="3089564"/>
           </a:xfrm>
           <a:prstGeom prst="rect">
@@ -5984,7 +6623,7 @@
                 <a:ea typeface="Times New Roman" panose="02020603050405020304" pitchFamily="18" charset="0"/>
                 <a:cs typeface="Times New Roman" panose="02020603050405020304" pitchFamily="18" charset="0"/>
               </a:rPr>
-              <a:t>Produsul nostru, ca si funcționalitate, concurează pe piata cu următoarele categorii de soluții:</a:t>
+              <a:t>Produsul nostru, ca și funcționalitate, concurează pe piata cu următoarele categorii de soluții:</a:t>
             </a:r>
           </a:p>
           <a:p>
@@ -6151,7 +6790,7 @@
                 <a:ea typeface="Times New Roman" panose="02020603050405020304" pitchFamily="18" charset="0"/>
                 <a:cs typeface="Times New Roman" panose="02020603050405020304" pitchFamily="18" charset="0"/>
               </a:rPr>
-              <a:t>ai rapid datorita numărului redus de funcționalități si axarea doar pe detectarea de malware</a:t>
+              <a:t>ai rapid datorita numărului redus de funcționalități și axarea doar pe detectarea de malware</a:t>
             </a:r>
             <a:endParaRPr lang="en-US" dirty="0">
               <a:latin typeface="Calibri" panose="020F0502020204030204" pitchFamily="34" charset="0"/>
@@ -6178,7 +6817,7 @@
                 <a:ea typeface="Times New Roman" panose="02020603050405020304" pitchFamily="18" charset="0"/>
                 <a:cs typeface="Times New Roman" panose="02020603050405020304" pitchFamily="18" charset="0"/>
               </a:rPr>
-              <a:t>od redus si astfel ușurința înțelegerii si modificării sale</a:t>
+              <a:t>od redus ce duce la ușurința înțelegerii si modificării sale</a:t>
             </a:r>
           </a:p>
         </p:txBody>
@@ -6227,7 +6866,13 @@
       </p:grpSpPr>
       <p:sp>
         <p:nvSpPr>
-          <p:cNvPr id="2" name="Title 1"/>
+          <p:cNvPr id="2" name="Title 1">
+            <a:extLst>
+              <a:ext uri="{FF2B5EF4-FFF2-40B4-BE49-F238E27FC236}">
+                <a16:creationId xmlns:a16="http://schemas.microsoft.com/office/drawing/2014/main" id="{0668A0AC-63EC-453B-8E95-D84768E42EE5}"/>
+              </a:ext>
+            </a:extLst>
+          </p:cNvPr>
           <p:cNvSpPr>
             <a:spLocks noGrp="1"/>
           </p:cNvSpPr>
@@ -6241,209 +6886,1998 @@
           <a:lstStyle/>
           <a:p>
             <a:r>
-              <a:rPr lang="en-US" dirty="0"/>
-              <a:t>5</a:t>
-            </a:r>
-            <a:r>
               <a:rPr lang="ro-RO" dirty="0"/>
-              <a:t>. Soluția propusa: arhitectura, cazuri de utilizare, limitări</a:t>
-            </a:r>
+              <a:t>4. Studiu de piață și abordări existente</a:t>
+            </a:r>
+            <a:endParaRPr lang="en-US" dirty="0"/>
           </a:p>
         </p:txBody>
       </p:sp>
-      <p:sp>
-        <p:nvSpPr>
-          <p:cNvPr id="5" name="TextBox 4">
+      <p:graphicFrame>
+        <p:nvGraphicFramePr>
+          <p:cNvPr id="4" name="Content Placeholder 3">
             <a:extLst>
               <a:ext uri="{FF2B5EF4-FFF2-40B4-BE49-F238E27FC236}">
-                <a16:creationId xmlns:a16="http://schemas.microsoft.com/office/drawing/2014/main" id="{9B96D803-AD7D-4D98-85BC-C671FB142D4B}"/>
+                <a16:creationId xmlns:a16="http://schemas.microsoft.com/office/drawing/2014/main" id="{EC44CD2A-2793-4F8E-80A2-55BF294EA31E}"/>
               </a:ext>
             </a:extLst>
           </p:cNvPr>
-          <p:cNvSpPr txBox="1"/>
-          <p:nvPr/>
-        </p:nvSpPr>
-        <p:spPr>
-          <a:xfrm>
-            <a:off x="1104900" y="2060448"/>
-            <a:ext cx="9980682" cy="3501984"/>
-          </a:xfrm>
-          <a:prstGeom prst="rect">
-            <a:avLst/>
-          </a:prstGeom>
-          <a:noFill/>
-        </p:spPr>
-        <p:txBody>
-          <a:bodyPr wrap="square" rtlCol="0">
-            <a:spAutoFit/>
-          </a:bodyPr>
-          <a:lstStyle/>
-          <a:p>
-            <a:pPr marL="0" marR="0" algn="just">
-              <a:lnSpc>
-                <a:spcPct val="105000"/>
-              </a:lnSpc>
-              <a:spcBef>
-                <a:spcPts val="0"/>
-              </a:spcBef>
-              <a:spcAft>
-                <a:spcPts val="800"/>
-              </a:spcAft>
-            </a:pPr>
-            <a:r>
-              <a:rPr lang="ro-RO" sz="1800" dirty="0">
-                <a:effectLst/>
-                <a:latin typeface="Calibri" panose="020F0502020204030204" pitchFamily="34" charset="0"/>
-                <a:ea typeface="Times New Roman" panose="02020603050405020304" pitchFamily="18" charset="0"/>
-                <a:cs typeface="Times New Roman" panose="02020603050405020304" pitchFamily="18" charset="0"/>
-              </a:rPr>
-              <a:t>Soluția propusa nu are nicio dependință sau componenta hardware întrucât este reprezentata de o multitudine de servicii (software) care trebuie instalate atât pe clienți cat si pe un dispozitiv ce va servi ca si server. Corectitudinea soluției este strâns data de 2 factori:</a:t>
-            </a:r>
-            <a:endParaRPr lang="en-US" sz="1800" dirty="0">
-              <a:effectLst/>
-              <a:latin typeface="Calibri" panose="020F0502020204030204" pitchFamily="34" charset="0"/>
-              <a:ea typeface="Times New Roman" panose="02020603050405020304" pitchFamily="18" charset="0"/>
-              <a:cs typeface="Times New Roman" panose="02020603050405020304" pitchFamily="18" charset="0"/>
-            </a:endParaRPr>
-          </a:p>
-          <a:p>
-            <a:pPr marL="800100" lvl="1" indent="-342900" algn="just">
-              <a:lnSpc>
-                <a:spcPct val="105000"/>
-              </a:lnSpc>
-              <a:buFont typeface="Arial" panose="020B0604020202020204" pitchFamily="34" charset="0"/>
-              <a:buChar char="•"/>
-            </a:pPr>
-            <a:r>
-              <a:rPr lang="ro-RO" dirty="0">
-                <a:effectLst/>
-                <a:latin typeface="Calibri" panose="020F0502020204030204" pitchFamily="34" charset="0"/>
-                <a:ea typeface="Times New Roman" panose="02020603050405020304" pitchFamily="18" charset="0"/>
-                <a:cs typeface="Times New Roman" panose="02020603050405020304" pitchFamily="18" charset="0"/>
-              </a:rPr>
-              <a:t>corectitudinea detecției soluției oferite de HibridAnalysis prin API-ul expus</a:t>
-            </a:r>
-            <a:endParaRPr lang="en-US" dirty="0">
-              <a:effectLst/>
-              <a:latin typeface="Calibri" panose="020F0502020204030204" pitchFamily="34" charset="0"/>
-              <a:ea typeface="Times New Roman" panose="02020603050405020304" pitchFamily="18" charset="0"/>
-              <a:cs typeface="Times New Roman" panose="02020603050405020304" pitchFamily="18" charset="0"/>
-            </a:endParaRPr>
-          </a:p>
-          <a:p>
-            <a:pPr marL="800100" lvl="1" indent="-342900" algn="just">
-              <a:lnSpc>
-                <a:spcPct val="105000"/>
-              </a:lnSpc>
-              <a:spcAft>
-                <a:spcPts val="800"/>
-              </a:spcAft>
-              <a:buFont typeface="Arial" panose="020B0604020202020204" pitchFamily="34" charset="0"/>
-              <a:buChar char="•"/>
-            </a:pPr>
-            <a:r>
-              <a:rPr lang="ro-RO" dirty="0">
-                <a:effectLst/>
-                <a:latin typeface="Calibri" panose="020F0502020204030204" pitchFamily="34" charset="0"/>
-                <a:ea typeface="Times New Roman" panose="02020603050405020304" pitchFamily="18" charset="0"/>
-                <a:cs typeface="Times New Roman" panose="02020603050405020304" pitchFamily="18" charset="0"/>
-              </a:rPr>
-              <a:t>transmiterea corecta si in timp a datelor de la client la API si la server (sa nu fie corupte sau sa nu ajungă deloc)</a:t>
-            </a:r>
-            <a:endParaRPr lang="en-US" dirty="0">
-              <a:effectLst/>
-              <a:latin typeface="Calibri" panose="020F0502020204030204" pitchFamily="34" charset="0"/>
-              <a:ea typeface="Times New Roman" panose="02020603050405020304" pitchFamily="18" charset="0"/>
-              <a:cs typeface="Times New Roman" panose="02020603050405020304" pitchFamily="18" charset="0"/>
-            </a:endParaRPr>
-          </a:p>
-          <a:p>
-            <a:pPr marR="0" lvl="0" algn="just">
-              <a:lnSpc>
-                <a:spcPct val="105000"/>
-              </a:lnSpc>
-              <a:spcBef>
-                <a:spcPts val="0"/>
-              </a:spcBef>
-              <a:spcAft>
-                <a:spcPts val="800"/>
-              </a:spcAft>
-            </a:pPr>
-            <a:r>
-              <a:rPr lang="ro-RO" dirty="0">
-                <a:latin typeface="Calibri" panose="020F0502020204030204" pitchFamily="34" charset="0"/>
-                <a:ea typeface="Times New Roman" panose="02020603050405020304" pitchFamily="18" charset="0"/>
-                <a:cs typeface="Times New Roman" panose="02020603050405020304" pitchFamily="18" charset="0"/>
-              </a:rPr>
-              <a:t>Astfel, limitările soluției vin sunt următoarele:</a:t>
-            </a:r>
-          </a:p>
-          <a:p>
-            <a:pPr marL="742950" lvl="1" indent="-285750" algn="just">
-              <a:lnSpc>
-                <a:spcPct val="105000"/>
-              </a:lnSpc>
-              <a:spcAft>
-                <a:spcPts val="800"/>
-              </a:spcAft>
-              <a:buFont typeface="Arial" panose="020B0604020202020204" pitchFamily="34" charset="0"/>
-              <a:buChar char="•"/>
-            </a:pPr>
-            <a:r>
-              <a:rPr lang="ro-RO" dirty="0">
-                <a:latin typeface="Calibri" panose="020F0502020204030204" pitchFamily="34" charset="0"/>
-                <a:ea typeface="Times New Roman" panose="02020603050405020304" pitchFamily="18" charset="0"/>
-                <a:cs typeface="Times New Roman" panose="02020603050405020304" pitchFamily="18" charset="0"/>
-              </a:rPr>
-              <a:t>Disponibilitatea API-ului oferit de HibridAnalysis (abonament gratis)</a:t>
-            </a:r>
-          </a:p>
-          <a:p>
-            <a:pPr marL="742950" lvl="1" indent="-285750" algn="just">
-              <a:lnSpc>
-                <a:spcPct val="105000"/>
-              </a:lnSpc>
-              <a:spcAft>
-                <a:spcPts val="800"/>
-              </a:spcAft>
-              <a:buFont typeface="Arial" panose="020B0604020202020204" pitchFamily="34" charset="0"/>
-              <a:buChar char="•"/>
-            </a:pPr>
-            <a:r>
-              <a:rPr lang="ro-RO" dirty="0">
-                <a:latin typeface="Calibri" panose="020F0502020204030204" pitchFamily="34" charset="0"/>
-                <a:ea typeface="Times New Roman" panose="02020603050405020304" pitchFamily="18" charset="0"/>
-                <a:cs typeface="Times New Roman" panose="02020603050405020304" pitchFamily="18" charset="0"/>
-              </a:rPr>
-              <a:t>Viteza conexiunii la internet in rețea</a:t>
-            </a:r>
-          </a:p>
-          <a:p>
-            <a:pPr marL="742950" lvl="1" indent="-285750" algn="just">
-              <a:lnSpc>
-                <a:spcPct val="105000"/>
-              </a:lnSpc>
-              <a:spcAft>
-                <a:spcPts val="800"/>
-              </a:spcAft>
-              <a:buFont typeface="Arial" panose="020B0604020202020204" pitchFamily="34" charset="0"/>
-              <a:buChar char="•"/>
-            </a:pPr>
-            <a:r>
-              <a:rPr lang="ro-RO" dirty="0">
-                <a:latin typeface="Calibri" panose="020F0502020204030204" pitchFamily="34" charset="0"/>
-                <a:ea typeface="Times New Roman" panose="02020603050405020304" pitchFamily="18" charset="0"/>
-                <a:cs typeface="Times New Roman" panose="02020603050405020304" pitchFamily="18" charset="0"/>
-              </a:rPr>
-              <a:t>Dimensiunea rețelei (pana in 20 stații)</a:t>
-            </a:r>
-          </a:p>
-        </p:txBody>
-      </p:sp>
+          <p:cNvGraphicFramePr>
+            <a:graphicFrameLocks noGrp="1"/>
+          </p:cNvGraphicFramePr>
+          <p:nvPr>
+            <p:ph idx="1"/>
+            <p:extLst>
+              <p:ext uri="{D42A27DB-BD31-4B8C-83A1-F6EECF244321}">
+                <p14:modId xmlns:p14="http://schemas.microsoft.com/office/powerpoint/2010/main" val="1123440454"/>
+              </p:ext>
+            </p:extLst>
+          </p:nvPr>
+        </p:nvGraphicFramePr>
+        <p:xfrm>
+          <a:off x="3194243" y="1825082"/>
+          <a:ext cx="5801995" cy="3207835"/>
+        </p:xfrm>
+        <a:graphic>
+          <a:graphicData uri="http://schemas.openxmlformats.org/drawingml/2006/table">
+            <a:tbl>
+              <a:tblPr firstRow="1" firstCol="1" bandRow="1">
+                <a:tableStyleId>{5C22544A-7EE6-4342-B048-85BDC9FD1C3A}</a:tableStyleId>
+              </a:tblPr>
+              <a:tblGrid>
+                <a:gridCol w="2057400">
+                  <a:extLst>
+                    <a:ext uri="{9D8B030D-6E8A-4147-A177-3AD203B41FA5}">
+                      <a16:colId xmlns:a16="http://schemas.microsoft.com/office/drawing/2014/main" val="4176844577"/>
+                    </a:ext>
+                  </a:extLst>
+                </a:gridCol>
+                <a:gridCol w="1200150">
+                  <a:extLst>
+                    <a:ext uri="{9D8B030D-6E8A-4147-A177-3AD203B41FA5}">
+                      <a16:colId xmlns:a16="http://schemas.microsoft.com/office/drawing/2014/main" val="1178084893"/>
+                    </a:ext>
+                  </a:extLst>
+                </a:gridCol>
+                <a:gridCol w="971550">
+                  <a:extLst>
+                    <a:ext uri="{9D8B030D-6E8A-4147-A177-3AD203B41FA5}">
+                      <a16:colId xmlns:a16="http://schemas.microsoft.com/office/drawing/2014/main" val="687916923"/>
+                    </a:ext>
+                  </a:extLst>
+                </a:gridCol>
+                <a:gridCol w="685800">
+                  <a:extLst>
+                    <a:ext uri="{9D8B030D-6E8A-4147-A177-3AD203B41FA5}">
+                      <a16:colId xmlns:a16="http://schemas.microsoft.com/office/drawing/2014/main" val="3638613757"/>
+                    </a:ext>
+                  </a:extLst>
+                </a:gridCol>
+                <a:gridCol w="887095">
+                  <a:extLst>
+                    <a:ext uri="{9D8B030D-6E8A-4147-A177-3AD203B41FA5}">
+                      <a16:colId xmlns:a16="http://schemas.microsoft.com/office/drawing/2014/main" val="1694873814"/>
+                    </a:ext>
+                  </a:extLst>
+                </a:gridCol>
+              </a:tblGrid>
+              <a:tr h="793750">
+                <a:tc>
+                  <a:txBody>
+                    <a:bodyPr/>
+                    <a:lstStyle/>
+                    <a:p>
+                      <a:pPr marL="0" marR="0" algn="just">
+                        <a:lnSpc>
+                          <a:spcPct val="115000"/>
+                        </a:lnSpc>
+                        <a:spcBef>
+                          <a:spcPts val="0"/>
+                        </a:spcBef>
+                        <a:spcAft>
+                          <a:spcPts val="0"/>
+                        </a:spcAft>
+                      </a:pPr>
+                      <a:r>
+                        <a:rPr lang="ro-RO" sz="1200" dirty="0">
+                          <a:effectLst/>
+                        </a:rPr>
+                        <a:t> </a:t>
+                      </a:r>
+                      <a:endParaRPr lang="en-US" sz="1200" dirty="0">
+                        <a:effectLst/>
+                        <a:latin typeface="Calibri" panose="020F0502020204030204" pitchFamily="34" charset="0"/>
+                        <a:ea typeface="Times New Roman" panose="02020603050405020304" pitchFamily="18" charset="0"/>
+                        <a:cs typeface="Times New Roman" panose="02020603050405020304" pitchFamily="18" charset="0"/>
+                      </a:endParaRPr>
+                    </a:p>
+                  </a:txBody>
+                  <a:tcPr marL="68580" marR="68580" marT="0" marB="0"/>
+                </a:tc>
+                <a:tc>
+                  <a:txBody>
+                    <a:bodyPr/>
+                    <a:lstStyle/>
+                    <a:p>
+                      <a:pPr marL="0" marR="0" algn="l">
+                        <a:lnSpc>
+                          <a:spcPct val="115000"/>
+                        </a:lnSpc>
+                        <a:spcBef>
+                          <a:spcPts val="0"/>
+                        </a:spcBef>
+                        <a:spcAft>
+                          <a:spcPts val="0"/>
+                        </a:spcAft>
+                      </a:pPr>
+                      <a:r>
+                        <a:rPr lang="ro-RO" sz="1200">
+                          <a:effectLst/>
+                        </a:rPr>
+                        <a:t>Host Based Intrusion Detection Systems</a:t>
+                      </a:r>
+                      <a:endParaRPr lang="en-US" sz="1200">
+                        <a:effectLst/>
+                        <a:latin typeface="Calibri" panose="020F0502020204030204" pitchFamily="34" charset="0"/>
+                        <a:ea typeface="Times New Roman" panose="02020603050405020304" pitchFamily="18" charset="0"/>
+                        <a:cs typeface="Times New Roman" panose="02020603050405020304" pitchFamily="18" charset="0"/>
+                      </a:endParaRPr>
+                    </a:p>
+                  </a:txBody>
+                  <a:tcPr marL="68580" marR="68580" marT="0" marB="0"/>
+                </a:tc>
+                <a:tc>
+                  <a:txBody>
+                    <a:bodyPr/>
+                    <a:lstStyle/>
+                    <a:p>
+                      <a:pPr marL="0" marR="0" algn="l">
+                        <a:lnSpc>
+                          <a:spcPct val="115000"/>
+                        </a:lnSpc>
+                        <a:spcBef>
+                          <a:spcPts val="0"/>
+                        </a:spcBef>
+                        <a:spcAft>
+                          <a:spcPts val="0"/>
+                        </a:spcAft>
+                      </a:pPr>
+                      <a:r>
+                        <a:rPr lang="ro-RO" sz="1200">
+                          <a:effectLst/>
+                        </a:rPr>
+                        <a:t>Endpoint Detection and Response</a:t>
+                      </a:r>
+                      <a:endParaRPr lang="en-US" sz="1200">
+                        <a:effectLst/>
+                        <a:latin typeface="Calibri" panose="020F0502020204030204" pitchFamily="34" charset="0"/>
+                        <a:ea typeface="Times New Roman" panose="02020603050405020304" pitchFamily="18" charset="0"/>
+                        <a:cs typeface="Times New Roman" panose="02020603050405020304" pitchFamily="18" charset="0"/>
+                      </a:endParaRPr>
+                    </a:p>
+                  </a:txBody>
+                  <a:tcPr marL="68580" marR="68580" marT="0" marB="0"/>
+                </a:tc>
+                <a:tc>
+                  <a:txBody>
+                    <a:bodyPr/>
+                    <a:lstStyle/>
+                    <a:p>
+                      <a:pPr marL="0" marR="0" algn="just">
+                        <a:lnSpc>
+                          <a:spcPct val="115000"/>
+                        </a:lnSpc>
+                        <a:spcBef>
+                          <a:spcPts val="0"/>
+                        </a:spcBef>
+                        <a:spcAft>
+                          <a:spcPts val="0"/>
+                        </a:spcAft>
+                      </a:pPr>
+                      <a:r>
+                        <a:rPr lang="ro-RO" sz="1200">
+                          <a:effectLst/>
+                        </a:rPr>
+                        <a:t>Proiect Licență</a:t>
+                      </a:r>
+                      <a:endParaRPr lang="en-US" sz="1200">
+                        <a:effectLst/>
+                        <a:latin typeface="Calibri" panose="020F0502020204030204" pitchFamily="34" charset="0"/>
+                        <a:ea typeface="Times New Roman" panose="02020603050405020304" pitchFamily="18" charset="0"/>
+                        <a:cs typeface="Times New Roman" panose="02020603050405020304" pitchFamily="18" charset="0"/>
+                      </a:endParaRPr>
+                    </a:p>
+                  </a:txBody>
+                  <a:tcPr marL="68580" marR="68580" marT="0" marB="0"/>
+                </a:tc>
+                <a:tc>
+                  <a:txBody>
+                    <a:bodyPr/>
+                    <a:lstStyle/>
+                    <a:p>
+                      <a:pPr marL="0" marR="0" algn="l">
+                        <a:lnSpc>
+                          <a:spcPct val="115000"/>
+                        </a:lnSpc>
+                        <a:spcBef>
+                          <a:spcPts val="0"/>
+                        </a:spcBef>
+                        <a:spcAft>
+                          <a:spcPts val="0"/>
+                        </a:spcAft>
+                      </a:pPr>
+                      <a:r>
+                        <a:rPr lang="ro-RO" sz="1200" dirty="0" err="1">
+                          <a:effectLst/>
+                        </a:rPr>
+                        <a:t>Wazuh</a:t>
+                      </a:r>
+                      <a:r>
+                        <a:rPr lang="ro-RO" sz="1200" dirty="0">
+                          <a:effectLst/>
+                        </a:rPr>
+                        <a:t>/OSSEC (open-</a:t>
+                      </a:r>
+                      <a:r>
+                        <a:rPr lang="ro-RO" sz="1200" dirty="0" err="1">
+                          <a:effectLst/>
+                        </a:rPr>
+                        <a:t>source</a:t>
+                      </a:r>
+                      <a:r>
+                        <a:rPr lang="ro-RO" sz="1200" dirty="0">
+                          <a:effectLst/>
+                        </a:rPr>
+                        <a:t>)</a:t>
+                      </a:r>
+                      <a:endParaRPr lang="en-US" sz="1200" dirty="0">
+                        <a:effectLst/>
+                        <a:latin typeface="Calibri" panose="020F0502020204030204" pitchFamily="34" charset="0"/>
+                        <a:ea typeface="Times New Roman" panose="02020603050405020304" pitchFamily="18" charset="0"/>
+                        <a:cs typeface="Times New Roman" panose="02020603050405020304" pitchFamily="18" charset="0"/>
+                      </a:endParaRPr>
+                    </a:p>
+                  </a:txBody>
+                  <a:tcPr marL="68580" marR="68580" marT="0" marB="0"/>
+                </a:tc>
+                <a:extLst>
+                  <a:ext uri="{0D108BD9-81ED-4DB2-BD59-A6C34878D82A}">
+                    <a16:rowId xmlns:a16="http://schemas.microsoft.com/office/drawing/2014/main" val="1257166773"/>
+                  </a:ext>
+                </a:extLst>
+              </a:tr>
+              <a:tr h="0">
+                <a:tc>
+                  <a:txBody>
+                    <a:bodyPr/>
+                    <a:lstStyle/>
+                    <a:p>
+                      <a:pPr marL="0" marR="0" algn="just">
+                        <a:lnSpc>
+                          <a:spcPct val="115000"/>
+                        </a:lnSpc>
+                        <a:spcBef>
+                          <a:spcPts val="0"/>
+                        </a:spcBef>
+                        <a:spcAft>
+                          <a:spcPts val="0"/>
+                        </a:spcAft>
+                      </a:pPr>
+                      <a:r>
+                        <a:rPr lang="ro-RO" sz="1200">
+                          <a:effectLst/>
+                        </a:rPr>
+                        <a:t>Gratis</a:t>
+                      </a:r>
+                      <a:endParaRPr lang="en-US" sz="1200">
+                        <a:effectLst/>
+                        <a:latin typeface="Calibri" panose="020F0502020204030204" pitchFamily="34" charset="0"/>
+                        <a:ea typeface="Times New Roman" panose="02020603050405020304" pitchFamily="18" charset="0"/>
+                        <a:cs typeface="Times New Roman" panose="02020603050405020304" pitchFamily="18" charset="0"/>
+                      </a:endParaRPr>
+                    </a:p>
+                  </a:txBody>
+                  <a:tcPr marL="68580" marR="68580" marT="0" marB="0"/>
+                </a:tc>
+                <a:tc>
+                  <a:txBody>
+                    <a:bodyPr/>
+                    <a:lstStyle/>
+                    <a:p>
+                      <a:pPr marL="457200" marR="0" algn="just">
+                        <a:lnSpc>
+                          <a:spcPct val="115000"/>
+                        </a:lnSpc>
+                        <a:spcBef>
+                          <a:spcPts val="0"/>
+                        </a:spcBef>
+                        <a:spcAft>
+                          <a:spcPts val="0"/>
+                        </a:spcAft>
+                      </a:pPr>
+                      <a:r>
+                        <a:rPr lang="ro-RO" sz="1200">
+                          <a:effectLst/>
+                        </a:rPr>
+                        <a:t> </a:t>
+                      </a:r>
+                      <a:endParaRPr lang="en-US" sz="1200">
+                        <a:effectLst/>
+                        <a:latin typeface="Calibri" panose="020F0502020204030204" pitchFamily="34" charset="0"/>
+                        <a:ea typeface="Times New Roman" panose="02020603050405020304" pitchFamily="18" charset="0"/>
+                        <a:cs typeface="Times New Roman" panose="02020603050405020304" pitchFamily="18" charset="0"/>
+                      </a:endParaRPr>
+                    </a:p>
+                  </a:txBody>
+                  <a:tcPr marL="68580" marR="68580" marT="0" marB="0"/>
+                </a:tc>
+                <a:tc>
+                  <a:txBody>
+                    <a:bodyPr/>
+                    <a:lstStyle/>
+                    <a:p>
+                      <a:pPr marL="457200" marR="0" algn="just">
+                        <a:lnSpc>
+                          <a:spcPct val="115000"/>
+                        </a:lnSpc>
+                        <a:spcBef>
+                          <a:spcPts val="0"/>
+                        </a:spcBef>
+                        <a:spcAft>
+                          <a:spcPts val="0"/>
+                        </a:spcAft>
+                      </a:pPr>
+                      <a:r>
+                        <a:rPr lang="ro-RO" sz="1200">
+                          <a:effectLst/>
+                        </a:rPr>
+                        <a:t> </a:t>
+                      </a:r>
+                      <a:endParaRPr lang="en-US" sz="1200">
+                        <a:effectLst/>
+                        <a:latin typeface="Calibri" panose="020F0502020204030204" pitchFamily="34" charset="0"/>
+                        <a:ea typeface="Times New Roman" panose="02020603050405020304" pitchFamily="18" charset="0"/>
+                        <a:cs typeface="Times New Roman" panose="02020603050405020304" pitchFamily="18" charset="0"/>
+                      </a:endParaRPr>
+                    </a:p>
+                  </a:txBody>
+                  <a:tcPr marL="68580" marR="68580" marT="0" marB="0"/>
+                </a:tc>
+                <a:tc>
+                  <a:txBody>
+                    <a:bodyPr/>
+                    <a:lstStyle/>
+                    <a:p>
+                      <a:pPr marL="342900" marR="0" lvl="0" indent="-342900" algn="just">
+                        <a:lnSpc>
+                          <a:spcPct val="115000"/>
+                        </a:lnSpc>
+                        <a:spcBef>
+                          <a:spcPts val="0"/>
+                        </a:spcBef>
+                        <a:spcAft>
+                          <a:spcPts val="0"/>
+                        </a:spcAft>
+                        <a:buFont typeface="Wingdings" panose="05000000000000000000" pitchFamily="2" charset="2"/>
+                        <a:buChar char=""/>
+                      </a:pPr>
+                      <a:r>
+                        <a:rPr lang="ro-RO" sz="1200">
+                          <a:effectLst/>
+                        </a:rPr>
+                        <a:t> </a:t>
+                      </a:r>
+                      <a:endParaRPr lang="en-US" sz="1200">
+                        <a:effectLst/>
+                        <a:latin typeface="Calibri" panose="020F0502020204030204" pitchFamily="34" charset="0"/>
+                        <a:ea typeface="Times New Roman" panose="02020603050405020304" pitchFamily="18" charset="0"/>
+                        <a:cs typeface="Times New Roman" panose="02020603050405020304" pitchFamily="18" charset="0"/>
+                      </a:endParaRPr>
+                    </a:p>
+                  </a:txBody>
+                  <a:tcPr marL="68580" marR="68580" marT="0" marB="0"/>
+                </a:tc>
+                <a:tc>
+                  <a:txBody>
+                    <a:bodyPr/>
+                    <a:lstStyle/>
+                    <a:p>
+                      <a:pPr marL="342900" marR="0" lvl="0" indent="-342900" algn="just">
+                        <a:lnSpc>
+                          <a:spcPct val="115000"/>
+                        </a:lnSpc>
+                        <a:spcBef>
+                          <a:spcPts val="0"/>
+                        </a:spcBef>
+                        <a:spcAft>
+                          <a:spcPts val="0"/>
+                        </a:spcAft>
+                        <a:buFont typeface="Wingdings" panose="05000000000000000000" pitchFamily="2" charset="2"/>
+                        <a:buChar char=""/>
+                      </a:pPr>
+                      <a:r>
+                        <a:rPr lang="ro-RO" sz="1200">
+                          <a:effectLst/>
+                        </a:rPr>
+                        <a:t> </a:t>
+                      </a:r>
+                      <a:endParaRPr lang="en-US" sz="1200">
+                        <a:effectLst/>
+                        <a:latin typeface="Calibri" panose="020F0502020204030204" pitchFamily="34" charset="0"/>
+                        <a:ea typeface="Times New Roman" panose="02020603050405020304" pitchFamily="18" charset="0"/>
+                        <a:cs typeface="Times New Roman" panose="02020603050405020304" pitchFamily="18" charset="0"/>
+                      </a:endParaRPr>
+                    </a:p>
+                  </a:txBody>
+                  <a:tcPr marL="68580" marR="68580" marT="0" marB="0"/>
+                </a:tc>
+                <a:extLst>
+                  <a:ext uri="{0D108BD9-81ED-4DB2-BD59-A6C34878D82A}">
+                    <a16:rowId xmlns:a16="http://schemas.microsoft.com/office/drawing/2014/main" val="3495632781"/>
+                  </a:ext>
+                </a:extLst>
+              </a:tr>
+              <a:tr h="0">
+                <a:tc>
+                  <a:txBody>
+                    <a:bodyPr/>
+                    <a:lstStyle/>
+                    <a:p>
+                      <a:pPr marL="0" marR="0" algn="just">
+                        <a:lnSpc>
+                          <a:spcPct val="115000"/>
+                        </a:lnSpc>
+                        <a:spcBef>
+                          <a:spcPts val="0"/>
+                        </a:spcBef>
+                        <a:spcAft>
+                          <a:spcPts val="0"/>
+                        </a:spcAft>
+                      </a:pPr>
+                      <a:r>
+                        <a:rPr lang="ro-RO" sz="1200">
+                          <a:effectLst/>
+                        </a:rPr>
+                        <a:t>Arhitectura client - server</a:t>
+                      </a:r>
+                      <a:endParaRPr lang="en-US" sz="1200">
+                        <a:effectLst/>
+                        <a:latin typeface="Calibri" panose="020F0502020204030204" pitchFamily="34" charset="0"/>
+                        <a:ea typeface="Times New Roman" panose="02020603050405020304" pitchFamily="18" charset="0"/>
+                        <a:cs typeface="Times New Roman" panose="02020603050405020304" pitchFamily="18" charset="0"/>
+                      </a:endParaRPr>
+                    </a:p>
+                  </a:txBody>
+                  <a:tcPr marL="68580" marR="68580" marT="0" marB="0"/>
+                </a:tc>
+                <a:tc>
+                  <a:txBody>
+                    <a:bodyPr/>
+                    <a:lstStyle/>
+                    <a:p>
+                      <a:pPr marL="0" marR="0" algn="just">
+                        <a:lnSpc>
+                          <a:spcPct val="115000"/>
+                        </a:lnSpc>
+                        <a:spcBef>
+                          <a:spcPts val="0"/>
+                        </a:spcBef>
+                        <a:spcAft>
+                          <a:spcPts val="0"/>
+                        </a:spcAft>
+                      </a:pPr>
+                      <a:r>
+                        <a:rPr lang="ro-RO" sz="1200">
+                          <a:effectLst/>
+                        </a:rPr>
+                        <a:t> </a:t>
+                      </a:r>
+                      <a:endParaRPr lang="en-US" sz="1200">
+                        <a:effectLst/>
+                        <a:latin typeface="Calibri" panose="020F0502020204030204" pitchFamily="34" charset="0"/>
+                        <a:ea typeface="Times New Roman" panose="02020603050405020304" pitchFamily="18" charset="0"/>
+                        <a:cs typeface="Times New Roman" panose="02020603050405020304" pitchFamily="18" charset="0"/>
+                      </a:endParaRPr>
+                    </a:p>
+                  </a:txBody>
+                  <a:tcPr marL="68580" marR="68580" marT="0" marB="0"/>
+                </a:tc>
+                <a:tc>
+                  <a:txBody>
+                    <a:bodyPr/>
+                    <a:lstStyle/>
+                    <a:p>
+                      <a:pPr marL="342900" marR="0" lvl="0" indent="-342900" algn="just">
+                        <a:lnSpc>
+                          <a:spcPct val="115000"/>
+                        </a:lnSpc>
+                        <a:spcBef>
+                          <a:spcPts val="0"/>
+                        </a:spcBef>
+                        <a:spcAft>
+                          <a:spcPts val="0"/>
+                        </a:spcAft>
+                        <a:buFont typeface="Wingdings" panose="05000000000000000000" pitchFamily="2" charset="2"/>
+                        <a:buChar char=""/>
+                      </a:pPr>
+                      <a:r>
+                        <a:rPr lang="ro-RO" sz="1200">
+                          <a:effectLst/>
+                        </a:rPr>
+                        <a:t> </a:t>
+                      </a:r>
+                      <a:endParaRPr lang="en-US" sz="1200">
+                        <a:effectLst/>
+                        <a:latin typeface="Calibri" panose="020F0502020204030204" pitchFamily="34" charset="0"/>
+                        <a:ea typeface="Times New Roman" panose="02020603050405020304" pitchFamily="18" charset="0"/>
+                        <a:cs typeface="Times New Roman" panose="02020603050405020304" pitchFamily="18" charset="0"/>
+                      </a:endParaRPr>
+                    </a:p>
+                  </a:txBody>
+                  <a:tcPr marL="68580" marR="68580" marT="0" marB="0"/>
+                </a:tc>
+                <a:tc>
+                  <a:txBody>
+                    <a:bodyPr/>
+                    <a:lstStyle/>
+                    <a:p>
+                      <a:pPr marL="342900" marR="0" lvl="0" indent="-342900" algn="just">
+                        <a:lnSpc>
+                          <a:spcPct val="115000"/>
+                        </a:lnSpc>
+                        <a:spcBef>
+                          <a:spcPts val="0"/>
+                        </a:spcBef>
+                        <a:spcAft>
+                          <a:spcPts val="0"/>
+                        </a:spcAft>
+                        <a:buFont typeface="Wingdings" panose="05000000000000000000" pitchFamily="2" charset="2"/>
+                        <a:buChar char=""/>
+                      </a:pPr>
+                      <a:r>
+                        <a:rPr lang="ro-RO" sz="1200">
+                          <a:effectLst/>
+                        </a:rPr>
+                        <a:t> </a:t>
+                      </a:r>
+                      <a:endParaRPr lang="en-US" sz="1200">
+                        <a:effectLst/>
+                        <a:latin typeface="Calibri" panose="020F0502020204030204" pitchFamily="34" charset="0"/>
+                        <a:ea typeface="Times New Roman" panose="02020603050405020304" pitchFamily="18" charset="0"/>
+                        <a:cs typeface="Times New Roman" panose="02020603050405020304" pitchFamily="18" charset="0"/>
+                      </a:endParaRPr>
+                    </a:p>
+                  </a:txBody>
+                  <a:tcPr marL="68580" marR="68580" marT="0" marB="0"/>
+                </a:tc>
+                <a:tc>
+                  <a:txBody>
+                    <a:bodyPr/>
+                    <a:lstStyle/>
+                    <a:p>
+                      <a:pPr marL="342900" marR="0" lvl="0" indent="-342900" algn="just">
+                        <a:lnSpc>
+                          <a:spcPct val="115000"/>
+                        </a:lnSpc>
+                        <a:spcBef>
+                          <a:spcPts val="0"/>
+                        </a:spcBef>
+                        <a:spcAft>
+                          <a:spcPts val="0"/>
+                        </a:spcAft>
+                        <a:buFont typeface="Wingdings" panose="05000000000000000000" pitchFamily="2" charset="2"/>
+                        <a:buChar char=""/>
+                      </a:pPr>
+                      <a:r>
+                        <a:rPr lang="ro-RO" sz="1200">
+                          <a:effectLst/>
+                        </a:rPr>
+                        <a:t> </a:t>
+                      </a:r>
+                      <a:endParaRPr lang="en-US" sz="1200">
+                        <a:effectLst/>
+                        <a:latin typeface="Calibri" panose="020F0502020204030204" pitchFamily="34" charset="0"/>
+                        <a:ea typeface="Times New Roman" panose="02020603050405020304" pitchFamily="18" charset="0"/>
+                        <a:cs typeface="Times New Roman" panose="02020603050405020304" pitchFamily="18" charset="0"/>
+                      </a:endParaRPr>
+                    </a:p>
+                  </a:txBody>
+                  <a:tcPr marL="68580" marR="68580" marT="0" marB="0"/>
+                </a:tc>
+                <a:extLst>
+                  <a:ext uri="{0D108BD9-81ED-4DB2-BD59-A6C34878D82A}">
+                    <a16:rowId xmlns:a16="http://schemas.microsoft.com/office/drawing/2014/main" val="1215856925"/>
+                  </a:ext>
+                </a:extLst>
+              </a:tr>
+              <a:tr h="0">
+                <a:tc>
+                  <a:txBody>
+                    <a:bodyPr/>
+                    <a:lstStyle/>
+                    <a:p>
+                      <a:pPr marL="0" marR="0" algn="just">
+                        <a:lnSpc>
+                          <a:spcPct val="115000"/>
+                        </a:lnSpc>
+                        <a:spcBef>
+                          <a:spcPts val="0"/>
+                        </a:spcBef>
+                        <a:spcAft>
+                          <a:spcPts val="0"/>
+                        </a:spcAft>
+                      </a:pPr>
+                      <a:r>
+                        <a:rPr lang="ro-RO" sz="1200">
+                          <a:effectLst/>
+                        </a:rPr>
+                        <a:t>Detectare malware</a:t>
+                      </a:r>
+                      <a:endParaRPr lang="en-US" sz="1200">
+                        <a:effectLst/>
+                        <a:latin typeface="Calibri" panose="020F0502020204030204" pitchFamily="34" charset="0"/>
+                        <a:ea typeface="Times New Roman" panose="02020603050405020304" pitchFamily="18" charset="0"/>
+                        <a:cs typeface="Times New Roman" panose="02020603050405020304" pitchFamily="18" charset="0"/>
+                      </a:endParaRPr>
+                    </a:p>
+                  </a:txBody>
+                  <a:tcPr marL="68580" marR="68580" marT="0" marB="0"/>
+                </a:tc>
+                <a:tc>
+                  <a:txBody>
+                    <a:bodyPr/>
+                    <a:lstStyle/>
+                    <a:p>
+                      <a:pPr marL="342900" marR="0" lvl="0" indent="-342900" algn="just">
+                        <a:lnSpc>
+                          <a:spcPct val="115000"/>
+                        </a:lnSpc>
+                        <a:spcBef>
+                          <a:spcPts val="0"/>
+                        </a:spcBef>
+                        <a:spcAft>
+                          <a:spcPts val="0"/>
+                        </a:spcAft>
+                        <a:buFont typeface="Wingdings" panose="05000000000000000000" pitchFamily="2" charset="2"/>
+                        <a:buChar char=""/>
+                      </a:pPr>
+                      <a:r>
+                        <a:rPr lang="ro-RO" sz="1200">
+                          <a:effectLst/>
+                        </a:rPr>
+                        <a:t> </a:t>
+                      </a:r>
+                      <a:endParaRPr lang="en-US" sz="1200">
+                        <a:effectLst/>
+                        <a:latin typeface="Calibri" panose="020F0502020204030204" pitchFamily="34" charset="0"/>
+                        <a:ea typeface="Times New Roman" panose="02020603050405020304" pitchFamily="18" charset="0"/>
+                        <a:cs typeface="Times New Roman" panose="02020603050405020304" pitchFamily="18" charset="0"/>
+                      </a:endParaRPr>
+                    </a:p>
+                  </a:txBody>
+                  <a:tcPr marL="68580" marR="68580" marT="0" marB="0"/>
+                </a:tc>
+                <a:tc>
+                  <a:txBody>
+                    <a:bodyPr/>
+                    <a:lstStyle/>
+                    <a:p>
+                      <a:pPr marL="342900" marR="0" lvl="0" indent="-342900" algn="just">
+                        <a:lnSpc>
+                          <a:spcPct val="115000"/>
+                        </a:lnSpc>
+                        <a:spcBef>
+                          <a:spcPts val="0"/>
+                        </a:spcBef>
+                        <a:spcAft>
+                          <a:spcPts val="0"/>
+                        </a:spcAft>
+                        <a:buFont typeface="Wingdings" panose="05000000000000000000" pitchFamily="2" charset="2"/>
+                        <a:buChar char=""/>
+                      </a:pPr>
+                      <a:r>
+                        <a:rPr lang="ro-RO" sz="1200">
+                          <a:effectLst/>
+                        </a:rPr>
+                        <a:t> </a:t>
+                      </a:r>
+                      <a:endParaRPr lang="en-US" sz="1200">
+                        <a:effectLst/>
+                        <a:latin typeface="Calibri" panose="020F0502020204030204" pitchFamily="34" charset="0"/>
+                        <a:ea typeface="Times New Roman" panose="02020603050405020304" pitchFamily="18" charset="0"/>
+                        <a:cs typeface="Times New Roman" panose="02020603050405020304" pitchFamily="18" charset="0"/>
+                      </a:endParaRPr>
+                    </a:p>
+                  </a:txBody>
+                  <a:tcPr marL="68580" marR="68580" marT="0" marB="0"/>
+                </a:tc>
+                <a:tc>
+                  <a:txBody>
+                    <a:bodyPr/>
+                    <a:lstStyle/>
+                    <a:p>
+                      <a:pPr marL="342900" marR="0" lvl="0" indent="-342900" algn="just">
+                        <a:lnSpc>
+                          <a:spcPct val="115000"/>
+                        </a:lnSpc>
+                        <a:spcBef>
+                          <a:spcPts val="0"/>
+                        </a:spcBef>
+                        <a:spcAft>
+                          <a:spcPts val="0"/>
+                        </a:spcAft>
+                        <a:buFont typeface="Wingdings" panose="05000000000000000000" pitchFamily="2" charset="2"/>
+                        <a:buChar char=""/>
+                      </a:pPr>
+                      <a:r>
+                        <a:rPr lang="ro-RO" sz="1200">
+                          <a:effectLst/>
+                        </a:rPr>
+                        <a:t> </a:t>
+                      </a:r>
+                      <a:endParaRPr lang="en-US" sz="1200">
+                        <a:effectLst/>
+                        <a:latin typeface="Calibri" panose="020F0502020204030204" pitchFamily="34" charset="0"/>
+                        <a:ea typeface="Times New Roman" panose="02020603050405020304" pitchFamily="18" charset="0"/>
+                        <a:cs typeface="Times New Roman" panose="02020603050405020304" pitchFamily="18" charset="0"/>
+                      </a:endParaRPr>
+                    </a:p>
+                  </a:txBody>
+                  <a:tcPr marL="68580" marR="68580" marT="0" marB="0"/>
+                </a:tc>
+                <a:tc>
+                  <a:txBody>
+                    <a:bodyPr/>
+                    <a:lstStyle/>
+                    <a:p>
+                      <a:pPr marL="342900" marR="0" lvl="0" indent="-342900" algn="just">
+                        <a:lnSpc>
+                          <a:spcPct val="115000"/>
+                        </a:lnSpc>
+                        <a:spcBef>
+                          <a:spcPts val="0"/>
+                        </a:spcBef>
+                        <a:spcAft>
+                          <a:spcPts val="0"/>
+                        </a:spcAft>
+                        <a:buFont typeface="Wingdings" panose="05000000000000000000" pitchFamily="2" charset="2"/>
+                        <a:buChar char=""/>
+                      </a:pPr>
+                      <a:r>
+                        <a:rPr lang="ro-RO" sz="1200">
+                          <a:effectLst/>
+                        </a:rPr>
+                        <a:t> </a:t>
+                      </a:r>
+                      <a:endParaRPr lang="en-US" sz="1200">
+                        <a:effectLst/>
+                        <a:latin typeface="Calibri" panose="020F0502020204030204" pitchFamily="34" charset="0"/>
+                        <a:ea typeface="Times New Roman" panose="02020603050405020304" pitchFamily="18" charset="0"/>
+                        <a:cs typeface="Times New Roman" panose="02020603050405020304" pitchFamily="18" charset="0"/>
+                      </a:endParaRPr>
+                    </a:p>
+                  </a:txBody>
+                  <a:tcPr marL="68580" marR="68580" marT="0" marB="0"/>
+                </a:tc>
+                <a:extLst>
+                  <a:ext uri="{0D108BD9-81ED-4DB2-BD59-A6C34878D82A}">
+                    <a16:rowId xmlns:a16="http://schemas.microsoft.com/office/drawing/2014/main" val="2607950499"/>
+                  </a:ext>
+                </a:extLst>
+              </a:tr>
+              <a:tr h="0">
+                <a:tc>
+                  <a:txBody>
+                    <a:bodyPr/>
+                    <a:lstStyle/>
+                    <a:p>
+                      <a:pPr marL="0" marR="0" algn="just">
+                        <a:lnSpc>
+                          <a:spcPct val="115000"/>
+                        </a:lnSpc>
+                        <a:spcBef>
+                          <a:spcPts val="0"/>
+                        </a:spcBef>
+                        <a:spcAft>
+                          <a:spcPts val="0"/>
+                        </a:spcAft>
+                      </a:pPr>
+                      <a:r>
+                        <a:rPr lang="ro-RO" sz="1200">
+                          <a:effectLst/>
+                        </a:rPr>
+                        <a:t>Scalabilitate</a:t>
+                      </a:r>
+                      <a:r>
+                        <a:rPr lang="en-US" sz="1200">
+                          <a:effectLst/>
+                        </a:rPr>
+                        <a:t> &gt; 20 client </a:t>
+                      </a:r>
+                      <a:endParaRPr lang="en-US" sz="1200">
+                        <a:effectLst/>
+                        <a:latin typeface="Calibri" panose="020F0502020204030204" pitchFamily="34" charset="0"/>
+                        <a:ea typeface="Times New Roman" panose="02020603050405020304" pitchFamily="18" charset="0"/>
+                        <a:cs typeface="Times New Roman" panose="02020603050405020304" pitchFamily="18" charset="0"/>
+                      </a:endParaRPr>
+                    </a:p>
+                  </a:txBody>
+                  <a:tcPr marL="68580" marR="68580" marT="0" marB="0"/>
+                </a:tc>
+                <a:tc>
+                  <a:txBody>
+                    <a:bodyPr/>
+                    <a:lstStyle/>
+                    <a:p>
+                      <a:pPr marL="342900" marR="0" lvl="0" indent="-342900" algn="just">
+                        <a:lnSpc>
+                          <a:spcPct val="115000"/>
+                        </a:lnSpc>
+                        <a:spcBef>
+                          <a:spcPts val="0"/>
+                        </a:spcBef>
+                        <a:spcAft>
+                          <a:spcPts val="0"/>
+                        </a:spcAft>
+                        <a:buFont typeface="Wingdings" panose="05000000000000000000" pitchFamily="2" charset="2"/>
+                        <a:buChar char=""/>
+                      </a:pPr>
+                      <a:r>
+                        <a:rPr lang="ro-RO" sz="1200">
+                          <a:effectLst/>
+                        </a:rPr>
+                        <a:t> </a:t>
+                      </a:r>
+                      <a:endParaRPr lang="en-US" sz="1200">
+                        <a:effectLst/>
+                        <a:latin typeface="Calibri" panose="020F0502020204030204" pitchFamily="34" charset="0"/>
+                        <a:ea typeface="Times New Roman" panose="02020603050405020304" pitchFamily="18" charset="0"/>
+                        <a:cs typeface="Times New Roman" panose="02020603050405020304" pitchFamily="18" charset="0"/>
+                      </a:endParaRPr>
+                    </a:p>
+                  </a:txBody>
+                  <a:tcPr marL="68580" marR="68580" marT="0" marB="0"/>
+                </a:tc>
+                <a:tc>
+                  <a:txBody>
+                    <a:bodyPr/>
+                    <a:lstStyle/>
+                    <a:p>
+                      <a:pPr marL="342900" marR="0" lvl="0" indent="-342900" algn="just">
+                        <a:lnSpc>
+                          <a:spcPct val="115000"/>
+                        </a:lnSpc>
+                        <a:spcBef>
+                          <a:spcPts val="0"/>
+                        </a:spcBef>
+                        <a:spcAft>
+                          <a:spcPts val="0"/>
+                        </a:spcAft>
+                        <a:buFont typeface="Wingdings" panose="05000000000000000000" pitchFamily="2" charset="2"/>
+                        <a:buChar char=""/>
+                      </a:pPr>
+                      <a:r>
+                        <a:rPr lang="ro-RO" sz="1200">
+                          <a:effectLst/>
+                        </a:rPr>
+                        <a:t> </a:t>
+                      </a:r>
+                      <a:endParaRPr lang="en-US" sz="1200">
+                        <a:effectLst/>
+                        <a:latin typeface="Calibri" panose="020F0502020204030204" pitchFamily="34" charset="0"/>
+                        <a:ea typeface="Times New Roman" panose="02020603050405020304" pitchFamily="18" charset="0"/>
+                        <a:cs typeface="Times New Roman" panose="02020603050405020304" pitchFamily="18" charset="0"/>
+                      </a:endParaRPr>
+                    </a:p>
+                  </a:txBody>
+                  <a:tcPr marL="68580" marR="68580" marT="0" marB="0"/>
+                </a:tc>
+                <a:tc>
+                  <a:txBody>
+                    <a:bodyPr/>
+                    <a:lstStyle/>
+                    <a:p>
+                      <a:pPr marL="0" marR="0" algn="just">
+                        <a:lnSpc>
+                          <a:spcPct val="115000"/>
+                        </a:lnSpc>
+                        <a:spcBef>
+                          <a:spcPts val="0"/>
+                        </a:spcBef>
+                        <a:spcAft>
+                          <a:spcPts val="0"/>
+                        </a:spcAft>
+                      </a:pPr>
+                      <a:r>
+                        <a:rPr lang="ro-RO" sz="1200">
+                          <a:effectLst/>
+                        </a:rPr>
+                        <a:t> </a:t>
+                      </a:r>
+                      <a:endParaRPr lang="en-US" sz="1200">
+                        <a:effectLst/>
+                        <a:latin typeface="Calibri" panose="020F0502020204030204" pitchFamily="34" charset="0"/>
+                        <a:ea typeface="Times New Roman" panose="02020603050405020304" pitchFamily="18" charset="0"/>
+                        <a:cs typeface="Times New Roman" panose="02020603050405020304" pitchFamily="18" charset="0"/>
+                      </a:endParaRPr>
+                    </a:p>
+                  </a:txBody>
+                  <a:tcPr marL="68580" marR="68580" marT="0" marB="0"/>
+                </a:tc>
+                <a:tc>
+                  <a:txBody>
+                    <a:bodyPr/>
+                    <a:lstStyle/>
+                    <a:p>
+                      <a:pPr marL="342900" marR="0" lvl="0" indent="-342900" algn="just">
+                        <a:lnSpc>
+                          <a:spcPct val="115000"/>
+                        </a:lnSpc>
+                        <a:spcBef>
+                          <a:spcPts val="0"/>
+                        </a:spcBef>
+                        <a:spcAft>
+                          <a:spcPts val="0"/>
+                        </a:spcAft>
+                        <a:buFont typeface="Wingdings" panose="05000000000000000000" pitchFamily="2" charset="2"/>
+                        <a:buChar char=""/>
+                      </a:pPr>
+                      <a:r>
+                        <a:rPr lang="ro-RO" sz="1200">
+                          <a:effectLst/>
+                        </a:rPr>
+                        <a:t> </a:t>
+                      </a:r>
+                      <a:endParaRPr lang="en-US" sz="1200">
+                        <a:effectLst/>
+                        <a:latin typeface="Calibri" panose="020F0502020204030204" pitchFamily="34" charset="0"/>
+                        <a:ea typeface="Times New Roman" panose="02020603050405020304" pitchFamily="18" charset="0"/>
+                        <a:cs typeface="Times New Roman" panose="02020603050405020304" pitchFamily="18" charset="0"/>
+                      </a:endParaRPr>
+                    </a:p>
+                  </a:txBody>
+                  <a:tcPr marL="68580" marR="68580" marT="0" marB="0"/>
+                </a:tc>
+                <a:extLst>
+                  <a:ext uri="{0D108BD9-81ED-4DB2-BD59-A6C34878D82A}">
+                    <a16:rowId xmlns:a16="http://schemas.microsoft.com/office/drawing/2014/main" val="4054012377"/>
+                  </a:ext>
+                </a:extLst>
+              </a:tr>
+              <a:tr h="0">
+                <a:tc>
+                  <a:txBody>
+                    <a:bodyPr/>
+                    <a:lstStyle/>
+                    <a:p>
+                      <a:pPr marL="0" marR="0" algn="l">
+                        <a:lnSpc>
+                          <a:spcPct val="115000"/>
+                        </a:lnSpc>
+                        <a:spcBef>
+                          <a:spcPts val="0"/>
+                        </a:spcBef>
+                        <a:spcAft>
+                          <a:spcPts val="0"/>
+                        </a:spcAft>
+                      </a:pPr>
+                      <a:r>
+                        <a:rPr lang="ro-RO" sz="1200">
+                          <a:effectLst/>
+                        </a:rPr>
+                        <a:t>Aplicație Web pentru centralizare</a:t>
+                      </a:r>
+                      <a:endParaRPr lang="en-US" sz="1200">
+                        <a:effectLst/>
+                        <a:latin typeface="Calibri" panose="020F0502020204030204" pitchFamily="34" charset="0"/>
+                        <a:ea typeface="Times New Roman" panose="02020603050405020304" pitchFamily="18" charset="0"/>
+                        <a:cs typeface="Times New Roman" panose="02020603050405020304" pitchFamily="18" charset="0"/>
+                      </a:endParaRPr>
+                    </a:p>
+                  </a:txBody>
+                  <a:tcPr marL="68580" marR="68580" marT="0" marB="0"/>
+                </a:tc>
+                <a:tc>
+                  <a:txBody>
+                    <a:bodyPr/>
+                    <a:lstStyle/>
+                    <a:p>
+                      <a:pPr marL="342900" marR="0" lvl="0" indent="-342900" algn="just">
+                        <a:lnSpc>
+                          <a:spcPct val="115000"/>
+                        </a:lnSpc>
+                        <a:spcBef>
+                          <a:spcPts val="0"/>
+                        </a:spcBef>
+                        <a:spcAft>
+                          <a:spcPts val="0"/>
+                        </a:spcAft>
+                        <a:buFont typeface="Wingdings" panose="05000000000000000000" pitchFamily="2" charset="2"/>
+                        <a:buChar char=""/>
+                      </a:pPr>
+                      <a:r>
+                        <a:rPr lang="ro-RO" sz="1200">
+                          <a:effectLst/>
+                        </a:rPr>
+                        <a:t> </a:t>
+                      </a:r>
+                      <a:endParaRPr lang="en-US" sz="1200">
+                        <a:effectLst/>
+                        <a:latin typeface="Calibri" panose="020F0502020204030204" pitchFamily="34" charset="0"/>
+                        <a:ea typeface="Times New Roman" panose="02020603050405020304" pitchFamily="18" charset="0"/>
+                        <a:cs typeface="Times New Roman" panose="02020603050405020304" pitchFamily="18" charset="0"/>
+                      </a:endParaRPr>
+                    </a:p>
+                  </a:txBody>
+                  <a:tcPr marL="68580" marR="68580" marT="0" marB="0"/>
+                </a:tc>
+                <a:tc>
+                  <a:txBody>
+                    <a:bodyPr/>
+                    <a:lstStyle/>
+                    <a:p>
+                      <a:pPr marL="342900" marR="0" lvl="0" indent="-342900" algn="just">
+                        <a:lnSpc>
+                          <a:spcPct val="115000"/>
+                        </a:lnSpc>
+                        <a:spcBef>
+                          <a:spcPts val="0"/>
+                        </a:spcBef>
+                        <a:spcAft>
+                          <a:spcPts val="0"/>
+                        </a:spcAft>
+                        <a:buFont typeface="Wingdings" panose="05000000000000000000" pitchFamily="2" charset="2"/>
+                        <a:buChar char=""/>
+                      </a:pPr>
+                      <a:r>
+                        <a:rPr lang="ro-RO" sz="1200">
+                          <a:effectLst/>
+                        </a:rPr>
+                        <a:t> </a:t>
+                      </a:r>
+                      <a:endParaRPr lang="en-US" sz="1200">
+                        <a:effectLst/>
+                        <a:latin typeface="Calibri" panose="020F0502020204030204" pitchFamily="34" charset="0"/>
+                        <a:ea typeface="Times New Roman" panose="02020603050405020304" pitchFamily="18" charset="0"/>
+                        <a:cs typeface="Times New Roman" panose="02020603050405020304" pitchFamily="18" charset="0"/>
+                      </a:endParaRPr>
+                    </a:p>
+                  </a:txBody>
+                  <a:tcPr marL="68580" marR="68580" marT="0" marB="0"/>
+                </a:tc>
+                <a:tc>
+                  <a:txBody>
+                    <a:bodyPr/>
+                    <a:lstStyle/>
+                    <a:p>
+                      <a:pPr marL="342900" marR="0" lvl="0" indent="-342900" algn="just">
+                        <a:lnSpc>
+                          <a:spcPct val="115000"/>
+                        </a:lnSpc>
+                        <a:spcBef>
+                          <a:spcPts val="0"/>
+                        </a:spcBef>
+                        <a:spcAft>
+                          <a:spcPts val="0"/>
+                        </a:spcAft>
+                        <a:buFont typeface="Wingdings" panose="05000000000000000000" pitchFamily="2" charset="2"/>
+                        <a:buChar char=""/>
+                      </a:pPr>
+                      <a:r>
+                        <a:rPr lang="ro-RO" sz="1200">
+                          <a:effectLst/>
+                        </a:rPr>
+                        <a:t> </a:t>
+                      </a:r>
+                      <a:endParaRPr lang="en-US" sz="1200">
+                        <a:effectLst/>
+                        <a:latin typeface="Calibri" panose="020F0502020204030204" pitchFamily="34" charset="0"/>
+                        <a:ea typeface="Times New Roman" panose="02020603050405020304" pitchFamily="18" charset="0"/>
+                        <a:cs typeface="Times New Roman" panose="02020603050405020304" pitchFamily="18" charset="0"/>
+                      </a:endParaRPr>
+                    </a:p>
+                  </a:txBody>
+                  <a:tcPr marL="68580" marR="68580" marT="0" marB="0"/>
+                </a:tc>
+                <a:tc>
+                  <a:txBody>
+                    <a:bodyPr/>
+                    <a:lstStyle/>
+                    <a:p>
+                      <a:pPr marL="342900" marR="0" lvl="0" indent="-342900" algn="just">
+                        <a:lnSpc>
+                          <a:spcPct val="115000"/>
+                        </a:lnSpc>
+                        <a:spcBef>
+                          <a:spcPts val="0"/>
+                        </a:spcBef>
+                        <a:spcAft>
+                          <a:spcPts val="0"/>
+                        </a:spcAft>
+                        <a:buFont typeface="Wingdings" panose="05000000000000000000" pitchFamily="2" charset="2"/>
+                        <a:buChar char=""/>
+                      </a:pPr>
+                      <a:r>
+                        <a:rPr lang="ro-RO" sz="1200">
+                          <a:effectLst/>
+                        </a:rPr>
+                        <a:t> </a:t>
+                      </a:r>
+                      <a:endParaRPr lang="en-US" sz="1200">
+                        <a:effectLst/>
+                        <a:latin typeface="Calibri" panose="020F0502020204030204" pitchFamily="34" charset="0"/>
+                        <a:ea typeface="Times New Roman" panose="02020603050405020304" pitchFamily="18" charset="0"/>
+                        <a:cs typeface="Times New Roman" panose="02020603050405020304" pitchFamily="18" charset="0"/>
+                      </a:endParaRPr>
+                    </a:p>
+                  </a:txBody>
+                  <a:tcPr marL="68580" marR="68580" marT="0" marB="0"/>
+                </a:tc>
+                <a:extLst>
+                  <a:ext uri="{0D108BD9-81ED-4DB2-BD59-A6C34878D82A}">
+                    <a16:rowId xmlns:a16="http://schemas.microsoft.com/office/drawing/2014/main" val="1779785050"/>
+                  </a:ext>
+                </a:extLst>
+              </a:tr>
+              <a:tr h="0">
+                <a:tc>
+                  <a:txBody>
+                    <a:bodyPr/>
+                    <a:lstStyle/>
+                    <a:p>
+                      <a:pPr marL="0" marR="0" algn="just">
+                        <a:lnSpc>
+                          <a:spcPct val="115000"/>
+                        </a:lnSpc>
+                        <a:spcBef>
+                          <a:spcPts val="0"/>
+                        </a:spcBef>
+                        <a:spcAft>
+                          <a:spcPts val="0"/>
+                        </a:spcAft>
+                      </a:pPr>
+                      <a:r>
+                        <a:rPr lang="ro-RO" sz="1200">
+                          <a:effectLst/>
+                        </a:rPr>
+                        <a:t>Compatibilitate Unix</a:t>
+                      </a:r>
+                      <a:endParaRPr lang="en-US" sz="1200">
+                        <a:effectLst/>
+                        <a:latin typeface="Calibri" panose="020F0502020204030204" pitchFamily="34" charset="0"/>
+                        <a:ea typeface="Times New Roman" panose="02020603050405020304" pitchFamily="18" charset="0"/>
+                        <a:cs typeface="Times New Roman" panose="02020603050405020304" pitchFamily="18" charset="0"/>
+                      </a:endParaRPr>
+                    </a:p>
+                  </a:txBody>
+                  <a:tcPr marL="68580" marR="68580" marT="0" marB="0"/>
+                </a:tc>
+                <a:tc>
+                  <a:txBody>
+                    <a:bodyPr/>
+                    <a:lstStyle/>
+                    <a:p>
+                      <a:pPr marL="342900" marR="0" lvl="0" indent="-342900" algn="just">
+                        <a:lnSpc>
+                          <a:spcPct val="115000"/>
+                        </a:lnSpc>
+                        <a:spcBef>
+                          <a:spcPts val="0"/>
+                        </a:spcBef>
+                        <a:spcAft>
+                          <a:spcPts val="0"/>
+                        </a:spcAft>
+                        <a:buFont typeface="Wingdings" panose="05000000000000000000" pitchFamily="2" charset="2"/>
+                        <a:buChar char=""/>
+                      </a:pPr>
+                      <a:r>
+                        <a:rPr lang="ro-RO" sz="1200">
+                          <a:effectLst/>
+                        </a:rPr>
+                        <a:t> </a:t>
+                      </a:r>
+                      <a:endParaRPr lang="en-US" sz="1200">
+                        <a:effectLst/>
+                        <a:latin typeface="Calibri" panose="020F0502020204030204" pitchFamily="34" charset="0"/>
+                        <a:ea typeface="Times New Roman" panose="02020603050405020304" pitchFamily="18" charset="0"/>
+                        <a:cs typeface="Times New Roman" panose="02020603050405020304" pitchFamily="18" charset="0"/>
+                      </a:endParaRPr>
+                    </a:p>
+                  </a:txBody>
+                  <a:tcPr marL="68580" marR="68580" marT="0" marB="0"/>
+                </a:tc>
+                <a:tc>
+                  <a:txBody>
+                    <a:bodyPr/>
+                    <a:lstStyle/>
+                    <a:p>
+                      <a:pPr marL="342900" marR="0" lvl="0" indent="-342900" algn="just">
+                        <a:lnSpc>
+                          <a:spcPct val="115000"/>
+                        </a:lnSpc>
+                        <a:spcBef>
+                          <a:spcPts val="0"/>
+                        </a:spcBef>
+                        <a:spcAft>
+                          <a:spcPts val="0"/>
+                        </a:spcAft>
+                        <a:buFont typeface="Wingdings" panose="05000000000000000000" pitchFamily="2" charset="2"/>
+                        <a:buChar char=""/>
+                      </a:pPr>
+                      <a:r>
+                        <a:rPr lang="ro-RO" sz="1200">
+                          <a:effectLst/>
+                        </a:rPr>
+                        <a:t> </a:t>
+                      </a:r>
+                      <a:endParaRPr lang="en-US" sz="1200">
+                        <a:effectLst/>
+                        <a:latin typeface="Calibri" panose="020F0502020204030204" pitchFamily="34" charset="0"/>
+                        <a:ea typeface="Times New Roman" panose="02020603050405020304" pitchFamily="18" charset="0"/>
+                        <a:cs typeface="Times New Roman" panose="02020603050405020304" pitchFamily="18" charset="0"/>
+                      </a:endParaRPr>
+                    </a:p>
+                  </a:txBody>
+                  <a:tcPr marL="68580" marR="68580" marT="0" marB="0"/>
+                </a:tc>
+                <a:tc>
+                  <a:txBody>
+                    <a:bodyPr/>
+                    <a:lstStyle/>
+                    <a:p>
+                      <a:pPr marL="342900" marR="0" lvl="0" indent="-342900" algn="just">
+                        <a:lnSpc>
+                          <a:spcPct val="115000"/>
+                        </a:lnSpc>
+                        <a:spcBef>
+                          <a:spcPts val="0"/>
+                        </a:spcBef>
+                        <a:spcAft>
+                          <a:spcPts val="0"/>
+                        </a:spcAft>
+                        <a:buFont typeface="Wingdings" panose="05000000000000000000" pitchFamily="2" charset="2"/>
+                        <a:buChar char=""/>
+                      </a:pPr>
+                      <a:r>
+                        <a:rPr lang="ro-RO" sz="1200">
+                          <a:effectLst/>
+                        </a:rPr>
+                        <a:t> </a:t>
+                      </a:r>
+                      <a:endParaRPr lang="en-US" sz="1200">
+                        <a:effectLst/>
+                        <a:latin typeface="Calibri" panose="020F0502020204030204" pitchFamily="34" charset="0"/>
+                        <a:ea typeface="Times New Roman" panose="02020603050405020304" pitchFamily="18" charset="0"/>
+                        <a:cs typeface="Times New Roman" panose="02020603050405020304" pitchFamily="18" charset="0"/>
+                      </a:endParaRPr>
+                    </a:p>
+                  </a:txBody>
+                  <a:tcPr marL="68580" marR="68580" marT="0" marB="0"/>
+                </a:tc>
+                <a:tc>
+                  <a:txBody>
+                    <a:bodyPr/>
+                    <a:lstStyle/>
+                    <a:p>
+                      <a:pPr marL="342900" marR="0" lvl="0" indent="-342900" algn="just">
+                        <a:lnSpc>
+                          <a:spcPct val="115000"/>
+                        </a:lnSpc>
+                        <a:spcBef>
+                          <a:spcPts val="0"/>
+                        </a:spcBef>
+                        <a:spcAft>
+                          <a:spcPts val="0"/>
+                        </a:spcAft>
+                        <a:buFont typeface="Wingdings" panose="05000000000000000000" pitchFamily="2" charset="2"/>
+                        <a:buChar char=""/>
+                      </a:pPr>
+                      <a:r>
+                        <a:rPr lang="ro-RO" sz="1200">
+                          <a:effectLst/>
+                        </a:rPr>
+                        <a:t> </a:t>
+                      </a:r>
+                      <a:endParaRPr lang="en-US" sz="1200">
+                        <a:effectLst/>
+                        <a:latin typeface="Calibri" panose="020F0502020204030204" pitchFamily="34" charset="0"/>
+                        <a:ea typeface="Times New Roman" panose="02020603050405020304" pitchFamily="18" charset="0"/>
+                        <a:cs typeface="Times New Roman" panose="02020603050405020304" pitchFamily="18" charset="0"/>
+                      </a:endParaRPr>
+                    </a:p>
+                  </a:txBody>
+                  <a:tcPr marL="68580" marR="68580" marT="0" marB="0"/>
+                </a:tc>
+                <a:extLst>
+                  <a:ext uri="{0D108BD9-81ED-4DB2-BD59-A6C34878D82A}">
+                    <a16:rowId xmlns:a16="http://schemas.microsoft.com/office/drawing/2014/main" val="3403826474"/>
+                  </a:ext>
+                </a:extLst>
+              </a:tr>
+              <a:tr h="0">
+                <a:tc>
+                  <a:txBody>
+                    <a:bodyPr/>
+                    <a:lstStyle/>
+                    <a:p>
+                      <a:pPr marL="0" marR="0" algn="l">
+                        <a:lnSpc>
+                          <a:spcPct val="115000"/>
+                        </a:lnSpc>
+                        <a:spcBef>
+                          <a:spcPts val="0"/>
+                        </a:spcBef>
+                        <a:spcAft>
+                          <a:spcPts val="0"/>
+                        </a:spcAft>
+                      </a:pPr>
+                      <a:r>
+                        <a:rPr lang="ro-RO" sz="1200">
+                          <a:effectLst/>
+                        </a:rPr>
+                        <a:t>Fără dependențe de sistem</a:t>
+                      </a:r>
+                      <a:endParaRPr lang="en-US" sz="1200">
+                        <a:effectLst/>
+                        <a:latin typeface="Calibri" panose="020F0502020204030204" pitchFamily="34" charset="0"/>
+                        <a:ea typeface="Times New Roman" panose="02020603050405020304" pitchFamily="18" charset="0"/>
+                        <a:cs typeface="Times New Roman" panose="02020603050405020304" pitchFamily="18" charset="0"/>
+                      </a:endParaRPr>
+                    </a:p>
+                  </a:txBody>
+                  <a:tcPr marL="68580" marR="68580" marT="0" marB="0"/>
+                </a:tc>
+                <a:tc>
+                  <a:txBody>
+                    <a:bodyPr/>
+                    <a:lstStyle/>
+                    <a:p>
+                      <a:pPr marL="0" marR="0" algn="just">
+                        <a:lnSpc>
+                          <a:spcPct val="115000"/>
+                        </a:lnSpc>
+                        <a:spcBef>
+                          <a:spcPts val="0"/>
+                        </a:spcBef>
+                        <a:spcAft>
+                          <a:spcPts val="0"/>
+                        </a:spcAft>
+                      </a:pPr>
+                      <a:r>
+                        <a:rPr lang="ro-RO" sz="1200">
+                          <a:effectLst/>
+                        </a:rPr>
+                        <a:t> </a:t>
+                      </a:r>
+                      <a:endParaRPr lang="en-US" sz="1200">
+                        <a:effectLst/>
+                        <a:latin typeface="Calibri" panose="020F0502020204030204" pitchFamily="34" charset="0"/>
+                        <a:ea typeface="Times New Roman" panose="02020603050405020304" pitchFamily="18" charset="0"/>
+                        <a:cs typeface="Times New Roman" panose="02020603050405020304" pitchFamily="18" charset="0"/>
+                      </a:endParaRPr>
+                    </a:p>
+                  </a:txBody>
+                  <a:tcPr marL="68580" marR="68580" marT="0" marB="0"/>
+                </a:tc>
+                <a:tc>
+                  <a:txBody>
+                    <a:bodyPr/>
+                    <a:lstStyle/>
+                    <a:p>
+                      <a:pPr marL="0" marR="0" algn="just">
+                        <a:lnSpc>
+                          <a:spcPct val="115000"/>
+                        </a:lnSpc>
+                        <a:spcBef>
+                          <a:spcPts val="0"/>
+                        </a:spcBef>
+                        <a:spcAft>
+                          <a:spcPts val="0"/>
+                        </a:spcAft>
+                      </a:pPr>
+                      <a:r>
+                        <a:rPr lang="ro-RO" sz="1200">
+                          <a:effectLst/>
+                        </a:rPr>
+                        <a:t> </a:t>
+                      </a:r>
+                      <a:endParaRPr lang="en-US" sz="1200">
+                        <a:effectLst/>
+                        <a:latin typeface="Calibri" panose="020F0502020204030204" pitchFamily="34" charset="0"/>
+                        <a:ea typeface="Times New Roman" panose="02020603050405020304" pitchFamily="18" charset="0"/>
+                        <a:cs typeface="Times New Roman" panose="02020603050405020304" pitchFamily="18" charset="0"/>
+                      </a:endParaRPr>
+                    </a:p>
+                  </a:txBody>
+                  <a:tcPr marL="68580" marR="68580" marT="0" marB="0"/>
+                </a:tc>
+                <a:tc>
+                  <a:txBody>
+                    <a:bodyPr/>
+                    <a:lstStyle/>
+                    <a:p>
+                      <a:pPr marL="342900" marR="0" lvl="0" indent="-342900" algn="just">
+                        <a:lnSpc>
+                          <a:spcPct val="115000"/>
+                        </a:lnSpc>
+                        <a:spcBef>
+                          <a:spcPts val="0"/>
+                        </a:spcBef>
+                        <a:spcAft>
+                          <a:spcPts val="0"/>
+                        </a:spcAft>
+                        <a:buFont typeface="Wingdings" panose="05000000000000000000" pitchFamily="2" charset="2"/>
+                        <a:buChar char=""/>
+                      </a:pPr>
+                      <a:r>
+                        <a:rPr lang="ro-RO" sz="1200">
+                          <a:effectLst/>
+                        </a:rPr>
+                        <a:t> </a:t>
+                      </a:r>
+                      <a:endParaRPr lang="en-US" sz="1200">
+                        <a:effectLst/>
+                        <a:latin typeface="Calibri" panose="020F0502020204030204" pitchFamily="34" charset="0"/>
+                        <a:ea typeface="Times New Roman" panose="02020603050405020304" pitchFamily="18" charset="0"/>
+                        <a:cs typeface="Times New Roman" panose="02020603050405020304" pitchFamily="18" charset="0"/>
+                      </a:endParaRPr>
+                    </a:p>
+                  </a:txBody>
+                  <a:tcPr marL="68580" marR="68580" marT="0" marB="0"/>
+                </a:tc>
+                <a:tc>
+                  <a:txBody>
+                    <a:bodyPr/>
+                    <a:lstStyle/>
+                    <a:p>
+                      <a:pPr marL="0" marR="0" algn="just">
+                        <a:lnSpc>
+                          <a:spcPct val="115000"/>
+                        </a:lnSpc>
+                        <a:spcBef>
+                          <a:spcPts val="0"/>
+                        </a:spcBef>
+                        <a:spcAft>
+                          <a:spcPts val="0"/>
+                        </a:spcAft>
+                      </a:pPr>
+                      <a:r>
+                        <a:rPr lang="ro-RO" sz="1200">
+                          <a:effectLst/>
+                        </a:rPr>
+                        <a:t> </a:t>
+                      </a:r>
+                      <a:endParaRPr lang="en-US" sz="1200">
+                        <a:effectLst/>
+                        <a:latin typeface="Calibri" panose="020F0502020204030204" pitchFamily="34" charset="0"/>
+                        <a:ea typeface="Times New Roman" panose="02020603050405020304" pitchFamily="18" charset="0"/>
+                        <a:cs typeface="Times New Roman" panose="02020603050405020304" pitchFamily="18" charset="0"/>
+                      </a:endParaRPr>
+                    </a:p>
+                  </a:txBody>
+                  <a:tcPr marL="68580" marR="68580" marT="0" marB="0"/>
+                </a:tc>
+                <a:extLst>
+                  <a:ext uri="{0D108BD9-81ED-4DB2-BD59-A6C34878D82A}">
+                    <a16:rowId xmlns:a16="http://schemas.microsoft.com/office/drawing/2014/main" val="2061995194"/>
+                  </a:ext>
+                </a:extLst>
+              </a:tr>
+              <a:tr h="0">
+                <a:tc>
+                  <a:txBody>
+                    <a:bodyPr/>
+                    <a:lstStyle/>
+                    <a:p>
+                      <a:pPr marL="0" marR="0" algn="l">
+                        <a:lnSpc>
+                          <a:spcPct val="115000"/>
+                        </a:lnSpc>
+                        <a:spcBef>
+                          <a:spcPts val="0"/>
+                        </a:spcBef>
+                        <a:spcAft>
+                          <a:spcPts val="0"/>
+                        </a:spcAft>
+                      </a:pPr>
+                      <a:r>
+                        <a:rPr lang="ro-RO" sz="1200">
+                          <a:effectLst/>
+                        </a:rPr>
+                        <a:t>Inteligenta artificiala in Cloud</a:t>
+                      </a:r>
+                      <a:endParaRPr lang="en-US" sz="1200">
+                        <a:effectLst/>
+                        <a:latin typeface="Calibri" panose="020F0502020204030204" pitchFamily="34" charset="0"/>
+                        <a:ea typeface="Times New Roman" panose="02020603050405020304" pitchFamily="18" charset="0"/>
+                        <a:cs typeface="Times New Roman" panose="02020603050405020304" pitchFamily="18" charset="0"/>
+                      </a:endParaRPr>
+                    </a:p>
+                  </a:txBody>
+                  <a:tcPr marL="68580" marR="68580" marT="0" marB="0"/>
+                </a:tc>
+                <a:tc>
+                  <a:txBody>
+                    <a:bodyPr/>
+                    <a:lstStyle/>
+                    <a:p>
+                      <a:pPr marL="0" marR="0" algn="just">
+                        <a:lnSpc>
+                          <a:spcPct val="115000"/>
+                        </a:lnSpc>
+                        <a:spcBef>
+                          <a:spcPts val="0"/>
+                        </a:spcBef>
+                        <a:spcAft>
+                          <a:spcPts val="0"/>
+                        </a:spcAft>
+                      </a:pPr>
+                      <a:r>
+                        <a:rPr lang="ro-RO" sz="1200">
+                          <a:effectLst/>
+                        </a:rPr>
+                        <a:t> </a:t>
+                      </a:r>
+                      <a:endParaRPr lang="en-US" sz="1200">
+                        <a:effectLst/>
+                        <a:latin typeface="Calibri" panose="020F0502020204030204" pitchFamily="34" charset="0"/>
+                        <a:ea typeface="Times New Roman" panose="02020603050405020304" pitchFamily="18" charset="0"/>
+                        <a:cs typeface="Times New Roman" panose="02020603050405020304" pitchFamily="18" charset="0"/>
+                      </a:endParaRPr>
+                    </a:p>
+                  </a:txBody>
+                  <a:tcPr marL="68580" marR="68580" marT="0" marB="0"/>
+                </a:tc>
+                <a:tc>
+                  <a:txBody>
+                    <a:bodyPr/>
+                    <a:lstStyle/>
+                    <a:p>
+                      <a:pPr marL="342900" marR="0" lvl="0" indent="-342900" algn="just">
+                        <a:lnSpc>
+                          <a:spcPct val="115000"/>
+                        </a:lnSpc>
+                        <a:spcBef>
+                          <a:spcPts val="0"/>
+                        </a:spcBef>
+                        <a:spcAft>
+                          <a:spcPts val="0"/>
+                        </a:spcAft>
+                        <a:buFont typeface="Wingdings" panose="05000000000000000000" pitchFamily="2" charset="2"/>
+                        <a:buChar char=""/>
+                      </a:pPr>
+                      <a:r>
+                        <a:rPr lang="ro-RO" sz="1200">
+                          <a:effectLst/>
+                        </a:rPr>
+                        <a:t> </a:t>
+                      </a:r>
+                      <a:endParaRPr lang="en-US" sz="1200">
+                        <a:effectLst/>
+                        <a:latin typeface="Calibri" panose="020F0502020204030204" pitchFamily="34" charset="0"/>
+                        <a:ea typeface="Times New Roman" panose="02020603050405020304" pitchFamily="18" charset="0"/>
+                        <a:cs typeface="Times New Roman" panose="02020603050405020304" pitchFamily="18" charset="0"/>
+                      </a:endParaRPr>
+                    </a:p>
+                  </a:txBody>
+                  <a:tcPr marL="68580" marR="68580" marT="0" marB="0"/>
+                </a:tc>
+                <a:tc>
+                  <a:txBody>
+                    <a:bodyPr/>
+                    <a:lstStyle/>
+                    <a:p>
+                      <a:pPr marL="457200" marR="0" algn="just">
+                        <a:lnSpc>
+                          <a:spcPct val="115000"/>
+                        </a:lnSpc>
+                        <a:spcBef>
+                          <a:spcPts val="0"/>
+                        </a:spcBef>
+                        <a:spcAft>
+                          <a:spcPts val="0"/>
+                        </a:spcAft>
+                      </a:pPr>
+                      <a:r>
+                        <a:rPr lang="ro-RO" sz="1200">
+                          <a:effectLst/>
+                        </a:rPr>
+                        <a:t> </a:t>
+                      </a:r>
+                      <a:endParaRPr lang="en-US" sz="1200">
+                        <a:effectLst/>
+                        <a:latin typeface="Calibri" panose="020F0502020204030204" pitchFamily="34" charset="0"/>
+                        <a:ea typeface="Times New Roman" panose="02020603050405020304" pitchFamily="18" charset="0"/>
+                        <a:cs typeface="Times New Roman" panose="02020603050405020304" pitchFamily="18" charset="0"/>
+                      </a:endParaRPr>
+                    </a:p>
+                  </a:txBody>
+                  <a:tcPr marL="68580" marR="68580" marT="0" marB="0"/>
+                </a:tc>
+                <a:tc>
+                  <a:txBody>
+                    <a:bodyPr/>
+                    <a:lstStyle/>
+                    <a:p>
+                      <a:pPr marL="0" marR="0" algn="just">
+                        <a:lnSpc>
+                          <a:spcPct val="115000"/>
+                        </a:lnSpc>
+                        <a:spcBef>
+                          <a:spcPts val="0"/>
+                        </a:spcBef>
+                        <a:spcAft>
+                          <a:spcPts val="0"/>
+                        </a:spcAft>
+                      </a:pPr>
+                      <a:r>
+                        <a:rPr lang="ro-RO" sz="1200" dirty="0">
+                          <a:effectLst/>
+                        </a:rPr>
+                        <a:t> </a:t>
+                      </a:r>
+                      <a:endParaRPr lang="en-US" sz="1200" dirty="0">
+                        <a:effectLst/>
+                        <a:latin typeface="Calibri" panose="020F0502020204030204" pitchFamily="34" charset="0"/>
+                        <a:ea typeface="Times New Roman" panose="02020603050405020304" pitchFamily="18" charset="0"/>
+                        <a:cs typeface="Times New Roman" panose="02020603050405020304" pitchFamily="18" charset="0"/>
+                      </a:endParaRPr>
+                    </a:p>
+                  </a:txBody>
+                  <a:tcPr marL="68580" marR="68580" marT="0" marB="0"/>
+                </a:tc>
+                <a:extLst>
+                  <a:ext uri="{0D108BD9-81ED-4DB2-BD59-A6C34878D82A}">
+                    <a16:rowId xmlns:a16="http://schemas.microsoft.com/office/drawing/2014/main" val="3876075694"/>
+                  </a:ext>
+                </a:extLst>
+              </a:tr>
+              <a:tr h="0">
+                <a:tc>
+                  <a:txBody>
+                    <a:bodyPr/>
+                    <a:lstStyle/>
+                    <a:p>
+                      <a:pPr marL="0" marR="0" algn="l">
+                        <a:lnSpc>
+                          <a:spcPct val="115000"/>
+                        </a:lnSpc>
+                        <a:spcBef>
+                          <a:spcPts val="0"/>
+                        </a:spcBef>
+                        <a:spcAft>
+                          <a:spcPts val="0"/>
+                        </a:spcAft>
+                      </a:pPr>
+                      <a:r>
+                        <a:rPr lang="ro-RO" sz="1200">
+                          <a:effectLst/>
+                        </a:rPr>
+                        <a:t>Detectare atacuri 0-day</a:t>
+                      </a:r>
+                      <a:endParaRPr lang="en-US" sz="1200">
+                        <a:effectLst/>
+                        <a:latin typeface="Calibri" panose="020F0502020204030204" pitchFamily="34" charset="0"/>
+                        <a:ea typeface="Times New Roman" panose="02020603050405020304" pitchFamily="18" charset="0"/>
+                        <a:cs typeface="Times New Roman" panose="02020603050405020304" pitchFamily="18" charset="0"/>
+                      </a:endParaRPr>
+                    </a:p>
+                  </a:txBody>
+                  <a:tcPr marL="68580" marR="68580" marT="0" marB="0"/>
+                </a:tc>
+                <a:tc>
+                  <a:txBody>
+                    <a:bodyPr/>
+                    <a:lstStyle/>
+                    <a:p>
+                      <a:pPr marL="0" marR="0" algn="just">
+                        <a:lnSpc>
+                          <a:spcPct val="115000"/>
+                        </a:lnSpc>
+                        <a:spcBef>
+                          <a:spcPts val="0"/>
+                        </a:spcBef>
+                        <a:spcAft>
+                          <a:spcPts val="0"/>
+                        </a:spcAft>
+                      </a:pPr>
+                      <a:r>
+                        <a:rPr lang="ro-RO" sz="1200">
+                          <a:effectLst/>
+                        </a:rPr>
+                        <a:t> </a:t>
+                      </a:r>
+                      <a:endParaRPr lang="en-US" sz="1200">
+                        <a:effectLst/>
+                        <a:latin typeface="Calibri" panose="020F0502020204030204" pitchFamily="34" charset="0"/>
+                        <a:ea typeface="Times New Roman" panose="02020603050405020304" pitchFamily="18" charset="0"/>
+                        <a:cs typeface="Times New Roman" panose="02020603050405020304" pitchFamily="18" charset="0"/>
+                      </a:endParaRPr>
+                    </a:p>
+                  </a:txBody>
+                  <a:tcPr marL="68580" marR="68580" marT="0" marB="0"/>
+                </a:tc>
+                <a:tc>
+                  <a:txBody>
+                    <a:bodyPr/>
+                    <a:lstStyle/>
+                    <a:p>
+                      <a:pPr marL="342900" marR="0" lvl="0" indent="-342900" algn="just">
+                        <a:lnSpc>
+                          <a:spcPct val="115000"/>
+                        </a:lnSpc>
+                        <a:spcBef>
+                          <a:spcPts val="0"/>
+                        </a:spcBef>
+                        <a:spcAft>
+                          <a:spcPts val="0"/>
+                        </a:spcAft>
+                        <a:buFont typeface="Wingdings" panose="05000000000000000000" pitchFamily="2" charset="2"/>
+                        <a:buChar char=""/>
+                      </a:pPr>
+                      <a:r>
+                        <a:rPr lang="ro-RO" sz="1200">
+                          <a:effectLst/>
+                        </a:rPr>
+                        <a:t> </a:t>
+                      </a:r>
+                      <a:endParaRPr lang="en-US" sz="1200">
+                        <a:effectLst/>
+                        <a:latin typeface="Calibri" panose="020F0502020204030204" pitchFamily="34" charset="0"/>
+                        <a:ea typeface="Times New Roman" panose="02020603050405020304" pitchFamily="18" charset="0"/>
+                        <a:cs typeface="Times New Roman" panose="02020603050405020304" pitchFamily="18" charset="0"/>
+                      </a:endParaRPr>
+                    </a:p>
+                  </a:txBody>
+                  <a:tcPr marL="68580" marR="68580" marT="0" marB="0"/>
+                </a:tc>
+                <a:tc>
+                  <a:txBody>
+                    <a:bodyPr/>
+                    <a:lstStyle/>
+                    <a:p>
+                      <a:pPr marL="457200" marR="0" algn="just">
+                        <a:lnSpc>
+                          <a:spcPct val="115000"/>
+                        </a:lnSpc>
+                        <a:spcBef>
+                          <a:spcPts val="0"/>
+                        </a:spcBef>
+                        <a:spcAft>
+                          <a:spcPts val="0"/>
+                        </a:spcAft>
+                      </a:pPr>
+                      <a:r>
+                        <a:rPr lang="ro-RO" sz="1200">
+                          <a:effectLst/>
+                        </a:rPr>
+                        <a:t> </a:t>
+                      </a:r>
+                      <a:endParaRPr lang="en-US" sz="1200">
+                        <a:effectLst/>
+                        <a:latin typeface="Calibri" panose="020F0502020204030204" pitchFamily="34" charset="0"/>
+                        <a:ea typeface="Times New Roman" panose="02020603050405020304" pitchFamily="18" charset="0"/>
+                        <a:cs typeface="Times New Roman" panose="02020603050405020304" pitchFamily="18" charset="0"/>
+                      </a:endParaRPr>
+                    </a:p>
+                  </a:txBody>
+                  <a:tcPr marL="68580" marR="68580" marT="0" marB="0"/>
+                </a:tc>
+                <a:tc>
+                  <a:txBody>
+                    <a:bodyPr/>
+                    <a:lstStyle/>
+                    <a:p>
+                      <a:pPr marL="0" marR="0" algn="just">
+                        <a:lnSpc>
+                          <a:spcPct val="115000"/>
+                        </a:lnSpc>
+                        <a:spcBef>
+                          <a:spcPts val="0"/>
+                        </a:spcBef>
+                        <a:spcAft>
+                          <a:spcPts val="0"/>
+                        </a:spcAft>
+                      </a:pPr>
+                      <a:r>
+                        <a:rPr lang="ro-RO" sz="1200">
+                          <a:effectLst/>
+                        </a:rPr>
+                        <a:t> </a:t>
+                      </a:r>
+                      <a:endParaRPr lang="en-US" sz="1200">
+                        <a:effectLst/>
+                        <a:latin typeface="Calibri" panose="020F0502020204030204" pitchFamily="34" charset="0"/>
+                        <a:ea typeface="Times New Roman" panose="02020603050405020304" pitchFamily="18" charset="0"/>
+                        <a:cs typeface="Times New Roman" panose="02020603050405020304" pitchFamily="18" charset="0"/>
+                      </a:endParaRPr>
+                    </a:p>
+                  </a:txBody>
+                  <a:tcPr marL="68580" marR="68580" marT="0" marB="0"/>
+                </a:tc>
+                <a:extLst>
+                  <a:ext uri="{0D108BD9-81ED-4DB2-BD59-A6C34878D82A}">
+                    <a16:rowId xmlns:a16="http://schemas.microsoft.com/office/drawing/2014/main" val="702119692"/>
+                  </a:ext>
+                </a:extLst>
+              </a:tr>
+              <a:tr h="0">
+                <a:tc>
+                  <a:txBody>
+                    <a:bodyPr/>
+                    <a:lstStyle/>
+                    <a:p>
+                      <a:pPr marL="0" marR="0" algn="l">
+                        <a:lnSpc>
+                          <a:spcPct val="115000"/>
+                        </a:lnSpc>
+                        <a:spcBef>
+                          <a:spcPts val="0"/>
+                        </a:spcBef>
+                        <a:spcAft>
+                          <a:spcPts val="0"/>
+                        </a:spcAft>
+                      </a:pPr>
+                      <a:r>
+                        <a:rPr lang="ro-RO" sz="1200">
+                          <a:effectLst/>
+                        </a:rPr>
+                        <a:t>Overhead redus</a:t>
+                      </a:r>
+                      <a:endParaRPr lang="en-US" sz="1200">
+                        <a:effectLst/>
+                        <a:latin typeface="Calibri" panose="020F0502020204030204" pitchFamily="34" charset="0"/>
+                        <a:ea typeface="Times New Roman" panose="02020603050405020304" pitchFamily="18" charset="0"/>
+                        <a:cs typeface="Times New Roman" panose="02020603050405020304" pitchFamily="18" charset="0"/>
+                      </a:endParaRPr>
+                    </a:p>
+                  </a:txBody>
+                  <a:tcPr marL="68580" marR="68580" marT="0" marB="0"/>
+                </a:tc>
+                <a:tc>
+                  <a:txBody>
+                    <a:bodyPr/>
+                    <a:lstStyle/>
+                    <a:p>
+                      <a:pPr marL="457200" marR="0" algn="just">
+                        <a:lnSpc>
+                          <a:spcPct val="115000"/>
+                        </a:lnSpc>
+                        <a:spcBef>
+                          <a:spcPts val="0"/>
+                        </a:spcBef>
+                        <a:spcAft>
+                          <a:spcPts val="0"/>
+                        </a:spcAft>
+                      </a:pPr>
+                      <a:r>
+                        <a:rPr lang="ro-RO" sz="1200">
+                          <a:effectLst/>
+                        </a:rPr>
+                        <a:t> </a:t>
+                      </a:r>
+                      <a:endParaRPr lang="en-US" sz="1200">
+                        <a:effectLst/>
+                        <a:latin typeface="Calibri" panose="020F0502020204030204" pitchFamily="34" charset="0"/>
+                        <a:ea typeface="Times New Roman" panose="02020603050405020304" pitchFamily="18" charset="0"/>
+                        <a:cs typeface="Times New Roman" panose="02020603050405020304" pitchFamily="18" charset="0"/>
+                      </a:endParaRPr>
+                    </a:p>
+                  </a:txBody>
+                  <a:tcPr marL="68580" marR="68580" marT="0" marB="0"/>
+                </a:tc>
+                <a:tc>
+                  <a:txBody>
+                    <a:bodyPr/>
+                    <a:lstStyle/>
+                    <a:p>
+                      <a:pPr marL="457200" marR="0" algn="just">
+                        <a:lnSpc>
+                          <a:spcPct val="115000"/>
+                        </a:lnSpc>
+                        <a:spcBef>
+                          <a:spcPts val="0"/>
+                        </a:spcBef>
+                        <a:spcAft>
+                          <a:spcPts val="0"/>
+                        </a:spcAft>
+                      </a:pPr>
+                      <a:r>
+                        <a:rPr lang="ro-RO" sz="1200">
+                          <a:effectLst/>
+                        </a:rPr>
+                        <a:t> </a:t>
+                      </a:r>
+                      <a:endParaRPr lang="en-US" sz="1200">
+                        <a:effectLst/>
+                        <a:latin typeface="Calibri" panose="020F0502020204030204" pitchFamily="34" charset="0"/>
+                        <a:ea typeface="Times New Roman" panose="02020603050405020304" pitchFamily="18" charset="0"/>
+                        <a:cs typeface="Times New Roman" panose="02020603050405020304" pitchFamily="18" charset="0"/>
+                      </a:endParaRPr>
+                    </a:p>
+                  </a:txBody>
+                  <a:tcPr marL="68580" marR="68580" marT="0" marB="0"/>
+                </a:tc>
+                <a:tc>
+                  <a:txBody>
+                    <a:bodyPr/>
+                    <a:lstStyle/>
+                    <a:p>
+                      <a:pPr marL="342900" marR="0" lvl="0" indent="-342900" algn="just">
+                        <a:lnSpc>
+                          <a:spcPct val="115000"/>
+                        </a:lnSpc>
+                        <a:spcBef>
+                          <a:spcPts val="0"/>
+                        </a:spcBef>
+                        <a:spcAft>
+                          <a:spcPts val="0"/>
+                        </a:spcAft>
+                        <a:buFont typeface="Wingdings" panose="05000000000000000000" pitchFamily="2" charset="2"/>
+                        <a:buChar char=""/>
+                      </a:pPr>
+                      <a:r>
+                        <a:rPr lang="ro-RO" sz="1200">
+                          <a:effectLst/>
+                        </a:rPr>
+                        <a:t> </a:t>
+                      </a:r>
+                      <a:endParaRPr lang="en-US" sz="1200">
+                        <a:effectLst/>
+                        <a:latin typeface="Calibri" panose="020F0502020204030204" pitchFamily="34" charset="0"/>
+                        <a:ea typeface="Times New Roman" panose="02020603050405020304" pitchFamily="18" charset="0"/>
+                        <a:cs typeface="Times New Roman" panose="02020603050405020304" pitchFamily="18" charset="0"/>
+                      </a:endParaRPr>
+                    </a:p>
+                  </a:txBody>
+                  <a:tcPr marL="68580" marR="68580" marT="0" marB="0"/>
+                </a:tc>
+                <a:tc>
+                  <a:txBody>
+                    <a:bodyPr/>
+                    <a:lstStyle/>
+                    <a:p>
+                      <a:pPr marL="457200" marR="0" algn="just">
+                        <a:lnSpc>
+                          <a:spcPct val="115000"/>
+                        </a:lnSpc>
+                        <a:spcBef>
+                          <a:spcPts val="0"/>
+                        </a:spcBef>
+                        <a:spcAft>
+                          <a:spcPts val="0"/>
+                        </a:spcAft>
+                      </a:pPr>
+                      <a:r>
+                        <a:rPr lang="ro-RO" sz="1200" dirty="0">
+                          <a:effectLst/>
+                        </a:rPr>
+                        <a:t> </a:t>
+                      </a:r>
+                      <a:endParaRPr lang="en-US" sz="1200" dirty="0">
+                        <a:effectLst/>
+                        <a:latin typeface="Calibri" panose="020F0502020204030204" pitchFamily="34" charset="0"/>
+                        <a:ea typeface="Times New Roman" panose="02020603050405020304" pitchFamily="18" charset="0"/>
+                        <a:cs typeface="Times New Roman" panose="02020603050405020304" pitchFamily="18" charset="0"/>
+                      </a:endParaRPr>
+                    </a:p>
+                  </a:txBody>
+                  <a:tcPr marL="68580" marR="68580" marT="0" marB="0"/>
+                </a:tc>
+                <a:extLst>
+                  <a:ext uri="{0D108BD9-81ED-4DB2-BD59-A6C34878D82A}">
+                    <a16:rowId xmlns:a16="http://schemas.microsoft.com/office/drawing/2014/main" val="725927521"/>
+                  </a:ext>
+                </a:extLst>
+              </a:tr>
+            </a:tbl>
+          </a:graphicData>
+        </a:graphic>
+      </p:graphicFrame>
     </p:spTree>
     <p:extLst>
       <p:ext uri="{BB962C8B-B14F-4D97-AF65-F5344CB8AC3E}">
-        <p14:creationId xmlns:p14="http://schemas.microsoft.com/office/powerpoint/2010/main" val="2235816826"/>
+        <p14:creationId xmlns:p14="http://schemas.microsoft.com/office/powerpoint/2010/main" val="1328108811"/>
       </p:ext>
     </p:extLst>
   </p:cSld>
@@ -6499,17 +8933,12 @@
           <a:p>
             <a:r>
               <a:rPr lang="en-US" dirty="0"/>
-              <a:t>6</a:t>
+              <a:t>5</a:t>
             </a:r>
             <a:r>
               <a:rPr lang="ro-RO" dirty="0"/>
-              <a:t>. </a:t>
-            </a:r>
-            <a:r>
-              <a:rPr lang="en-US" dirty="0"/>
-              <a:t>Demo</a:t>
-            </a:r>
-            <a:endParaRPr lang="ro-RO" dirty="0"/>
+              <a:t>. Soluția propusă: arhitectură, cazuri de utilizare, limitări</a:t>
+            </a:r>
           </a:p>
         </p:txBody>
       </p:sp>
@@ -6527,8 +8956,8 @@
         </p:nvSpPr>
         <p:spPr>
           <a:xfrm>
-            <a:off x="1104900" y="2060448"/>
-            <a:ext cx="9980682" cy="2920287"/>
+            <a:off x="1104900" y="1560758"/>
+            <a:ext cx="9980682" cy="4870564"/>
           </a:xfrm>
           <a:prstGeom prst="rect">
             <a:avLst/>
@@ -6553,110 +8982,125 @@
               </a:spcAft>
             </a:pPr>
             <a:r>
+              <a:rPr lang="ro-RO" sz="1800" dirty="0">
+                <a:effectLst/>
+                <a:latin typeface="Calibri" panose="020F0502020204030204" pitchFamily="34" charset="0"/>
+                <a:ea typeface="Times New Roman" panose="02020603050405020304" pitchFamily="18" charset="0"/>
+                <a:cs typeface="Times New Roman" panose="02020603050405020304" pitchFamily="18" charset="0"/>
+              </a:rPr>
+              <a:t>Soluția propusa nu are nicio dependință sau componenta hardware întrucât este reprezentată de o multitudine de servicii (software) care trebuie instalate atât pe clienți cât </a:t>
+            </a:r>
+            <a:r>
               <a:rPr lang="ro-RO" dirty="0">
                 <a:latin typeface="Calibri" panose="020F0502020204030204" pitchFamily="34" charset="0"/>
                 <a:ea typeface="Times New Roman" panose="02020603050405020304" pitchFamily="18" charset="0"/>
                 <a:cs typeface="Times New Roman" panose="02020603050405020304" pitchFamily="18" charset="0"/>
               </a:rPr>
-              <a:t>Pentru demo, am creat următorul mediu de test:</a:t>
-            </a:r>
-          </a:p>
-          <a:p>
-            <a:pPr marL="285750" marR="0" indent="-285750" algn="just">
-              <a:lnSpc>
-                <a:spcPct val="105000"/>
-              </a:lnSpc>
-              <a:spcBef>
-                <a:spcPts val="0"/>
-              </a:spcBef>
-              <a:spcAft>
-                <a:spcPts val="800"/>
-              </a:spcAft>
-              <a:buFontTx/>
-              <a:buChar char="-"/>
-            </a:pPr>
+              <a:t>ș</a:t>
+            </a:r>
+            <a:r>
+              <a:rPr lang="ro-RO" sz="1800" dirty="0">
+                <a:effectLst/>
+                <a:latin typeface="Calibri" panose="020F0502020204030204" pitchFamily="34" charset="0"/>
+                <a:ea typeface="Times New Roman" panose="02020603050405020304" pitchFamily="18" charset="0"/>
+                <a:cs typeface="Times New Roman" panose="02020603050405020304" pitchFamily="18" charset="0"/>
+              </a:rPr>
+              <a:t>i pe un dispozitiv ce va servi </a:t>
+            </a:r>
             <a:r>
               <a:rPr lang="ro-RO" dirty="0">
                 <a:latin typeface="Calibri" panose="020F0502020204030204" pitchFamily="34" charset="0"/>
                 <a:ea typeface="Times New Roman" panose="02020603050405020304" pitchFamily="18" charset="0"/>
                 <a:cs typeface="Times New Roman" panose="02020603050405020304" pitchFamily="18" charset="0"/>
               </a:rPr>
-              <a:t>3 containere de LXD ce deservește ca si client</a:t>
-            </a:r>
-          </a:p>
-          <a:p>
-            <a:pPr marL="285750" marR="0" indent="-285750" algn="just">
+              <a:t>drept</a:t>
+            </a:r>
+            <a:r>
+              <a:rPr lang="ro-RO" sz="1800" dirty="0">
+                <a:effectLst/>
+                <a:latin typeface="Calibri" panose="020F0502020204030204" pitchFamily="34" charset="0"/>
+                <a:ea typeface="Times New Roman" panose="02020603050405020304" pitchFamily="18" charset="0"/>
+                <a:cs typeface="Times New Roman" panose="02020603050405020304" pitchFamily="18" charset="0"/>
+              </a:rPr>
+              <a:t> și server. Corectitudinea soluției este strâns dată de 2 factori:</a:t>
+            </a:r>
+            <a:endParaRPr lang="en-US" sz="1800" dirty="0">
+              <a:effectLst/>
+              <a:latin typeface="Calibri" panose="020F0502020204030204" pitchFamily="34" charset="0"/>
+              <a:ea typeface="Times New Roman" panose="02020603050405020304" pitchFamily="18" charset="0"/>
+              <a:cs typeface="Times New Roman" panose="02020603050405020304" pitchFamily="18" charset="0"/>
+            </a:endParaRPr>
+          </a:p>
+          <a:p>
+            <a:pPr marL="800100" lvl="1" indent="-342900" algn="just">
               <a:lnSpc>
                 <a:spcPct val="105000"/>
               </a:lnSpc>
-              <a:spcBef>
-                <a:spcPts val="0"/>
-              </a:spcBef>
+              <a:buFont typeface="Arial" panose="020B0604020202020204" pitchFamily="34" charset="0"/>
+              <a:buChar char="•"/>
+            </a:pPr>
+            <a:r>
+              <a:rPr lang="ro-RO" dirty="0">
+                <a:effectLst/>
+                <a:latin typeface="Calibri" panose="020F0502020204030204" pitchFamily="34" charset="0"/>
+                <a:ea typeface="Times New Roman" panose="02020603050405020304" pitchFamily="18" charset="0"/>
+                <a:cs typeface="Times New Roman" panose="02020603050405020304" pitchFamily="18" charset="0"/>
+              </a:rPr>
+              <a:t>corectitudinea detecției soluției oferite de HibridAnalysis prin API-ul expus</a:t>
+            </a:r>
+            <a:endParaRPr lang="en-US" dirty="0">
+              <a:effectLst/>
+              <a:latin typeface="Calibri" panose="020F0502020204030204" pitchFamily="34" charset="0"/>
+              <a:ea typeface="Times New Roman" panose="02020603050405020304" pitchFamily="18" charset="0"/>
+              <a:cs typeface="Times New Roman" panose="02020603050405020304" pitchFamily="18" charset="0"/>
+            </a:endParaRPr>
+          </a:p>
+          <a:p>
+            <a:pPr marL="800100" lvl="1" indent="-342900" algn="just">
+              <a:lnSpc>
+                <a:spcPct val="105000"/>
+              </a:lnSpc>
               <a:spcAft>
                 <a:spcPts val="800"/>
               </a:spcAft>
-              <a:buFontTx/>
-              <a:buChar char="-"/>
+              <a:buFont typeface="Arial" panose="020B0604020202020204" pitchFamily="34" charset="0"/>
+              <a:buChar char="•"/>
             </a:pPr>
+            <a:r>
+              <a:rPr lang="ro-RO" dirty="0">
+                <a:effectLst/>
+                <a:latin typeface="Calibri" panose="020F0502020204030204" pitchFamily="34" charset="0"/>
+                <a:ea typeface="Times New Roman" panose="02020603050405020304" pitchFamily="18" charset="0"/>
+                <a:cs typeface="Times New Roman" panose="02020603050405020304" pitchFamily="18" charset="0"/>
+              </a:rPr>
+              <a:t>transmiterea corectă și </a:t>
+            </a:r>
             <a:r>
               <a:rPr lang="ro-RO" dirty="0">
                 <a:latin typeface="Calibri" panose="020F0502020204030204" pitchFamily="34" charset="0"/>
                 <a:ea typeface="Times New Roman" panose="02020603050405020304" pitchFamily="18" charset="0"/>
                 <a:cs typeface="Times New Roman" panose="02020603050405020304" pitchFamily="18" charset="0"/>
               </a:rPr>
-              <a:t>1 container de LXD ce deservește ca si server</a:t>
-            </a:r>
-          </a:p>
-          <a:p>
-            <a:pPr marL="285750" marR="0" indent="-285750" algn="just">
-              <a:lnSpc>
-                <a:spcPct val="105000"/>
-              </a:lnSpc>
-              <a:spcBef>
-                <a:spcPts val="0"/>
-              </a:spcBef>
-              <a:spcAft>
-                <a:spcPts val="800"/>
-              </a:spcAft>
-              <a:buFontTx/>
-              <a:buChar char="-"/>
-            </a:pPr>
+              <a:t>î</a:t>
+            </a:r>
             <a:r>
               <a:rPr lang="ro-RO" dirty="0">
+                <a:effectLst/>
                 <a:latin typeface="Calibri" panose="020F0502020204030204" pitchFamily="34" charset="0"/>
                 <a:ea typeface="Times New Roman" panose="02020603050405020304" pitchFamily="18" charset="0"/>
                 <a:cs typeface="Times New Roman" panose="02020603050405020304" pitchFamily="18" charset="0"/>
               </a:rPr>
-              <a:t>copierea fișierelor pe client folosind SSH</a:t>
+              <a:t>n timp a datelor de la client la API și la server (să nu fie corupte sau să nu ajungă deloc)</a:t>
             </a:r>
             <a:endParaRPr lang="en-US" dirty="0">
+              <a:effectLst/>
               <a:latin typeface="Calibri" panose="020F0502020204030204" pitchFamily="34" charset="0"/>
               <a:ea typeface="Times New Roman" panose="02020603050405020304" pitchFamily="18" charset="0"/>
               <a:cs typeface="Times New Roman" panose="02020603050405020304" pitchFamily="18" charset="0"/>
             </a:endParaRPr>
           </a:p>
           <a:p>
-            <a:pPr marL="285750" marR="0" indent="-285750" algn="just">
-              <a:lnSpc>
-                <a:spcPct val="105000"/>
-              </a:lnSpc>
-              <a:spcBef>
-                <a:spcPts val="0"/>
-              </a:spcBef>
-              <a:spcAft>
-                <a:spcPts val="800"/>
-              </a:spcAft>
-              <a:buFontTx/>
-              <a:buChar char="-"/>
-            </a:pPr>
-            <a:endParaRPr lang="en-US" dirty="0">
-              <a:latin typeface="Calibri" panose="020F0502020204030204" pitchFamily="34" charset="0"/>
-              <a:ea typeface="Times New Roman" panose="02020603050405020304" pitchFamily="18" charset="0"/>
-              <a:cs typeface="Times New Roman" panose="02020603050405020304" pitchFamily="18" charset="0"/>
-            </a:endParaRPr>
-          </a:p>
-          <a:p>
-            <a:pPr marR="0" algn="just">
+            <a:pPr marR="0" lvl="0" algn="just">
               <a:lnSpc>
                 <a:spcPct val="105000"/>
               </a:lnSpc>
@@ -6673,23 +9117,102 @@
                 <a:ea typeface="Times New Roman" panose="02020603050405020304" pitchFamily="18" charset="0"/>
                 <a:cs typeface="Times New Roman" panose="02020603050405020304" pitchFamily="18" charset="0"/>
               </a:rPr>
-              <a:t>Vom urmări daca fișierele malițioase sunt șterse de pe s</a:t>
-            </a:r>
-            <a:r>
-              <a:rPr lang="en-US" dirty="0" err="1">
-                <a:latin typeface="Calibri" panose="020F0502020204030204" pitchFamily="34" charset="0"/>
-                <a:ea typeface="Times New Roman" panose="02020603050405020304" pitchFamily="18" charset="0"/>
-                <a:cs typeface="Times New Roman" panose="02020603050405020304" pitchFamily="18" charset="0"/>
-              </a:rPr>
-              <a:t>i</a:t>
-            </a:r>
+              <a:t>Astfel, limitările soluției sunt următoarele:</a:t>
+            </a:r>
+          </a:p>
+          <a:p>
+            <a:pPr marL="742950" lvl="1" indent="-285750" algn="just">
+              <a:lnSpc>
+                <a:spcPct val="105000"/>
+              </a:lnSpc>
+              <a:spcAft>
+                <a:spcPts val="800"/>
+              </a:spcAft>
+              <a:buFont typeface="Arial" panose="020B0604020202020204" pitchFamily="34" charset="0"/>
+              <a:buChar char="•"/>
+            </a:pPr>
             <a:r>
               <a:rPr lang="ro-RO" dirty="0">
                 <a:latin typeface="Calibri" panose="020F0502020204030204" pitchFamily="34" charset="0"/>
                 <a:ea typeface="Times New Roman" panose="02020603050405020304" pitchFamily="18" charset="0"/>
                 <a:cs typeface="Times New Roman" panose="02020603050405020304" pitchFamily="18" charset="0"/>
               </a:rPr>
-              <a:t>stem si daca loguri sunt trimise către server. De asemenea, vom interacționa si cu platforma HibridAnalysis pentru a vedea mai multe detalii despre fișierele malițioase.</a:t>
+              <a:t>Disponibilitatea API-ului oferit de HibridAnalysis (abonament gratis)</a:t>
+            </a:r>
+          </a:p>
+          <a:p>
+            <a:pPr marL="742950" lvl="1" indent="-285750" algn="just">
+              <a:lnSpc>
+                <a:spcPct val="105000"/>
+              </a:lnSpc>
+              <a:spcAft>
+                <a:spcPts val="800"/>
+              </a:spcAft>
+              <a:buFont typeface="Arial" panose="020B0604020202020204" pitchFamily="34" charset="0"/>
+              <a:buChar char="•"/>
+            </a:pPr>
+            <a:r>
+              <a:rPr lang="ro-RO" dirty="0">
+                <a:latin typeface="Calibri" panose="020F0502020204030204" pitchFamily="34" charset="0"/>
+                <a:ea typeface="Times New Roman" panose="02020603050405020304" pitchFamily="18" charset="0"/>
+                <a:cs typeface="Times New Roman" panose="02020603050405020304" pitchFamily="18" charset="0"/>
+              </a:rPr>
+              <a:t>Viteza conexiunii la internet a rețelei</a:t>
+            </a:r>
+          </a:p>
+          <a:p>
+            <a:pPr marL="742950" lvl="1" indent="-285750" algn="just">
+              <a:lnSpc>
+                <a:spcPct val="105000"/>
+              </a:lnSpc>
+              <a:spcAft>
+                <a:spcPts val="800"/>
+              </a:spcAft>
+              <a:buFont typeface="Arial" panose="020B0604020202020204" pitchFamily="34" charset="0"/>
+              <a:buChar char="•"/>
+            </a:pPr>
+            <a:r>
+              <a:rPr lang="ro-RO" dirty="0">
+                <a:latin typeface="Calibri" panose="020F0502020204030204" pitchFamily="34" charset="0"/>
+                <a:ea typeface="Times New Roman" panose="02020603050405020304" pitchFamily="18" charset="0"/>
+                <a:cs typeface="Times New Roman" panose="02020603050405020304" pitchFamily="18" charset="0"/>
+              </a:rPr>
+              <a:t>Dimensiunea rețelei (până în 20 stații)</a:t>
+            </a:r>
+          </a:p>
+          <a:p>
+            <a:pPr marL="742950" lvl="1" indent="-285750" algn="just">
+              <a:lnSpc>
+                <a:spcPct val="105000"/>
+              </a:lnSpc>
+              <a:spcAft>
+                <a:spcPts val="800"/>
+              </a:spcAft>
+              <a:buFont typeface="Arial" panose="020B0604020202020204" pitchFamily="34" charset="0"/>
+              <a:buChar char="•"/>
+            </a:pPr>
+            <a:endParaRPr lang="ro-RO" dirty="0">
+              <a:latin typeface="Calibri" panose="020F0502020204030204" pitchFamily="34" charset="0"/>
+              <a:ea typeface="Times New Roman" panose="02020603050405020304" pitchFamily="18" charset="0"/>
+              <a:cs typeface="Times New Roman" panose="02020603050405020304" pitchFamily="18" charset="0"/>
+            </a:endParaRPr>
+          </a:p>
+          <a:p>
+            <a:pPr algn="just">
+              <a:lnSpc>
+                <a:spcPct val="105000"/>
+              </a:lnSpc>
+              <a:spcAft>
+                <a:spcPts val="800"/>
+              </a:spcAft>
+            </a:pPr>
+            <a:r>
+              <a:rPr lang="ro-RO" dirty="0">
+                <a:latin typeface="Calibri" panose="020F0502020204030204" pitchFamily="34" charset="0"/>
+                <a:ea typeface="Times New Roman" panose="02020603050405020304" pitchFamily="18" charset="0"/>
+                <a:cs typeface="Times New Roman" panose="02020603050405020304" pitchFamily="18" charset="0"/>
+              </a:rPr>
+              <a:t>În continuare, vom ilustra diagramele UML aferente arhitecturii cât și componentelor pentru server și client. Acestea cuprind și cazurile de utilizare aferente procesului complet ce pornește cu introducerea unui fișier pe sistem și se termina odată cu generarea unei alerte în aplicația web pe server.</a:t>
             </a:r>
           </a:p>
         </p:txBody>
@@ -6697,7 +9220,7 @@
     </p:spTree>
     <p:extLst>
       <p:ext uri="{BB962C8B-B14F-4D97-AF65-F5344CB8AC3E}">
-        <p14:creationId xmlns:p14="http://schemas.microsoft.com/office/powerpoint/2010/main" val="944958096"/>
+        <p14:creationId xmlns:p14="http://schemas.microsoft.com/office/powerpoint/2010/main" val="2235816826"/>
       </p:ext>
     </p:extLst>
   </p:cSld>
@@ -6738,39 +9261,120 @@
       </p:grpSpPr>
       <p:sp>
         <p:nvSpPr>
-          <p:cNvPr id="2" name="Title 1"/>
+          <p:cNvPr id="2" name="Title 1">
+            <a:extLst>
+              <a:ext uri="{FF2B5EF4-FFF2-40B4-BE49-F238E27FC236}">
+                <a16:creationId xmlns:a16="http://schemas.microsoft.com/office/drawing/2014/main" id="{98E9B32F-9EFD-40EF-A864-4F5AF0A08D7B}"/>
+              </a:ext>
+            </a:extLst>
+          </p:cNvPr>
           <p:cNvSpPr>
             <a:spLocks noGrp="1"/>
           </p:cNvSpPr>
           <p:nvPr>
-            <p:ph type="ctrTitle"/>
+            <p:ph type="title"/>
           </p:nvPr>
+        </p:nvSpPr>
+        <p:spPr/>
+        <p:txBody>
+          <a:bodyPr/>
+          <a:lstStyle/>
+          <a:p>
+            <a:r>
+              <a:rPr lang="en-US" dirty="0"/>
+              <a:t>5</a:t>
+            </a:r>
+            <a:r>
+              <a:rPr lang="ro-RO" dirty="0"/>
+              <a:t>. Soluția propusă: arhitectură, cazuri de utilizare, limitări</a:t>
+            </a:r>
+            <a:endParaRPr lang="en-US" dirty="0"/>
+          </a:p>
+        </p:txBody>
+      </p:sp>
+      <p:pic>
+        <p:nvPicPr>
+          <p:cNvPr id="5" name="Content Placeholder 4" descr="Diagram, box and whisker chart&#10;&#10;Description automatically generated">
+            <a:extLst>
+              <a:ext uri="{FF2B5EF4-FFF2-40B4-BE49-F238E27FC236}">
+                <a16:creationId xmlns:a16="http://schemas.microsoft.com/office/drawing/2014/main" id="{4B34A792-8762-45FB-8012-A3E920EDBE21}"/>
+              </a:ext>
+            </a:extLst>
+          </p:cNvPr>
+          <p:cNvPicPr>
+            <a:picLocks noGrp="1" noChangeAspect="1"/>
+          </p:cNvPicPr>
+          <p:nvPr>
+            <p:ph idx="1"/>
+          </p:nvPr>
+        </p:nvPicPr>
+        <p:blipFill>
+          <a:blip r:embed="rId2" cstate="print">
+            <a:extLst>
+              <a:ext uri="{28A0092B-C50C-407E-A947-70E740481C1C}">
+                <a14:useLocalDpi xmlns:a14="http://schemas.microsoft.com/office/drawing/2010/main" val="0"/>
+              </a:ext>
+            </a:extLst>
+          </a:blip>
+          <a:stretch>
+            <a:fillRect/>
+          </a:stretch>
+        </p:blipFill>
+        <p:spPr>
+          <a:xfrm>
+            <a:off x="3137647" y="1600200"/>
+            <a:ext cx="5257979" cy="4062984"/>
+          </a:xfrm>
+          <a:effectLst>
+            <a:outerShdw blurRad="63500" sx="102000" sy="102000" algn="ctr" rotWithShape="0">
+              <a:prstClr val="black">
+                <a:alpha val="40000"/>
+              </a:prstClr>
+            </a:outerShdw>
+          </a:effectLst>
+        </p:spPr>
+      </p:pic>
+      <p:sp>
+        <p:nvSpPr>
+          <p:cNvPr id="6" name="TextBox 5">
+            <a:extLst>
+              <a:ext uri="{FF2B5EF4-FFF2-40B4-BE49-F238E27FC236}">
+                <a16:creationId xmlns:a16="http://schemas.microsoft.com/office/drawing/2014/main" id="{25389BB6-491E-48C2-82D8-84EF558A3F10}"/>
+              </a:ext>
+            </a:extLst>
+          </p:cNvPr>
+          <p:cNvSpPr txBox="1"/>
+          <p:nvPr/>
         </p:nvSpPr>
         <p:spPr>
           <a:xfrm>
-            <a:off x="4397883" y="2996183"/>
-            <a:ext cx="3396234" cy="865634"/>
+            <a:off x="3137647" y="5858256"/>
+            <a:ext cx="5257979" cy="338554"/>
           </a:xfrm>
+          <a:prstGeom prst="rect">
+            <a:avLst/>
+          </a:prstGeom>
+          <a:noFill/>
         </p:spPr>
         <p:txBody>
-          <a:bodyPr/>
+          <a:bodyPr wrap="square" rtlCol="0">
+            <a:spAutoFit/>
+          </a:bodyPr>
           <a:lstStyle/>
           <a:p>
-            <a:r>
-              <a:rPr lang="ro-RO" dirty="0"/>
-              <a:t>Întrebări</a:t>
-            </a:r>
-            <a:r>
-              <a:rPr lang="en-US" dirty="0"/>
-              <a:t>?</a:t>
-            </a:r>
+            <a:pPr algn="ctr"/>
+            <a:r>
+              <a:rPr lang="ro-RO" sz="1600" i="1" dirty="0"/>
+              <a:t>Figura 1. Arhitectura soluției propuse</a:t>
+            </a:r>
+            <a:endParaRPr lang="en-US" sz="1600" i="1" dirty="0"/>
           </a:p>
         </p:txBody>
       </p:sp>
     </p:spTree>
     <p:extLst>
       <p:ext uri="{BB962C8B-B14F-4D97-AF65-F5344CB8AC3E}">
-        <p14:creationId xmlns:p14="http://schemas.microsoft.com/office/powerpoint/2010/main" val="1315647518"/>
+        <p14:creationId xmlns:p14="http://schemas.microsoft.com/office/powerpoint/2010/main" val="1744772970"/>
       </p:ext>
     </p:extLst>
   </p:cSld>
@@ -7540,141 +10144,6 @@
 </file>
 
 <file path=customXml/item1.xml><?xml version="1.0" encoding="utf-8"?>
-<p:properties xmlns:p="http://schemas.microsoft.com/office/2006/metadata/properties" xmlns:xsi="http://www.w3.org/2001/XMLSchema-instance" xmlns:pc="http://schemas.microsoft.com/office/infopath/2007/PartnerControls">
-  <documentManagement>
-    <APDescription xmlns="4873beb7-5857-4685-be1f-d57550cc96cc" xsi:nil="true"/>
-    <AssetExpire xmlns="4873beb7-5857-4685-be1f-d57550cc96cc">2029-01-01T08:00:00+00:00</AssetExpire>
-    <CampaignTagsTaxHTField0 xmlns="4873beb7-5857-4685-be1f-d57550cc96cc">
-      <Terms xmlns="http://schemas.microsoft.com/office/infopath/2007/PartnerControls"/>
-    </CampaignTagsTaxHTField0>
-    <IntlLangReviewDate xmlns="4873beb7-5857-4685-be1f-d57550cc96cc" xsi:nil="true"/>
-    <TPFriendlyName xmlns="4873beb7-5857-4685-be1f-d57550cc96cc" xsi:nil="true"/>
-    <IntlLangReview xmlns="4873beb7-5857-4685-be1f-d57550cc96cc">false</IntlLangReview>
-    <LocLastLocAttemptVersionLookup xmlns="4873beb7-5857-4685-be1f-d57550cc96cc">855024</LocLastLocAttemptVersionLookup>
-    <PolicheckWords xmlns="4873beb7-5857-4685-be1f-d57550cc96cc" xsi:nil="true"/>
-    <SubmitterId xmlns="4873beb7-5857-4685-be1f-d57550cc96cc" xsi:nil="true"/>
-    <AcquiredFrom xmlns="4873beb7-5857-4685-be1f-d57550cc96cc">Internal MS</AcquiredFrom>
-    <EditorialStatus xmlns="4873beb7-5857-4685-be1f-d57550cc96cc">Complete</EditorialStatus>
-    <Markets xmlns="4873beb7-5857-4685-be1f-d57550cc96cc"/>
-    <OriginAsset xmlns="4873beb7-5857-4685-be1f-d57550cc96cc" xsi:nil="true"/>
-    <AssetStart xmlns="4873beb7-5857-4685-be1f-d57550cc96cc">2012-08-31T08:50:00+00:00</AssetStart>
-    <FriendlyTitle xmlns="4873beb7-5857-4685-be1f-d57550cc96cc" xsi:nil="true"/>
-    <MarketSpecific xmlns="4873beb7-5857-4685-be1f-d57550cc96cc">false</MarketSpecific>
-    <TPNamespace xmlns="4873beb7-5857-4685-be1f-d57550cc96cc" xsi:nil="true"/>
-    <PublishStatusLookup xmlns="4873beb7-5857-4685-be1f-d57550cc96cc">
-      <Value>1616423</Value>
-    </PublishStatusLookup>
-    <APAuthor xmlns="4873beb7-5857-4685-be1f-d57550cc96cc">
-      <UserInfo>
-        <DisplayName>REDMOND\kristaa</DisplayName>
-        <AccountId>136</AccountId>
-        <AccountType/>
-      </UserInfo>
-    </APAuthor>
-    <TPCommandLine xmlns="4873beb7-5857-4685-be1f-d57550cc96cc" xsi:nil="true"/>
-    <IntlLangReviewer xmlns="4873beb7-5857-4685-be1f-d57550cc96cc" xsi:nil="true"/>
-    <OpenTemplate xmlns="4873beb7-5857-4685-be1f-d57550cc96cc">true</OpenTemplate>
-    <CSXSubmissionDate xmlns="4873beb7-5857-4685-be1f-d57550cc96cc" xsi:nil="true"/>
-    <TaxCatchAll xmlns="4873beb7-5857-4685-be1f-d57550cc96cc"/>
-    <Manager xmlns="4873beb7-5857-4685-be1f-d57550cc96cc" xsi:nil="true"/>
-    <NumericId xmlns="4873beb7-5857-4685-be1f-d57550cc96cc" xsi:nil="true"/>
-    <ParentAssetId xmlns="4873beb7-5857-4685-be1f-d57550cc96cc" xsi:nil="true"/>
-    <OriginalSourceMarket xmlns="4873beb7-5857-4685-be1f-d57550cc96cc" xsi:nil="true"/>
-    <ApprovalStatus xmlns="4873beb7-5857-4685-be1f-d57550cc96cc">InProgress</ApprovalStatus>
-    <TPComponent xmlns="4873beb7-5857-4685-be1f-d57550cc96cc" xsi:nil="true"/>
-    <EditorialTags xmlns="4873beb7-5857-4685-be1f-d57550cc96cc" xsi:nil="true"/>
-    <TPExecutable xmlns="4873beb7-5857-4685-be1f-d57550cc96cc" xsi:nil="true"/>
-    <TPLaunchHelpLink xmlns="4873beb7-5857-4685-be1f-d57550cc96cc" xsi:nil="true"/>
-    <LocComments xmlns="4873beb7-5857-4685-be1f-d57550cc96cc" xsi:nil="true"/>
-    <LocRecommendedHandoff xmlns="4873beb7-5857-4685-be1f-d57550cc96cc" xsi:nil="true"/>
-    <SourceTitle xmlns="4873beb7-5857-4685-be1f-d57550cc96cc" xsi:nil="true"/>
-    <CSXUpdate xmlns="4873beb7-5857-4685-be1f-d57550cc96cc">false</CSXUpdate>
-    <IntlLocPriority xmlns="4873beb7-5857-4685-be1f-d57550cc96cc" xsi:nil="true"/>
-    <UAProjectedTotalWords xmlns="4873beb7-5857-4685-be1f-d57550cc96cc" xsi:nil="true"/>
-    <AssetType xmlns="4873beb7-5857-4685-be1f-d57550cc96cc">TP</AssetType>
-    <MachineTranslated xmlns="4873beb7-5857-4685-be1f-d57550cc96cc">false</MachineTranslated>
-    <OutputCachingOn xmlns="4873beb7-5857-4685-be1f-d57550cc96cc">false</OutputCachingOn>
-    <TemplateStatus xmlns="4873beb7-5857-4685-be1f-d57550cc96cc">Complete</TemplateStatus>
-    <IsSearchable xmlns="4873beb7-5857-4685-be1f-d57550cc96cc">true</IsSearchable>
-    <ContentItem xmlns="4873beb7-5857-4685-be1f-d57550cc96cc" xsi:nil="true"/>
-    <HandoffToMSDN xmlns="4873beb7-5857-4685-be1f-d57550cc96cc" xsi:nil="true"/>
-    <ShowIn xmlns="4873beb7-5857-4685-be1f-d57550cc96cc">Show everywhere</ShowIn>
-    <ThumbnailAssetId xmlns="4873beb7-5857-4685-be1f-d57550cc96cc" xsi:nil="true"/>
-    <UALocComments xmlns="4873beb7-5857-4685-be1f-d57550cc96cc" xsi:nil="true"/>
-    <UALocRecommendation xmlns="4873beb7-5857-4685-be1f-d57550cc96cc">Localize</UALocRecommendation>
-    <LastModifiedDateTime xmlns="4873beb7-5857-4685-be1f-d57550cc96cc" xsi:nil="true"/>
-    <LegacyData xmlns="4873beb7-5857-4685-be1f-d57550cc96cc" xsi:nil="true"/>
-    <LocManualTestRequired xmlns="4873beb7-5857-4685-be1f-d57550cc96cc">false</LocManualTestRequired>
-    <LocMarketGroupTiers2 xmlns="4873beb7-5857-4685-be1f-d57550cc96cc" xsi:nil="true"/>
-    <ClipArtFilename xmlns="4873beb7-5857-4685-be1f-d57550cc96cc" xsi:nil="true"/>
-    <TPApplication xmlns="4873beb7-5857-4685-be1f-d57550cc96cc" xsi:nil="true"/>
-    <CSXHash xmlns="4873beb7-5857-4685-be1f-d57550cc96cc" xsi:nil="true"/>
-    <DirectSourceMarket xmlns="4873beb7-5857-4685-be1f-d57550cc96cc" xsi:nil="true"/>
-    <PrimaryImageGen xmlns="4873beb7-5857-4685-be1f-d57550cc96cc">true</PrimaryImageGen>
-    <PlannedPubDate xmlns="4873beb7-5857-4685-be1f-d57550cc96cc" xsi:nil="true"/>
-    <CSXSubmissionMarket xmlns="4873beb7-5857-4685-be1f-d57550cc96cc" xsi:nil="true"/>
-    <Downloads xmlns="4873beb7-5857-4685-be1f-d57550cc96cc">0</Downloads>
-    <ArtSampleDocs xmlns="4873beb7-5857-4685-be1f-d57550cc96cc" xsi:nil="true"/>
-    <TrustLevel xmlns="4873beb7-5857-4685-be1f-d57550cc96cc">1 Microsoft Managed Content</TrustLevel>
-    <BlockPublish xmlns="4873beb7-5857-4685-be1f-d57550cc96cc">false</BlockPublish>
-    <TPLaunchHelpLinkType xmlns="4873beb7-5857-4685-be1f-d57550cc96cc">Template</TPLaunchHelpLinkType>
-    <LocalizationTagsTaxHTField0 xmlns="4873beb7-5857-4685-be1f-d57550cc96cc">
-      <Terms xmlns="http://schemas.microsoft.com/office/infopath/2007/PartnerControls"/>
-    </LocalizationTagsTaxHTField0>
-    <BusinessGroup xmlns="4873beb7-5857-4685-be1f-d57550cc96cc" xsi:nil="true"/>
-    <Providers xmlns="4873beb7-5857-4685-be1f-d57550cc96cc" xsi:nil="true"/>
-    <TemplateTemplateType xmlns="4873beb7-5857-4685-be1f-d57550cc96cc">PowerPoint Presentation Template</TemplateTemplateType>
-    <TimesCloned xmlns="4873beb7-5857-4685-be1f-d57550cc96cc" xsi:nil="true"/>
-    <TPAppVersion xmlns="4873beb7-5857-4685-be1f-d57550cc96cc" xsi:nil="true"/>
-    <VoteCount xmlns="4873beb7-5857-4685-be1f-d57550cc96cc" xsi:nil="true"/>
-    <AverageRating xmlns="4873beb7-5857-4685-be1f-d57550cc96cc" xsi:nil="true"/>
-    <FeatureTagsTaxHTField0 xmlns="4873beb7-5857-4685-be1f-d57550cc96cc">
-      <Terms xmlns="http://schemas.microsoft.com/office/infopath/2007/PartnerControls"/>
-    </FeatureTagsTaxHTField0>
-    <Provider xmlns="4873beb7-5857-4685-be1f-d57550cc96cc" xsi:nil="true"/>
-    <UACurrentWords xmlns="4873beb7-5857-4685-be1f-d57550cc96cc" xsi:nil="true"/>
-    <AssetId xmlns="4873beb7-5857-4685-be1f-d57550cc96cc">TP103431361</AssetId>
-    <TPClientViewer xmlns="4873beb7-5857-4685-be1f-d57550cc96cc" xsi:nil="true"/>
-    <DSATActionTaken xmlns="4873beb7-5857-4685-be1f-d57550cc96cc" xsi:nil="true"/>
-    <APEditor xmlns="4873beb7-5857-4685-be1f-d57550cc96cc">
-      <UserInfo>
-        <DisplayName/>
-        <AccountId xsi:nil="true"/>
-        <AccountType/>
-      </UserInfo>
-    </APEditor>
-    <TPInstallLocation xmlns="4873beb7-5857-4685-be1f-d57550cc96cc" xsi:nil="true"/>
-    <OOCacheId xmlns="4873beb7-5857-4685-be1f-d57550cc96cc" xsi:nil="true"/>
-    <IsDeleted xmlns="4873beb7-5857-4685-be1f-d57550cc96cc">false</IsDeleted>
-    <PublishTargets xmlns="4873beb7-5857-4685-be1f-d57550cc96cc">OfficeOnlineVNext</PublishTargets>
-    <ApprovalLog xmlns="4873beb7-5857-4685-be1f-d57550cc96cc" xsi:nil="true"/>
-    <BugNumber xmlns="4873beb7-5857-4685-be1f-d57550cc96cc" xsi:nil="true"/>
-    <CrawlForDependencies xmlns="4873beb7-5857-4685-be1f-d57550cc96cc">false</CrawlForDependencies>
-    <InternalTagsTaxHTField0 xmlns="4873beb7-5857-4685-be1f-d57550cc96cc">
-      <Terms xmlns="http://schemas.microsoft.com/office/infopath/2007/PartnerControls"/>
-    </InternalTagsTaxHTField0>
-    <LastHandOff xmlns="4873beb7-5857-4685-be1f-d57550cc96cc" xsi:nil="true"/>
-    <Milestone xmlns="4873beb7-5857-4685-be1f-d57550cc96cc" xsi:nil="true"/>
-    <OriginalRelease xmlns="4873beb7-5857-4685-be1f-d57550cc96cc">15</OriginalRelease>
-    <RecommendationsModifier xmlns="4873beb7-5857-4685-be1f-d57550cc96cc" xsi:nil="true"/>
-    <ScenarioTagsTaxHTField0 xmlns="4873beb7-5857-4685-be1f-d57550cc96cc">
-      <Terms xmlns="http://schemas.microsoft.com/office/infopath/2007/PartnerControls"/>
-    </ScenarioTagsTaxHTField0>
-    <UANotes xmlns="4873beb7-5857-4685-be1f-d57550cc96cc" xsi:nil="true"/>
-  </documentManagement>
-</p:properties>
-</file>
-
-<file path=customXml/item2.xml><?xml version="1.0" encoding="utf-8"?>
-<?mso-contentType ?>
-<FormTemplates xmlns="http://schemas.microsoft.com/sharepoint/v3/contenttype/forms">
-  <Display>DocumentLibraryForm</Display>
-  <Edit>AssetEditForm</Edit>
-  <New>DocumentLibraryForm</New>
-</FormTemplates>
-</file>
-
-<file path=customXml/item3.xml><?xml version="1.0" encoding="utf-8"?>
 <ct:contentTypeSchema xmlns:ct="http://schemas.microsoft.com/office/2006/metadata/contentType" xmlns:ma="http://schemas.microsoft.com/office/2006/metadata/properties/metaAttributes" ct:_="" ma:_="" ma:contentTypeName="TemplateFile" ma:contentTypeID="0x0101006EDDDB5EE6D98C44930B742096920B300400F5B6D36B3EF94B4E9A635CDF2A18F5B8" ma:contentTypeVersion="72" ma:contentTypeDescription="Create a new document." ma:contentTypeScope="" ma:versionID="a23e56308344d904b51738559c3d67c9">
   <xsd:schema xmlns:xsd="http://www.w3.org/2001/XMLSchema" xmlns:xs="http://www.w3.org/2001/XMLSchema" xmlns:p="http://schemas.microsoft.com/office/2006/metadata/properties" xmlns:ns2="4873beb7-5857-4685-be1f-d57550cc96cc" targetNamespace="http://schemas.microsoft.com/office/2006/metadata/properties" ma:root="true" ma:fieldsID="cd0908cc4600e77bf5da051303e00c8d" ns2:_="">
     <xsd:import namespace="4873beb7-5857-4685-be1f-d57550cc96cc"/>
@@ -8714,31 +11183,142 @@
 </ct:contentTypeSchema>
 </file>
 
-<file path=customXml/itemProps1.xml><?xml version="1.0" encoding="utf-8"?>
-<ds:datastoreItem xmlns:ds="http://schemas.openxmlformats.org/officeDocument/2006/customXml" ds:itemID="{8CDDBB83-77C1-4099-A0AA-289882E745E2}">
-  <ds:schemaRefs>
-    <ds:schemaRef ds:uri="http://purl.org/dc/elements/1.1/"/>
-    <ds:schemaRef ds:uri="http://schemas.microsoft.com/office/2006/metadata/properties"/>
-    <ds:schemaRef ds:uri="4873beb7-5857-4685-be1f-d57550cc96cc"/>
-    <ds:schemaRef ds:uri="http://schemas.openxmlformats.org/package/2006/metadata/core-properties"/>
-    <ds:schemaRef ds:uri="http://purl.org/dc/terms/"/>
-    <ds:schemaRef ds:uri="http://schemas.microsoft.com/office/2006/documentManagement/types"/>
-    <ds:schemaRef ds:uri="http://schemas.microsoft.com/office/infopath/2007/PartnerControls"/>
-    <ds:schemaRef ds:uri="http://www.w3.org/XML/1998/namespace"/>
-    <ds:schemaRef ds:uri="http://purl.org/dc/dcmitype/"/>
-  </ds:schemaRefs>
-</ds:datastoreItem>
+<file path=customXml/item2.xml><?xml version="1.0" encoding="utf-8"?>
+<?mso-contentType ?>
+<FormTemplates xmlns="http://schemas.microsoft.com/sharepoint/v3/contenttype/forms">
+  <Display>DocumentLibraryForm</Display>
+  <Edit>AssetEditForm</Edit>
+  <New>DocumentLibraryForm</New>
+</FormTemplates>
 </file>
 
-<file path=customXml/itemProps2.xml><?xml version="1.0" encoding="utf-8"?>
-<ds:datastoreItem xmlns:ds="http://schemas.openxmlformats.org/officeDocument/2006/customXml" ds:itemID="{561E720F-F05D-4536-9C34-0CFCED65D3B7}">
-  <ds:schemaRefs>
-    <ds:schemaRef ds:uri="http://schemas.microsoft.com/sharepoint/v3/contenttype/forms"/>
-  </ds:schemaRefs>
-</ds:datastoreItem>
+<file path=customXml/item3.xml><?xml version="1.0" encoding="utf-8"?>
+<p:properties xmlns:p="http://schemas.microsoft.com/office/2006/metadata/properties" xmlns:xsi="http://www.w3.org/2001/XMLSchema-instance" xmlns:pc="http://schemas.microsoft.com/office/infopath/2007/PartnerControls">
+  <documentManagement>
+    <APDescription xmlns="4873beb7-5857-4685-be1f-d57550cc96cc" xsi:nil="true"/>
+    <AssetExpire xmlns="4873beb7-5857-4685-be1f-d57550cc96cc">2029-01-01T08:00:00+00:00</AssetExpire>
+    <CampaignTagsTaxHTField0 xmlns="4873beb7-5857-4685-be1f-d57550cc96cc">
+      <Terms xmlns="http://schemas.microsoft.com/office/infopath/2007/PartnerControls"/>
+    </CampaignTagsTaxHTField0>
+    <IntlLangReviewDate xmlns="4873beb7-5857-4685-be1f-d57550cc96cc" xsi:nil="true"/>
+    <TPFriendlyName xmlns="4873beb7-5857-4685-be1f-d57550cc96cc" xsi:nil="true"/>
+    <IntlLangReview xmlns="4873beb7-5857-4685-be1f-d57550cc96cc">false</IntlLangReview>
+    <LocLastLocAttemptVersionLookup xmlns="4873beb7-5857-4685-be1f-d57550cc96cc">855024</LocLastLocAttemptVersionLookup>
+    <PolicheckWords xmlns="4873beb7-5857-4685-be1f-d57550cc96cc" xsi:nil="true"/>
+    <SubmitterId xmlns="4873beb7-5857-4685-be1f-d57550cc96cc" xsi:nil="true"/>
+    <AcquiredFrom xmlns="4873beb7-5857-4685-be1f-d57550cc96cc">Internal MS</AcquiredFrom>
+    <EditorialStatus xmlns="4873beb7-5857-4685-be1f-d57550cc96cc">Complete</EditorialStatus>
+    <Markets xmlns="4873beb7-5857-4685-be1f-d57550cc96cc"/>
+    <OriginAsset xmlns="4873beb7-5857-4685-be1f-d57550cc96cc" xsi:nil="true"/>
+    <AssetStart xmlns="4873beb7-5857-4685-be1f-d57550cc96cc">2012-08-31T08:50:00+00:00</AssetStart>
+    <FriendlyTitle xmlns="4873beb7-5857-4685-be1f-d57550cc96cc" xsi:nil="true"/>
+    <MarketSpecific xmlns="4873beb7-5857-4685-be1f-d57550cc96cc">false</MarketSpecific>
+    <TPNamespace xmlns="4873beb7-5857-4685-be1f-d57550cc96cc" xsi:nil="true"/>
+    <PublishStatusLookup xmlns="4873beb7-5857-4685-be1f-d57550cc96cc">
+      <Value>1616423</Value>
+    </PublishStatusLookup>
+    <APAuthor xmlns="4873beb7-5857-4685-be1f-d57550cc96cc">
+      <UserInfo>
+        <DisplayName>REDMOND\kristaa</DisplayName>
+        <AccountId>136</AccountId>
+        <AccountType/>
+      </UserInfo>
+    </APAuthor>
+    <TPCommandLine xmlns="4873beb7-5857-4685-be1f-d57550cc96cc" xsi:nil="true"/>
+    <IntlLangReviewer xmlns="4873beb7-5857-4685-be1f-d57550cc96cc" xsi:nil="true"/>
+    <OpenTemplate xmlns="4873beb7-5857-4685-be1f-d57550cc96cc">true</OpenTemplate>
+    <CSXSubmissionDate xmlns="4873beb7-5857-4685-be1f-d57550cc96cc" xsi:nil="true"/>
+    <TaxCatchAll xmlns="4873beb7-5857-4685-be1f-d57550cc96cc"/>
+    <Manager xmlns="4873beb7-5857-4685-be1f-d57550cc96cc" xsi:nil="true"/>
+    <NumericId xmlns="4873beb7-5857-4685-be1f-d57550cc96cc" xsi:nil="true"/>
+    <ParentAssetId xmlns="4873beb7-5857-4685-be1f-d57550cc96cc" xsi:nil="true"/>
+    <OriginalSourceMarket xmlns="4873beb7-5857-4685-be1f-d57550cc96cc" xsi:nil="true"/>
+    <ApprovalStatus xmlns="4873beb7-5857-4685-be1f-d57550cc96cc">InProgress</ApprovalStatus>
+    <TPComponent xmlns="4873beb7-5857-4685-be1f-d57550cc96cc" xsi:nil="true"/>
+    <EditorialTags xmlns="4873beb7-5857-4685-be1f-d57550cc96cc" xsi:nil="true"/>
+    <TPExecutable xmlns="4873beb7-5857-4685-be1f-d57550cc96cc" xsi:nil="true"/>
+    <TPLaunchHelpLink xmlns="4873beb7-5857-4685-be1f-d57550cc96cc" xsi:nil="true"/>
+    <LocComments xmlns="4873beb7-5857-4685-be1f-d57550cc96cc" xsi:nil="true"/>
+    <LocRecommendedHandoff xmlns="4873beb7-5857-4685-be1f-d57550cc96cc" xsi:nil="true"/>
+    <SourceTitle xmlns="4873beb7-5857-4685-be1f-d57550cc96cc" xsi:nil="true"/>
+    <CSXUpdate xmlns="4873beb7-5857-4685-be1f-d57550cc96cc">false</CSXUpdate>
+    <IntlLocPriority xmlns="4873beb7-5857-4685-be1f-d57550cc96cc" xsi:nil="true"/>
+    <UAProjectedTotalWords xmlns="4873beb7-5857-4685-be1f-d57550cc96cc" xsi:nil="true"/>
+    <AssetType xmlns="4873beb7-5857-4685-be1f-d57550cc96cc">TP</AssetType>
+    <MachineTranslated xmlns="4873beb7-5857-4685-be1f-d57550cc96cc">false</MachineTranslated>
+    <OutputCachingOn xmlns="4873beb7-5857-4685-be1f-d57550cc96cc">false</OutputCachingOn>
+    <TemplateStatus xmlns="4873beb7-5857-4685-be1f-d57550cc96cc">Complete</TemplateStatus>
+    <IsSearchable xmlns="4873beb7-5857-4685-be1f-d57550cc96cc">true</IsSearchable>
+    <ContentItem xmlns="4873beb7-5857-4685-be1f-d57550cc96cc" xsi:nil="true"/>
+    <HandoffToMSDN xmlns="4873beb7-5857-4685-be1f-d57550cc96cc" xsi:nil="true"/>
+    <ShowIn xmlns="4873beb7-5857-4685-be1f-d57550cc96cc">Show everywhere</ShowIn>
+    <ThumbnailAssetId xmlns="4873beb7-5857-4685-be1f-d57550cc96cc" xsi:nil="true"/>
+    <UALocComments xmlns="4873beb7-5857-4685-be1f-d57550cc96cc" xsi:nil="true"/>
+    <UALocRecommendation xmlns="4873beb7-5857-4685-be1f-d57550cc96cc">Localize</UALocRecommendation>
+    <LastModifiedDateTime xmlns="4873beb7-5857-4685-be1f-d57550cc96cc" xsi:nil="true"/>
+    <LegacyData xmlns="4873beb7-5857-4685-be1f-d57550cc96cc" xsi:nil="true"/>
+    <LocManualTestRequired xmlns="4873beb7-5857-4685-be1f-d57550cc96cc">false</LocManualTestRequired>
+    <LocMarketGroupTiers2 xmlns="4873beb7-5857-4685-be1f-d57550cc96cc" xsi:nil="true"/>
+    <ClipArtFilename xmlns="4873beb7-5857-4685-be1f-d57550cc96cc" xsi:nil="true"/>
+    <TPApplication xmlns="4873beb7-5857-4685-be1f-d57550cc96cc" xsi:nil="true"/>
+    <CSXHash xmlns="4873beb7-5857-4685-be1f-d57550cc96cc" xsi:nil="true"/>
+    <DirectSourceMarket xmlns="4873beb7-5857-4685-be1f-d57550cc96cc" xsi:nil="true"/>
+    <PrimaryImageGen xmlns="4873beb7-5857-4685-be1f-d57550cc96cc">true</PrimaryImageGen>
+    <PlannedPubDate xmlns="4873beb7-5857-4685-be1f-d57550cc96cc" xsi:nil="true"/>
+    <CSXSubmissionMarket xmlns="4873beb7-5857-4685-be1f-d57550cc96cc" xsi:nil="true"/>
+    <Downloads xmlns="4873beb7-5857-4685-be1f-d57550cc96cc">0</Downloads>
+    <ArtSampleDocs xmlns="4873beb7-5857-4685-be1f-d57550cc96cc" xsi:nil="true"/>
+    <TrustLevel xmlns="4873beb7-5857-4685-be1f-d57550cc96cc">1 Microsoft Managed Content</TrustLevel>
+    <BlockPublish xmlns="4873beb7-5857-4685-be1f-d57550cc96cc">false</BlockPublish>
+    <TPLaunchHelpLinkType xmlns="4873beb7-5857-4685-be1f-d57550cc96cc">Template</TPLaunchHelpLinkType>
+    <LocalizationTagsTaxHTField0 xmlns="4873beb7-5857-4685-be1f-d57550cc96cc">
+      <Terms xmlns="http://schemas.microsoft.com/office/infopath/2007/PartnerControls"/>
+    </LocalizationTagsTaxHTField0>
+    <BusinessGroup xmlns="4873beb7-5857-4685-be1f-d57550cc96cc" xsi:nil="true"/>
+    <Providers xmlns="4873beb7-5857-4685-be1f-d57550cc96cc" xsi:nil="true"/>
+    <TemplateTemplateType xmlns="4873beb7-5857-4685-be1f-d57550cc96cc">PowerPoint Presentation Template</TemplateTemplateType>
+    <TimesCloned xmlns="4873beb7-5857-4685-be1f-d57550cc96cc" xsi:nil="true"/>
+    <TPAppVersion xmlns="4873beb7-5857-4685-be1f-d57550cc96cc" xsi:nil="true"/>
+    <VoteCount xmlns="4873beb7-5857-4685-be1f-d57550cc96cc" xsi:nil="true"/>
+    <AverageRating xmlns="4873beb7-5857-4685-be1f-d57550cc96cc" xsi:nil="true"/>
+    <FeatureTagsTaxHTField0 xmlns="4873beb7-5857-4685-be1f-d57550cc96cc">
+      <Terms xmlns="http://schemas.microsoft.com/office/infopath/2007/PartnerControls"/>
+    </FeatureTagsTaxHTField0>
+    <Provider xmlns="4873beb7-5857-4685-be1f-d57550cc96cc" xsi:nil="true"/>
+    <UACurrentWords xmlns="4873beb7-5857-4685-be1f-d57550cc96cc" xsi:nil="true"/>
+    <AssetId xmlns="4873beb7-5857-4685-be1f-d57550cc96cc">TP103431361</AssetId>
+    <TPClientViewer xmlns="4873beb7-5857-4685-be1f-d57550cc96cc" xsi:nil="true"/>
+    <DSATActionTaken xmlns="4873beb7-5857-4685-be1f-d57550cc96cc" xsi:nil="true"/>
+    <APEditor xmlns="4873beb7-5857-4685-be1f-d57550cc96cc">
+      <UserInfo>
+        <DisplayName/>
+        <AccountId xsi:nil="true"/>
+        <AccountType/>
+      </UserInfo>
+    </APEditor>
+    <TPInstallLocation xmlns="4873beb7-5857-4685-be1f-d57550cc96cc" xsi:nil="true"/>
+    <OOCacheId xmlns="4873beb7-5857-4685-be1f-d57550cc96cc" xsi:nil="true"/>
+    <IsDeleted xmlns="4873beb7-5857-4685-be1f-d57550cc96cc">false</IsDeleted>
+    <PublishTargets xmlns="4873beb7-5857-4685-be1f-d57550cc96cc">OfficeOnlineVNext</PublishTargets>
+    <ApprovalLog xmlns="4873beb7-5857-4685-be1f-d57550cc96cc" xsi:nil="true"/>
+    <BugNumber xmlns="4873beb7-5857-4685-be1f-d57550cc96cc" xsi:nil="true"/>
+    <CrawlForDependencies xmlns="4873beb7-5857-4685-be1f-d57550cc96cc">false</CrawlForDependencies>
+    <InternalTagsTaxHTField0 xmlns="4873beb7-5857-4685-be1f-d57550cc96cc">
+      <Terms xmlns="http://schemas.microsoft.com/office/infopath/2007/PartnerControls"/>
+    </InternalTagsTaxHTField0>
+    <LastHandOff xmlns="4873beb7-5857-4685-be1f-d57550cc96cc" xsi:nil="true"/>
+    <Milestone xmlns="4873beb7-5857-4685-be1f-d57550cc96cc" xsi:nil="true"/>
+    <OriginalRelease xmlns="4873beb7-5857-4685-be1f-d57550cc96cc">15</OriginalRelease>
+    <RecommendationsModifier xmlns="4873beb7-5857-4685-be1f-d57550cc96cc" xsi:nil="true"/>
+    <ScenarioTagsTaxHTField0 xmlns="4873beb7-5857-4685-be1f-d57550cc96cc">
+      <Terms xmlns="http://schemas.microsoft.com/office/infopath/2007/PartnerControls"/>
+    </ScenarioTagsTaxHTField0>
+    <UANotes xmlns="4873beb7-5857-4685-be1f-d57550cc96cc" xsi:nil="true"/>
+  </documentManagement>
+</p:properties>
 </file>
 
-<file path=customXml/itemProps3.xml><?xml version="1.0" encoding="utf-8"?>
+<file path=customXml/itemProps1.xml><?xml version="1.0" encoding="utf-8"?>
 <ds:datastoreItem xmlns:ds="http://schemas.openxmlformats.org/officeDocument/2006/customXml" ds:itemID="{28C8B9CA-0273-4370-889A-FC05DA5C2FA5}">
   <ds:schemaRefs>
     <ds:schemaRef ds:uri="http://schemas.microsoft.com/office/2006/metadata/contentType"/>
@@ -8754,4 +11334,28 @@
     <ds:schemaRef ds:uri="http://schemas.microsoft.com/internal/obd"/>
   </ds:schemaRefs>
 </ds:datastoreItem>
+</file>
+
+<file path=customXml/itemProps2.xml><?xml version="1.0" encoding="utf-8"?>
+<ds:datastoreItem xmlns:ds="http://schemas.openxmlformats.org/officeDocument/2006/customXml" ds:itemID="{561E720F-F05D-4536-9C34-0CFCED65D3B7}">
+  <ds:schemaRefs>
+    <ds:schemaRef ds:uri="http://schemas.microsoft.com/sharepoint/v3/contenttype/forms"/>
+  </ds:schemaRefs>
+</ds:datastoreItem>
+</file>
+
+<file path=customXml/itemProps3.xml><?xml version="1.0" encoding="utf-8"?>
+<ds:datastoreItem xmlns:ds="http://schemas.openxmlformats.org/officeDocument/2006/customXml" ds:itemID="{8CDDBB83-77C1-4099-A0AA-289882E745E2}">
+  <ds:schemaRefs>
+    <ds:schemaRef ds:uri="http://purl.org/dc/elements/1.1/"/>
+    <ds:schemaRef ds:uri="http://schemas.microsoft.com/office/2006/metadata/properties"/>
+    <ds:schemaRef ds:uri="4873beb7-5857-4685-be1f-d57550cc96cc"/>
+    <ds:schemaRef ds:uri="http://schemas.openxmlformats.org/package/2006/metadata/core-properties"/>
+    <ds:schemaRef ds:uri="http://purl.org/dc/terms/"/>
+    <ds:schemaRef ds:uri="http://schemas.microsoft.com/office/2006/documentManagement/types"/>
+    <ds:schemaRef ds:uri="http://schemas.microsoft.com/office/infopath/2007/PartnerControls"/>
+    <ds:schemaRef ds:uri="http://www.w3.org/XML/1998/namespace"/>
+    <ds:schemaRef ds:uri="http://purl.org/dc/dcmitype/"/>
+  </ds:schemaRefs>
+</ds:datastoreItem>
 </file>
--- a/docs/Embedded Devices Malware Detection, Prevention & Centralization.pptx
+++ b/docs/Embedded Devices Malware Detection, Prevention & Centralization.pptx
@@ -5,10 +5,10 @@
     <p:sldMasterId id="2147483648" r:id="rId4"/>
   </p:sldMasterIdLst>
   <p:notesMasterIdLst>
-    <p:notesMasterId r:id="rId18"/>
+    <p:notesMasterId r:id="rId23"/>
   </p:notesMasterIdLst>
   <p:handoutMasterIdLst>
-    <p:handoutMasterId r:id="rId19"/>
+    <p:handoutMasterId r:id="rId24"/>
   </p:handoutMasterIdLst>
   <p:sldIdLst>
     <p:sldId id="256" r:id="rId5"/>
@@ -23,7 +23,12 @@
     <p:sldId id="276" r:id="rId14"/>
     <p:sldId id="277" r:id="rId15"/>
     <p:sldId id="273" r:id="rId16"/>
-    <p:sldId id="268" r:id="rId17"/>
+    <p:sldId id="278" r:id="rId17"/>
+    <p:sldId id="279" r:id="rId18"/>
+    <p:sldId id="280" r:id="rId19"/>
+    <p:sldId id="283" r:id="rId20"/>
+    <p:sldId id="284" r:id="rId21"/>
+    <p:sldId id="268" r:id="rId22"/>
   </p:sldIdLst>
   <p:sldSz cx="12192000" cy="6858000"/>
   <p:notesSz cx="6858000" cy="9144000"/>
@@ -5426,8 +5431,8 @@
         </p:nvSpPr>
         <p:spPr>
           <a:xfrm>
-            <a:off x="1104900" y="2060448"/>
-            <a:ext cx="9980682" cy="2920287"/>
+            <a:off x="1104900" y="1584960"/>
+            <a:ext cx="9980682" cy="2424253"/>
           </a:xfrm>
           <a:prstGeom prst="rect">
             <a:avLst/>
@@ -5457,7 +5462,7 @@
                 <a:ea typeface="Times New Roman" panose="02020603050405020304" pitchFamily="18" charset="0"/>
                 <a:cs typeface="Times New Roman" panose="02020603050405020304" pitchFamily="18" charset="0"/>
               </a:rPr>
-              <a:t>Pentru demo, am creat următorul mediu de test:</a:t>
+              <a:t>Pentru evaluarea rezultatelor oferite de soluție, am create un mediu de test cu următoarea configurație:</a:t>
             </a:r>
           </a:p>
           <a:p>
@@ -5480,7 +5485,7 @@
                 <a:ea typeface="Times New Roman" panose="02020603050405020304" pitchFamily="18" charset="0"/>
                 <a:cs typeface="Times New Roman" panose="02020603050405020304" pitchFamily="18" charset="0"/>
               </a:rPr>
-              <a:t>3 containere de LXD ce deservește ca si client</a:t>
+              <a:t>4 containere de LXD drept clienți</a:t>
             </a:r>
           </a:p>
           <a:p>
@@ -5503,56 +5508,8 @@
                 <a:ea typeface="Times New Roman" panose="02020603050405020304" pitchFamily="18" charset="0"/>
                 <a:cs typeface="Times New Roman" panose="02020603050405020304" pitchFamily="18" charset="0"/>
               </a:rPr>
-              <a:t>1 container de LXD ce deservește ca si server</a:t>
-            </a:r>
-          </a:p>
-          <a:p>
-            <a:pPr marL="285750" marR="0" indent="-285750" algn="just">
-              <a:lnSpc>
-                <a:spcPct val="105000"/>
-              </a:lnSpc>
-              <a:spcBef>
-                <a:spcPts val="0"/>
-              </a:spcBef>
-              <a:spcAft>
-                <a:spcPts val="800"/>
-              </a:spcAft>
-              <a:buFontTx/>
-              <a:buChar char="-"/>
-            </a:pPr>
-            <a:r>
-              <a:rPr lang="ro-RO" dirty="0">
-                <a:latin typeface="Calibri" panose="020F0502020204030204" pitchFamily="34" charset="0"/>
-                <a:ea typeface="Times New Roman" panose="02020603050405020304" pitchFamily="18" charset="0"/>
-                <a:cs typeface="Times New Roman" panose="02020603050405020304" pitchFamily="18" charset="0"/>
-              </a:rPr>
-              <a:t>copierea fișierelor pe client folosind SSH</a:t>
-            </a:r>
-            <a:endParaRPr lang="en-US" dirty="0">
-              <a:latin typeface="Calibri" panose="020F0502020204030204" pitchFamily="34" charset="0"/>
-              <a:ea typeface="Times New Roman" panose="02020603050405020304" pitchFamily="18" charset="0"/>
-              <a:cs typeface="Times New Roman" panose="02020603050405020304" pitchFamily="18" charset="0"/>
-            </a:endParaRPr>
-          </a:p>
-          <a:p>
-            <a:pPr marL="285750" marR="0" indent="-285750" algn="just">
-              <a:lnSpc>
-                <a:spcPct val="105000"/>
-              </a:lnSpc>
-              <a:spcBef>
-                <a:spcPts val="0"/>
-              </a:spcBef>
-              <a:spcAft>
-                <a:spcPts val="800"/>
-              </a:spcAft>
-              <a:buFontTx/>
-              <a:buChar char="-"/>
-            </a:pPr>
-            <a:endParaRPr lang="en-US" dirty="0">
-              <a:latin typeface="Calibri" panose="020F0502020204030204" pitchFamily="34" charset="0"/>
-              <a:ea typeface="Times New Roman" panose="02020603050405020304" pitchFamily="18" charset="0"/>
-              <a:cs typeface="Times New Roman" panose="02020603050405020304" pitchFamily="18" charset="0"/>
-            </a:endParaRPr>
+              <a:t>1 container de LXD drept server</a:t>
+            </a:r>
           </a:p>
           <a:p>
             <a:pPr marR="0" algn="just">
@@ -5572,15 +5529,15 @@
                 <a:ea typeface="Times New Roman" panose="02020603050405020304" pitchFamily="18" charset="0"/>
                 <a:cs typeface="Times New Roman" panose="02020603050405020304" pitchFamily="18" charset="0"/>
               </a:rPr>
-              <a:t>Vom urmări daca fișierele malițioase sunt șterse de pe s</a:t>
-            </a:r>
-            <a:r>
-              <a:rPr lang="en-US" dirty="0" err="1">
+              <a:t>Pentru a simula interacțiunea unui utilizator real care ar cauza apariția unui fișier nou pe sistem, vom copia manual fișierele pe containere folosind utilitarul </a:t>
+            </a:r>
+            <a:r>
+              <a:rPr lang="ro-RO" dirty="0" err="1">
                 <a:latin typeface="Calibri" panose="020F0502020204030204" pitchFamily="34" charset="0"/>
                 <a:ea typeface="Times New Roman" panose="02020603050405020304" pitchFamily="18" charset="0"/>
                 <a:cs typeface="Times New Roman" panose="02020603050405020304" pitchFamily="18" charset="0"/>
               </a:rPr>
-              <a:t>i</a:t>
+              <a:t>scp</a:t>
             </a:r>
             <a:r>
               <a:rPr lang="ro-RO" dirty="0">
@@ -5588,11 +5545,46 @@
                 <a:ea typeface="Times New Roman" panose="02020603050405020304" pitchFamily="18" charset="0"/>
                 <a:cs typeface="Times New Roman" panose="02020603050405020304" pitchFamily="18" charset="0"/>
               </a:rPr>
-              <a:t>stem si daca loguri sunt trimise către server. De asemenea, vom interacționa si cu platforma HibridAnalysis pentru a vedea mai multe detalii despre fișierele malițioase.</a:t>
+              <a:t>. Pentru aceasta, am descărcat 11 fișiere (10 malițioase 1 unul nu) de pe internet pe care le vom introduce pe fiecare din cei 4 clienți și vom urmări timpul de răspuns al soluției cât și corectitudinea ei.</a:t>
             </a:r>
           </a:p>
         </p:txBody>
       </p:sp>
+      <p:pic>
+        <p:nvPicPr>
+          <p:cNvPr id="4" name="Picture 3">
+            <a:extLst>
+              <a:ext uri="{FF2B5EF4-FFF2-40B4-BE49-F238E27FC236}">
+                <a16:creationId xmlns:a16="http://schemas.microsoft.com/office/drawing/2014/main" id="{4739E8C7-2F88-4B86-985D-45793AC5DA04}"/>
+              </a:ext>
+            </a:extLst>
+          </p:cNvPr>
+          <p:cNvPicPr/>
+          <p:nvPr/>
+        </p:nvPicPr>
+        <p:blipFill>
+          <a:blip r:embed="rId2"/>
+          <a:stretch>
+            <a:fillRect/>
+          </a:stretch>
+        </p:blipFill>
+        <p:spPr>
+          <a:xfrm>
+            <a:off x="2628348" y="4421011"/>
+            <a:ext cx="6933785" cy="1689764"/>
+          </a:xfrm>
+          <a:prstGeom prst="rect">
+            <a:avLst/>
+          </a:prstGeom>
+          <a:effectLst>
+            <a:outerShdw blurRad="63500" sx="102000" sy="102000" algn="ctr" rotWithShape="0">
+              <a:prstClr val="black">
+                <a:alpha val="40000"/>
+              </a:prstClr>
+            </a:outerShdw>
+          </a:effectLst>
+        </p:spPr>
+      </p:pic>
     </p:spTree>
     <p:extLst>
       <p:ext uri="{BB962C8B-B14F-4D97-AF65-F5344CB8AC3E}">
@@ -5637,6 +5629,660 @@
       </p:grpSpPr>
       <p:sp>
         <p:nvSpPr>
+          <p:cNvPr id="2" name="Title 1">
+            <a:extLst>
+              <a:ext uri="{FF2B5EF4-FFF2-40B4-BE49-F238E27FC236}">
+                <a16:creationId xmlns:a16="http://schemas.microsoft.com/office/drawing/2014/main" id="{AA913C5E-B0B1-4D51-B2DE-99B16A103D80}"/>
+              </a:ext>
+            </a:extLst>
+          </p:cNvPr>
+          <p:cNvSpPr>
+            <a:spLocks noGrp="1"/>
+          </p:cNvSpPr>
+          <p:nvPr>
+            <p:ph type="title"/>
+          </p:nvPr>
+        </p:nvSpPr>
+        <p:spPr/>
+        <p:txBody>
+          <a:bodyPr/>
+          <a:lstStyle/>
+          <a:p>
+            <a:r>
+              <a:rPr lang="ro-RO" dirty="0"/>
+              <a:t>6. Evaluarea rezultatelor</a:t>
+            </a:r>
+            <a:endParaRPr lang="en-US" dirty="0"/>
+          </a:p>
+        </p:txBody>
+      </p:sp>
+      <p:pic>
+        <p:nvPicPr>
+          <p:cNvPr id="4" name="Content Placeholder 3">
+            <a:extLst>
+              <a:ext uri="{FF2B5EF4-FFF2-40B4-BE49-F238E27FC236}">
+                <a16:creationId xmlns:a16="http://schemas.microsoft.com/office/drawing/2014/main" id="{7B73DA34-E615-474B-AF77-8B4BE01DD1D1}"/>
+              </a:ext>
+            </a:extLst>
+          </p:cNvPr>
+          <p:cNvPicPr>
+            <a:picLocks noGrp="1"/>
+          </p:cNvPicPr>
+          <p:nvPr>
+            <p:ph idx="1"/>
+          </p:nvPr>
+        </p:nvPicPr>
+        <p:blipFill>
+          <a:blip r:embed="rId2"/>
+          <a:stretch>
+            <a:fillRect/>
+          </a:stretch>
+        </p:blipFill>
+        <p:spPr>
+          <a:xfrm>
+            <a:off x="1104900" y="1691560"/>
+            <a:ext cx="4519930" cy="1822739"/>
+          </a:xfrm>
+          <a:prstGeom prst="rect">
+            <a:avLst/>
+          </a:prstGeom>
+          <a:effectLst>
+            <a:outerShdw blurRad="63500" sx="102000" sy="102000" algn="ctr" rotWithShape="0">
+              <a:prstClr val="black">
+                <a:alpha val="40000"/>
+              </a:prstClr>
+            </a:outerShdw>
+          </a:effectLst>
+        </p:spPr>
+      </p:pic>
+      <p:pic>
+        <p:nvPicPr>
+          <p:cNvPr id="5" name="Picture 4">
+            <a:extLst>
+              <a:ext uri="{FF2B5EF4-FFF2-40B4-BE49-F238E27FC236}">
+                <a16:creationId xmlns:a16="http://schemas.microsoft.com/office/drawing/2014/main" id="{8D6BB2F8-9C2B-43D1-B1DB-6A6AF70563E8}"/>
+              </a:ext>
+            </a:extLst>
+          </p:cNvPr>
+          <p:cNvPicPr/>
+          <p:nvPr/>
+        </p:nvPicPr>
+        <p:blipFill>
+          <a:blip r:embed="rId3"/>
+          <a:stretch>
+            <a:fillRect/>
+          </a:stretch>
+        </p:blipFill>
+        <p:spPr>
+          <a:xfrm>
+            <a:off x="6701052" y="1691560"/>
+            <a:ext cx="4323116" cy="1822739"/>
+          </a:xfrm>
+          <a:prstGeom prst="rect">
+            <a:avLst/>
+          </a:prstGeom>
+          <a:effectLst>
+            <a:outerShdw blurRad="63500" sx="102000" sy="102000" algn="ctr" rotWithShape="0">
+              <a:prstClr val="black">
+                <a:alpha val="40000"/>
+              </a:prstClr>
+            </a:outerShdw>
+          </a:effectLst>
+        </p:spPr>
+      </p:pic>
+      <p:pic>
+        <p:nvPicPr>
+          <p:cNvPr id="6" name="Picture 5">
+            <a:extLst>
+              <a:ext uri="{FF2B5EF4-FFF2-40B4-BE49-F238E27FC236}">
+                <a16:creationId xmlns:a16="http://schemas.microsoft.com/office/drawing/2014/main" id="{FD2A1F84-C672-4F63-BD1B-6EE330F5AFD8}"/>
+              </a:ext>
+            </a:extLst>
+          </p:cNvPr>
+          <p:cNvPicPr/>
+          <p:nvPr/>
+        </p:nvPicPr>
+        <p:blipFill>
+          <a:blip r:embed="rId4"/>
+          <a:stretch>
+            <a:fillRect/>
+          </a:stretch>
+        </p:blipFill>
+        <p:spPr>
+          <a:xfrm>
+            <a:off x="1104900" y="4261154"/>
+            <a:ext cx="4519930" cy="2075180"/>
+          </a:xfrm>
+          <a:prstGeom prst="rect">
+            <a:avLst/>
+          </a:prstGeom>
+          <a:effectLst>
+            <a:outerShdw blurRad="63500" sx="102000" sy="102000" algn="ctr" rotWithShape="0">
+              <a:prstClr val="black">
+                <a:alpha val="40000"/>
+              </a:prstClr>
+            </a:outerShdw>
+          </a:effectLst>
+        </p:spPr>
+      </p:pic>
+      <p:pic>
+        <p:nvPicPr>
+          <p:cNvPr id="7" name="Picture 6">
+            <a:extLst>
+              <a:ext uri="{FF2B5EF4-FFF2-40B4-BE49-F238E27FC236}">
+                <a16:creationId xmlns:a16="http://schemas.microsoft.com/office/drawing/2014/main" id="{02EB66FE-D309-4F49-8230-8EA00A9240B6}"/>
+              </a:ext>
+            </a:extLst>
+          </p:cNvPr>
+          <p:cNvPicPr/>
+          <p:nvPr/>
+        </p:nvPicPr>
+        <p:blipFill>
+          <a:blip r:embed="rId5"/>
+          <a:stretch>
+            <a:fillRect/>
+          </a:stretch>
+        </p:blipFill>
+        <p:spPr>
+          <a:xfrm>
+            <a:off x="6605820" y="4261154"/>
+            <a:ext cx="4479762" cy="1996345"/>
+          </a:xfrm>
+          <a:prstGeom prst="rect">
+            <a:avLst/>
+          </a:prstGeom>
+          <a:effectLst>
+            <a:outerShdw blurRad="63500" sx="102000" sy="102000" algn="ctr" rotWithShape="0">
+              <a:prstClr val="black">
+                <a:alpha val="40000"/>
+              </a:prstClr>
+            </a:outerShdw>
+          </a:effectLst>
+        </p:spPr>
+      </p:pic>
+    </p:spTree>
+    <p:extLst>
+      <p:ext uri="{BB962C8B-B14F-4D97-AF65-F5344CB8AC3E}">
+        <p14:creationId xmlns:p14="http://schemas.microsoft.com/office/powerpoint/2010/main" val="3052185594"/>
+      </p:ext>
+    </p:extLst>
+  </p:cSld>
+  <p:clrMapOvr>
+    <a:masterClrMapping/>
+  </p:clrMapOvr>
+  <mc:AlternateContent xmlns:mc="http://schemas.openxmlformats.org/markup-compatibility/2006" xmlns:p14="http://schemas.microsoft.com/office/powerpoint/2010/main">
+    <mc:Choice Requires="p14">
+      <p:transition spd="med" p14:dur="700">
+        <p:fade/>
+      </p:transition>
+    </mc:Choice>
+    <mc:Fallback xmlns="">
+      <p:transition spd="med">
+        <p:fade/>
+      </p:transition>
+    </mc:Fallback>
+  </mc:AlternateContent>
+</p:sld>
+</file>
+
+<file path=ppt/slides/slide14.xml><?xml version="1.0" encoding="utf-8"?>
+<p:sld xmlns:a="http://schemas.openxmlformats.org/drawingml/2006/main" xmlns:r="http://schemas.openxmlformats.org/officeDocument/2006/relationships" xmlns:p="http://schemas.openxmlformats.org/presentationml/2006/main">
+  <p:cSld>
+    <p:spTree>
+      <p:nvGrpSpPr>
+        <p:cNvPr id="1" name=""/>
+        <p:cNvGrpSpPr/>
+        <p:nvPr/>
+      </p:nvGrpSpPr>
+      <p:grpSpPr>
+        <a:xfrm>
+          <a:off x="0" y="0"/>
+          <a:ext cx="0" cy="0"/>
+          <a:chOff x="0" y="0"/>
+          <a:chExt cx="0" cy="0"/>
+        </a:xfrm>
+      </p:grpSpPr>
+      <p:sp>
+        <p:nvSpPr>
+          <p:cNvPr id="2" name="Title 1">
+            <a:extLst>
+              <a:ext uri="{FF2B5EF4-FFF2-40B4-BE49-F238E27FC236}">
+                <a16:creationId xmlns:a16="http://schemas.microsoft.com/office/drawing/2014/main" id="{A40AF832-141B-4A70-A9C8-BE89C3AA3A82}"/>
+              </a:ext>
+            </a:extLst>
+          </p:cNvPr>
+          <p:cNvSpPr>
+            <a:spLocks noGrp="1"/>
+          </p:cNvSpPr>
+          <p:nvPr>
+            <p:ph type="title"/>
+          </p:nvPr>
+        </p:nvSpPr>
+        <p:spPr/>
+        <p:txBody>
+          <a:bodyPr/>
+          <a:lstStyle/>
+          <a:p>
+            <a:r>
+              <a:rPr lang="ro-RO" dirty="0"/>
+              <a:t>6. Evaluarea rezultatelor</a:t>
+            </a:r>
+            <a:endParaRPr lang="en-US" dirty="0"/>
+          </a:p>
+        </p:txBody>
+      </p:sp>
+      <p:pic>
+        <p:nvPicPr>
+          <p:cNvPr id="4" name="Content Placeholder 3">
+            <a:extLst>
+              <a:ext uri="{FF2B5EF4-FFF2-40B4-BE49-F238E27FC236}">
+                <a16:creationId xmlns:a16="http://schemas.microsoft.com/office/drawing/2014/main" id="{4E418DBF-5E28-465B-B144-EBB51140BDCE}"/>
+              </a:ext>
+            </a:extLst>
+          </p:cNvPr>
+          <p:cNvPicPr>
+            <a:picLocks noGrp="1"/>
+          </p:cNvPicPr>
+          <p:nvPr>
+            <p:ph idx="1"/>
+          </p:nvPr>
+        </p:nvPicPr>
+        <p:blipFill>
+          <a:blip r:embed="rId2"/>
+          <a:stretch>
+            <a:fillRect/>
+          </a:stretch>
+        </p:blipFill>
+        <p:spPr>
+          <a:xfrm>
+            <a:off x="4033852" y="2001230"/>
+            <a:ext cx="4122777" cy="3619814"/>
+          </a:xfrm>
+          <a:prstGeom prst="rect">
+            <a:avLst/>
+          </a:prstGeom>
+          <a:effectLst>
+            <a:outerShdw blurRad="63500" sx="102000" sy="102000" algn="ctr" rotWithShape="0">
+              <a:prstClr val="black">
+                <a:alpha val="40000"/>
+              </a:prstClr>
+            </a:outerShdw>
+          </a:effectLst>
+        </p:spPr>
+      </p:pic>
+    </p:spTree>
+    <p:extLst>
+      <p:ext uri="{BB962C8B-B14F-4D97-AF65-F5344CB8AC3E}">
+        <p14:creationId xmlns:p14="http://schemas.microsoft.com/office/powerpoint/2010/main" val="1630728212"/>
+      </p:ext>
+    </p:extLst>
+  </p:cSld>
+  <p:clrMapOvr>
+    <a:masterClrMapping/>
+  </p:clrMapOvr>
+  <mc:AlternateContent xmlns:mc="http://schemas.openxmlformats.org/markup-compatibility/2006" xmlns:p14="http://schemas.microsoft.com/office/powerpoint/2010/main">
+    <mc:Choice Requires="p14">
+      <p:transition spd="med" p14:dur="700">
+        <p:fade/>
+      </p:transition>
+    </mc:Choice>
+    <mc:Fallback xmlns="">
+      <p:transition spd="med">
+        <p:fade/>
+      </p:transition>
+    </mc:Fallback>
+  </mc:AlternateContent>
+</p:sld>
+</file>
+
+<file path=ppt/slides/slide15.xml><?xml version="1.0" encoding="utf-8"?>
+<p:sld xmlns:a="http://schemas.openxmlformats.org/drawingml/2006/main" xmlns:r="http://schemas.openxmlformats.org/officeDocument/2006/relationships" xmlns:p="http://schemas.openxmlformats.org/presentationml/2006/main">
+  <p:cSld>
+    <p:spTree>
+      <p:nvGrpSpPr>
+        <p:cNvPr id="1" name=""/>
+        <p:cNvGrpSpPr/>
+        <p:nvPr/>
+      </p:nvGrpSpPr>
+      <p:grpSpPr>
+        <a:xfrm>
+          <a:off x="0" y="0"/>
+          <a:ext cx="0" cy="0"/>
+          <a:chOff x="0" y="0"/>
+          <a:chExt cx="0" cy="0"/>
+        </a:xfrm>
+      </p:grpSpPr>
+      <p:sp>
+        <p:nvSpPr>
+          <p:cNvPr id="2" name="Title 1">
+            <a:extLst>
+              <a:ext uri="{FF2B5EF4-FFF2-40B4-BE49-F238E27FC236}">
+                <a16:creationId xmlns:a16="http://schemas.microsoft.com/office/drawing/2014/main" id="{F2F91321-4F50-4E94-A23C-920058FADE77}"/>
+              </a:ext>
+            </a:extLst>
+          </p:cNvPr>
+          <p:cNvSpPr>
+            <a:spLocks noGrp="1"/>
+          </p:cNvSpPr>
+          <p:nvPr>
+            <p:ph type="title"/>
+          </p:nvPr>
+        </p:nvSpPr>
+        <p:spPr/>
+        <p:txBody>
+          <a:bodyPr/>
+          <a:lstStyle/>
+          <a:p>
+            <a:r>
+              <a:rPr lang="ro-RO" dirty="0"/>
+              <a:t>6. Evaluarea rezultatelor</a:t>
+            </a:r>
+            <a:endParaRPr lang="en-US" dirty="0"/>
+          </a:p>
+        </p:txBody>
+      </p:sp>
+      <p:sp>
+        <p:nvSpPr>
+          <p:cNvPr id="3" name="Content Placeholder 2">
+            <a:extLst>
+              <a:ext uri="{FF2B5EF4-FFF2-40B4-BE49-F238E27FC236}">
+                <a16:creationId xmlns:a16="http://schemas.microsoft.com/office/drawing/2014/main" id="{93097991-CC8E-43AE-A126-2AA72CBAB956}"/>
+              </a:ext>
+            </a:extLst>
+          </p:cNvPr>
+          <p:cNvSpPr>
+            <a:spLocks noGrp="1"/>
+          </p:cNvSpPr>
+          <p:nvPr>
+            <p:ph idx="1"/>
+          </p:nvPr>
+        </p:nvSpPr>
+        <p:spPr>
+          <a:xfrm>
+            <a:off x="1104900" y="1600199"/>
+            <a:ext cx="9982200" cy="2623783"/>
+          </a:xfrm>
+        </p:spPr>
+        <p:txBody>
+          <a:bodyPr>
+            <a:normAutofit lnSpcReduction="10000"/>
+          </a:bodyPr>
+          <a:lstStyle/>
+          <a:p>
+            <a:r>
+              <a:rPr lang="ro-RO" sz="1800" dirty="0">
+                <a:latin typeface="Calibri" panose="020F0502020204030204" pitchFamily="34" charset="0"/>
+                <a:cs typeface="Calibri" panose="020F0502020204030204" pitchFamily="34" charset="0"/>
+              </a:rPr>
+              <a:t>După cum putem observa, fiecare fișier încărcat a fost detectat cu succes și centralizat în aplicația web. De asemenea, putem confirma pe platforma HybridAnalysis că acestea au fost încărcate și detectate ca malware.</a:t>
+            </a:r>
+          </a:p>
+          <a:p>
+            <a:r>
+              <a:rPr lang="ro-RO" sz="1800" dirty="0">
+                <a:latin typeface="Calibri" panose="020F0502020204030204" pitchFamily="34" charset="0"/>
+                <a:cs typeface="Calibri" panose="020F0502020204030204" pitchFamily="34" charset="0"/>
+              </a:rPr>
+              <a:t>Dacă dorim timpul general de răspuns a soluției din momentul în care un fișier a ajuns pe sistem până la generarea unei alerte în aplicația web, extragem din câmpul „</a:t>
+            </a:r>
+            <a:r>
+              <a:rPr lang="ro-RO" sz="1800" dirty="0" err="1">
+                <a:latin typeface="Calibri" panose="020F0502020204030204" pitchFamily="34" charset="0"/>
+                <a:cs typeface="Calibri" panose="020F0502020204030204" pitchFamily="34" charset="0"/>
+              </a:rPr>
+              <a:t>Quarantined</a:t>
+            </a:r>
+            <a:r>
+              <a:rPr lang="ro-RO" sz="1800" dirty="0">
+                <a:latin typeface="Calibri" panose="020F0502020204030204" pitchFamily="34" charset="0"/>
+                <a:cs typeface="Calibri" panose="020F0502020204030204" pitchFamily="34" charset="0"/>
+              </a:rPr>
+              <a:t>” din alerta corespunzătoare valoarea aferentă pentru </a:t>
+            </a:r>
+            <a:r>
+              <a:rPr lang="ro-RO" sz="1800" i="1" u="sng" dirty="0" err="1">
+                <a:latin typeface="Calibri" panose="020F0502020204030204" pitchFamily="34" charset="0"/>
+                <a:cs typeface="Calibri" panose="020F0502020204030204" pitchFamily="34" charset="0"/>
+                <a:hlinkClick r:id="rId2"/>
+              </a:rPr>
+              <a:t>epochs</a:t>
+            </a:r>
+            <a:r>
+              <a:rPr lang="ro-RO" sz="1800" dirty="0">
+                <a:latin typeface="Calibri" panose="020F0502020204030204" pitchFamily="34" charset="0"/>
+                <a:cs typeface="Calibri" panose="020F0502020204030204" pitchFamily="34" charset="0"/>
+              </a:rPr>
+              <a:t>. Aceasta trebuie scăzută din ultimul timp de acces al fișierului de log de pe server (aplicația web poate </a:t>
+            </a:r>
+            <a:r>
+              <a:rPr lang="ro-RO" sz="1800" dirty="0" err="1">
+                <a:latin typeface="Calibri" panose="020F0502020204030204" pitchFamily="34" charset="0"/>
+                <a:cs typeface="Calibri" panose="020F0502020204030204" pitchFamily="34" charset="0"/>
+              </a:rPr>
+              <a:t>parsa</a:t>
+            </a:r>
+            <a:r>
+              <a:rPr lang="ro-RO" sz="1800" dirty="0">
+                <a:latin typeface="Calibri" panose="020F0502020204030204" pitchFamily="34" charset="0"/>
+                <a:cs typeface="Calibri" panose="020F0502020204030204" pitchFamily="34" charset="0"/>
+              </a:rPr>
+              <a:t> fișierul manual ceea ce înseamnă că putem ignora timpul prelucrării datelor din fișier). De luat în considerare este faptul că, pentru fișierele de dimensiuni mici, timpul de răspuns al API-ului este neglijabil. (aproape instant). Făcând acest calcul, observăm că timpul aproximativ de răspuns al soluției pentru 44 de fișiere în același timp (40 malițioase) este de aproximativ 30 secunde.</a:t>
+            </a:r>
+            <a:endParaRPr lang="en-US" sz="1800" dirty="0">
+              <a:latin typeface="Calibri" panose="020F0502020204030204" pitchFamily="34" charset="0"/>
+              <a:cs typeface="Calibri" panose="020F0502020204030204" pitchFamily="34" charset="0"/>
+            </a:endParaRPr>
+          </a:p>
+          <a:p>
+            <a:endParaRPr lang="en-US" sz="1800" dirty="0">
+              <a:latin typeface="Calibri" panose="020F0502020204030204" pitchFamily="34" charset="0"/>
+              <a:cs typeface="Calibri" panose="020F0502020204030204" pitchFamily="34" charset="0"/>
+            </a:endParaRPr>
+          </a:p>
+        </p:txBody>
+      </p:sp>
+    </p:spTree>
+    <p:extLst>
+      <p:ext uri="{BB962C8B-B14F-4D97-AF65-F5344CB8AC3E}">
+        <p14:creationId xmlns:p14="http://schemas.microsoft.com/office/powerpoint/2010/main" val="2828619638"/>
+      </p:ext>
+    </p:extLst>
+  </p:cSld>
+  <p:clrMapOvr>
+    <a:masterClrMapping/>
+  </p:clrMapOvr>
+  <mc:AlternateContent xmlns:mc="http://schemas.openxmlformats.org/markup-compatibility/2006" xmlns:p14="http://schemas.microsoft.com/office/powerpoint/2010/main">
+    <mc:Choice Requires="p14">
+      <p:transition spd="med" p14:dur="700">
+        <p:fade/>
+      </p:transition>
+    </mc:Choice>
+    <mc:Fallback xmlns="">
+      <p:transition spd="med">
+        <p:fade/>
+      </p:transition>
+    </mc:Fallback>
+  </mc:AlternateContent>
+</p:sld>
+</file>
+
+<file path=ppt/slides/slide16.xml><?xml version="1.0" encoding="utf-8"?>
+<p:sld xmlns:a="http://schemas.openxmlformats.org/drawingml/2006/main" xmlns:r="http://schemas.openxmlformats.org/officeDocument/2006/relationships" xmlns:p="http://schemas.openxmlformats.org/presentationml/2006/main">
+  <p:cSld>
+    <p:spTree>
+      <p:nvGrpSpPr>
+        <p:cNvPr id="1" name=""/>
+        <p:cNvGrpSpPr/>
+        <p:nvPr/>
+      </p:nvGrpSpPr>
+      <p:grpSpPr>
+        <a:xfrm>
+          <a:off x="0" y="0"/>
+          <a:ext cx="0" cy="0"/>
+          <a:chOff x="0" y="0"/>
+          <a:chExt cx="0" cy="0"/>
+        </a:xfrm>
+      </p:grpSpPr>
+      <p:pic>
+        <p:nvPicPr>
+          <p:cNvPr id="2" name="Content Placeholder 3">
+            <a:extLst>
+              <a:ext uri="{FF2B5EF4-FFF2-40B4-BE49-F238E27FC236}">
+                <a16:creationId xmlns:a16="http://schemas.microsoft.com/office/drawing/2014/main" id="{C2D7D746-CF7A-4C27-A963-BED0596C01EC}"/>
+              </a:ext>
+            </a:extLst>
+          </p:cNvPr>
+          <p:cNvPicPr>
+            <a:picLocks/>
+          </p:cNvPicPr>
+          <p:nvPr/>
+        </p:nvPicPr>
+        <p:blipFill>
+          <a:blip r:embed="rId2"/>
+          <a:stretch>
+            <a:fillRect/>
+          </a:stretch>
+        </p:blipFill>
+        <p:spPr>
+          <a:xfrm>
+            <a:off x="2017266" y="344423"/>
+            <a:ext cx="8157468" cy="6007609"/>
+          </a:xfrm>
+          <a:prstGeom prst="rect">
+            <a:avLst/>
+          </a:prstGeom>
+          <a:effectLst>
+            <a:outerShdw blurRad="63500" sx="102000" sy="102000" algn="ctr" rotWithShape="0">
+              <a:prstClr val="black">
+                <a:alpha val="40000"/>
+              </a:prstClr>
+            </a:outerShdw>
+          </a:effectLst>
+        </p:spPr>
+      </p:pic>
+    </p:spTree>
+    <p:extLst>
+      <p:ext uri="{BB962C8B-B14F-4D97-AF65-F5344CB8AC3E}">
+        <p14:creationId xmlns:p14="http://schemas.microsoft.com/office/powerpoint/2010/main" val="2611206745"/>
+      </p:ext>
+    </p:extLst>
+  </p:cSld>
+  <p:clrMapOvr>
+    <a:masterClrMapping/>
+  </p:clrMapOvr>
+  <mc:AlternateContent xmlns:mc="http://schemas.openxmlformats.org/markup-compatibility/2006" xmlns:p14="http://schemas.microsoft.com/office/powerpoint/2010/main">
+    <mc:Choice Requires="p14">
+      <p:transition spd="med" p14:dur="700">
+        <p:fade/>
+      </p:transition>
+    </mc:Choice>
+    <mc:Fallback xmlns="">
+      <p:transition spd="med">
+        <p:fade/>
+      </p:transition>
+    </mc:Fallback>
+  </mc:AlternateContent>
+</p:sld>
+</file>
+
+<file path=ppt/slides/slide17.xml><?xml version="1.0" encoding="utf-8"?>
+<p:sld xmlns:a="http://schemas.openxmlformats.org/drawingml/2006/main" xmlns:r="http://schemas.openxmlformats.org/officeDocument/2006/relationships" xmlns:p="http://schemas.openxmlformats.org/presentationml/2006/main">
+  <p:cSld>
+    <p:spTree>
+      <p:nvGrpSpPr>
+        <p:cNvPr id="1" name=""/>
+        <p:cNvGrpSpPr/>
+        <p:nvPr/>
+      </p:nvGrpSpPr>
+      <p:grpSpPr>
+        <a:xfrm>
+          <a:off x="0" y="0"/>
+          <a:ext cx="0" cy="0"/>
+          <a:chOff x="0" y="0"/>
+          <a:chExt cx="0" cy="0"/>
+        </a:xfrm>
+      </p:grpSpPr>
+      <p:pic>
+        <p:nvPicPr>
+          <p:cNvPr id="3" name="Content Placeholder 3">
+            <a:extLst>
+              <a:ext uri="{FF2B5EF4-FFF2-40B4-BE49-F238E27FC236}">
+                <a16:creationId xmlns:a16="http://schemas.microsoft.com/office/drawing/2014/main" id="{5B191ECC-A965-435D-B028-CD96176080A8}"/>
+              </a:ext>
+            </a:extLst>
+          </p:cNvPr>
+          <p:cNvPicPr>
+            <a:picLocks/>
+          </p:cNvPicPr>
+          <p:nvPr/>
+        </p:nvPicPr>
+        <p:blipFill>
+          <a:blip r:embed="rId2"/>
+          <a:stretch>
+            <a:fillRect/>
+          </a:stretch>
+        </p:blipFill>
+        <p:spPr>
+          <a:xfrm>
+            <a:off x="1394052" y="1866764"/>
+            <a:ext cx="9403895" cy="3124471"/>
+          </a:xfrm>
+          <a:prstGeom prst="rect">
+            <a:avLst/>
+          </a:prstGeom>
+          <a:effectLst>
+            <a:outerShdw blurRad="63500" sx="102000" sy="102000" algn="ctr" rotWithShape="0">
+              <a:prstClr val="black">
+                <a:alpha val="40000"/>
+              </a:prstClr>
+            </a:outerShdw>
+          </a:effectLst>
+        </p:spPr>
+      </p:pic>
+    </p:spTree>
+    <p:extLst>
+      <p:ext uri="{BB962C8B-B14F-4D97-AF65-F5344CB8AC3E}">
+        <p14:creationId xmlns:p14="http://schemas.microsoft.com/office/powerpoint/2010/main" val="603283278"/>
+      </p:ext>
+    </p:extLst>
+  </p:cSld>
+  <p:clrMapOvr>
+    <a:masterClrMapping/>
+  </p:clrMapOvr>
+  <mc:AlternateContent xmlns:mc="http://schemas.openxmlformats.org/markup-compatibility/2006" xmlns:p14="http://schemas.microsoft.com/office/powerpoint/2010/main">
+    <mc:Choice Requires="p14">
+      <p:transition spd="med" p14:dur="700">
+        <p:fade/>
+      </p:transition>
+    </mc:Choice>
+    <mc:Fallback xmlns="">
+      <p:transition spd="med">
+        <p:fade/>
+      </p:transition>
+    </mc:Fallback>
+  </mc:AlternateContent>
+</p:sld>
+</file>
+
+<file path=ppt/slides/slide18.xml><?xml version="1.0" encoding="utf-8"?>
+<p:sld xmlns:a="http://schemas.openxmlformats.org/drawingml/2006/main" xmlns:r="http://schemas.openxmlformats.org/officeDocument/2006/relationships" xmlns:p="http://schemas.openxmlformats.org/presentationml/2006/main">
+  <p:cSld>
+    <p:spTree>
+      <p:nvGrpSpPr>
+        <p:cNvPr id="1" name=""/>
+        <p:cNvGrpSpPr/>
+        <p:nvPr/>
+      </p:nvGrpSpPr>
+      <p:grpSpPr>
+        <a:xfrm>
+          <a:off x="0" y="0"/>
+          <a:ext cx="0" cy="0"/>
+          <a:chOff x="0" y="0"/>
+          <a:chExt cx="0" cy="0"/>
+        </a:xfrm>
+      </p:grpSpPr>
+      <p:sp>
+        <p:nvSpPr>
           <p:cNvPr id="2" name="Title 1"/>
           <p:cNvSpPr>
             <a:spLocks noGrp="1"/>
@@ -5647,14 +6293,27 @@
         </p:nvSpPr>
         <p:spPr>
           <a:xfrm>
-            <a:off x="4397883" y="2996183"/>
-            <a:ext cx="3396234" cy="865634"/>
+            <a:off x="3029712" y="2005584"/>
+            <a:ext cx="8558784" cy="3048000"/>
           </a:xfrm>
         </p:spPr>
         <p:txBody>
-          <a:bodyPr/>
+          <a:bodyPr>
+            <a:normAutofit/>
+          </a:bodyPr>
           <a:lstStyle/>
           <a:p>
+            <a:pPr algn="ctr"/>
+            <a:r>
+              <a:rPr lang="ro-RO" dirty="0"/>
+              <a:t>Mulțumesc pentru timpul acordat.</a:t>
+            </a:r>
+            <a:br>
+              <a:rPr lang="ro-RO" dirty="0"/>
+            </a:br>
+            <a:br>
+              <a:rPr lang="ro-RO" dirty="0"/>
+            </a:br>
             <a:r>
               <a:rPr lang="ro-RO" dirty="0"/>
               <a:t>Întrebări</a:t>
@@ -11184,15 +11843,6 @@
 </file>
 
 <file path=customXml/item2.xml><?xml version="1.0" encoding="utf-8"?>
-<?mso-contentType ?>
-<FormTemplates xmlns="http://schemas.microsoft.com/sharepoint/v3/contenttype/forms">
-  <Display>DocumentLibraryForm</Display>
-  <Edit>AssetEditForm</Edit>
-  <New>DocumentLibraryForm</New>
-</FormTemplates>
-</file>
-
-<file path=customXml/item3.xml><?xml version="1.0" encoding="utf-8"?>
 <p:properties xmlns:p="http://schemas.microsoft.com/office/2006/metadata/properties" xmlns:xsi="http://www.w3.org/2001/XMLSchema-instance" xmlns:pc="http://schemas.microsoft.com/office/infopath/2007/PartnerControls">
   <documentManagement>
     <APDescription xmlns="4873beb7-5857-4685-be1f-d57550cc96cc" xsi:nil="true"/>
@@ -11318,6 +11968,15 @@
 </p:properties>
 </file>
 
+<file path=customXml/item3.xml><?xml version="1.0" encoding="utf-8"?>
+<?mso-contentType ?>
+<FormTemplates xmlns="http://schemas.microsoft.com/sharepoint/v3/contenttype/forms">
+  <Display>DocumentLibraryForm</Display>
+  <Edit>AssetEditForm</Edit>
+  <New>DocumentLibraryForm</New>
+</FormTemplates>
+</file>
+
 <file path=customXml/itemProps1.xml><?xml version="1.0" encoding="utf-8"?>
 <ds:datastoreItem xmlns:ds="http://schemas.openxmlformats.org/officeDocument/2006/customXml" ds:itemID="{28C8B9CA-0273-4370-889A-FC05DA5C2FA5}">
   <ds:schemaRefs>
@@ -11337,14 +11996,6 @@
 </file>
 
 <file path=customXml/itemProps2.xml><?xml version="1.0" encoding="utf-8"?>
-<ds:datastoreItem xmlns:ds="http://schemas.openxmlformats.org/officeDocument/2006/customXml" ds:itemID="{561E720F-F05D-4536-9C34-0CFCED65D3B7}">
-  <ds:schemaRefs>
-    <ds:schemaRef ds:uri="http://schemas.microsoft.com/sharepoint/v3/contenttype/forms"/>
-  </ds:schemaRefs>
-</ds:datastoreItem>
-</file>
-
-<file path=customXml/itemProps3.xml><?xml version="1.0" encoding="utf-8"?>
 <ds:datastoreItem xmlns:ds="http://schemas.openxmlformats.org/officeDocument/2006/customXml" ds:itemID="{8CDDBB83-77C1-4099-A0AA-289882E745E2}">
   <ds:schemaRefs>
     <ds:schemaRef ds:uri="http://purl.org/dc/elements/1.1/"/>
@@ -11358,4 +12009,12 @@
     <ds:schemaRef ds:uri="http://purl.org/dc/dcmitype/"/>
   </ds:schemaRefs>
 </ds:datastoreItem>
+</file>
+
+<file path=customXml/itemProps3.xml><?xml version="1.0" encoding="utf-8"?>
+<ds:datastoreItem xmlns:ds="http://schemas.openxmlformats.org/officeDocument/2006/customXml" ds:itemID="{561E720F-F05D-4536-9C34-0CFCED65D3B7}">
+  <ds:schemaRefs>
+    <ds:schemaRef ds:uri="http://schemas.microsoft.com/sharepoint/v3/contenttype/forms"/>
+  </ds:schemaRefs>
+</ds:datastoreItem>
 </file>